--- a/overlays/ARP-4754A/ARP-4754A-ontology.pptx
+++ b/overlays/ARP-4754A/ARP-4754A-ontology.pptx
@@ -4,8 +4,12 @@
   <p:sldMasterIdLst>
     <p:sldMasterId id="2147483648" r:id="rId1"/>
   </p:sldMasterIdLst>
+  <p:notesMasterIdLst>
+    <p:notesMasterId r:id="rId4"/>
+  </p:notesMasterIdLst>
   <p:sldIdLst>
-    <p:sldId id="257" r:id="rId2"/>
+    <p:sldId id="256" r:id="rId2"/>
+    <p:sldId id="257" r:id="rId3"/>
   </p:sldIdLst>
   <p:sldSz cx="12192000" cy="6858000"/>
   <p:notesSz cx="6858000" cy="9144000"/>
@@ -112,6 +116,439 @@
 </p:presentation>
 </file>
 
+<file path=ppt/notesMasters/notesMaster1.xml><?xml version="1.0" encoding="utf-8"?>
+<p:notesMaster xmlns:a="http://schemas.openxmlformats.org/drawingml/2006/main" xmlns:r="http://schemas.openxmlformats.org/officeDocument/2006/relationships" xmlns:p="http://schemas.openxmlformats.org/presentationml/2006/main">
+  <p:cSld>
+    <p:bg>
+      <p:bgRef idx="1001">
+        <a:schemeClr val="bg1"/>
+      </p:bgRef>
+    </p:bg>
+    <p:spTree>
+      <p:nvGrpSpPr>
+        <p:cNvPr id="1" name=""/>
+        <p:cNvGrpSpPr/>
+        <p:nvPr/>
+      </p:nvGrpSpPr>
+      <p:grpSpPr>
+        <a:xfrm>
+          <a:off x="0" y="0"/>
+          <a:ext cx="0" cy="0"/>
+          <a:chOff x="0" y="0"/>
+          <a:chExt cx="0" cy="0"/>
+        </a:xfrm>
+      </p:grpSpPr>
+      <p:sp>
+        <p:nvSpPr>
+          <p:cNvPr id="2" name="Header Placeholder 1"/>
+          <p:cNvSpPr>
+            <a:spLocks noGrp="1"/>
+          </p:cNvSpPr>
+          <p:nvPr>
+            <p:ph type="hdr" sz="quarter"/>
+          </p:nvPr>
+        </p:nvSpPr>
+        <p:spPr>
+          <a:xfrm>
+            <a:off x="0" y="0"/>
+            <a:ext cx="2971800" cy="458788"/>
+          </a:xfrm>
+          <a:prstGeom prst="rect">
+            <a:avLst/>
+          </a:prstGeom>
+        </p:spPr>
+        <p:txBody>
+          <a:bodyPr vert="horz" lIns="91440" tIns="45720" rIns="91440" bIns="45720" rtlCol="0"/>
+          <a:lstStyle>
+            <a:lvl1pPr algn="l">
+              <a:defRPr sz="1200"/>
+            </a:lvl1pPr>
+          </a:lstStyle>
+          <a:p>
+            <a:endParaRPr lang="en-US"/>
+          </a:p>
+        </p:txBody>
+      </p:sp>
+      <p:sp>
+        <p:nvSpPr>
+          <p:cNvPr id="3" name="Date Placeholder 2"/>
+          <p:cNvSpPr>
+            <a:spLocks noGrp="1"/>
+          </p:cNvSpPr>
+          <p:nvPr>
+            <p:ph type="dt" idx="1"/>
+          </p:nvPr>
+        </p:nvSpPr>
+        <p:spPr>
+          <a:xfrm>
+            <a:off x="3884613" y="0"/>
+            <a:ext cx="2971800" cy="458788"/>
+          </a:xfrm>
+          <a:prstGeom prst="rect">
+            <a:avLst/>
+          </a:prstGeom>
+        </p:spPr>
+        <p:txBody>
+          <a:bodyPr vert="horz" lIns="91440" tIns="45720" rIns="91440" bIns="45720" rtlCol="0"/>
+          <a:lstStyle>
+            <a:lvl1pPr algn="r">
+              <a:defRPr sz="1200"/>
+            </a:lvl1pPr>
+          </a:lstStyle>
+          <a:p>
+            <a:fld id="{6D02D52E-7427-AC40-BCC5-1EA7CBC30CAB}" type="datetimeFigureOut">
+              <a:rPr lang="en-US" smtClean="0"/>
+              <a:t>10/25/23</a:t>
+            </a:fld>
+            <a:endParaRPr lang="en-US"/>
+          </a:p>
+        </p:txBody>
+      </p:sp>
+      <p:sp>
+        <p:nvSpPr>
+          <p:cNvPr id="4" name="Slide Image Placeholder 3"/>
+          <p:cNvSpPr>
+            <a:spLocks noGrp="1" noRot="1" noChangeAspect="1"/>
+          </p:cNvSpPr>
+          <p:nvPr>
+            <p:ph type="sldImg" idx="2"/>
+          </p:nvPr>
+        </p:nvSpPr>
+        <p:spPr>
+          <a:xfrm>
+            <a:off x="685800" y="1143000"/>
+            <a:ext cx="5486400" cy="3086100"/>
+          </a:xfrm>
+          <a:prstGeom prst="rect">
+            <a:avLst/>
+          </a:prstGeom>
+          <a:noFill/>
+          <a:ln w="12700">
+            <a:solidFill>
+              <a:prstClr val="black"/>
+            </a:solidFill>
+          </a:ln>
+        </p:spPr>
+        <p:txBody>
+          <a:bodyPr vert="horz" lIns="91440" tIns="45720" rIns="91440" bIns="45720" rtlCol="0" anchor="ctr"/>
+          <a:lstStyle/>
+          <a:p>
+            <a:endParaRPr lang="en-US"/>
+          </a:p>
+        </p:txBody>
+      </p:sp>
+      <p:sp>
+        <p:nvSpPr>
+          <p:cNvPr id="5" name="Notes Placeholder 4"/>
+          <p:cNvSpPr>
+            <a:spLocks noGrp="1"/>
+          </p:cNvSpPr>
+          <p:nvPr>
+            <p:ph type="body" sz="quarter" idx="3"/>
+          </p:nvPr>
+        </p:nvSpPr>
+        <p:spPr>
+          <a:xfrm>
+            <a:off x="685800" y="4400550"/>
+            <a:ext cx="5486400" cy="3600450"/>
+          </a:xfrm>
+          <a:prstGeom prst="rect">
+            <a:avLst/>
+          </a:prstGeom>
+        </p:spPr>
+        <p:txBody>
+          <a:bodyPr vert="horz" lIns="91440" tIns="45720" rIns="91440" bIns="45720" rtlCol="0"/>
+          <a:lstStyle/>
+          <a:p>
+            <a:pPr lvl="0"/>
+            <a:r>
+              <a:rPr lang="en-US"/>
+              <a:t>Click to edit Master text styles</a:t>
+            </a:r>
+          </a:p>
+          <a:p>
+            <a:pPr lvl="1"/>
+            <a:r>
+              <a:rPr lang="en-US"/>
+              <a:t>Second level</a:t>
+            </a:r>
+          </a:p>
+          <a:p>
+            <a:pPr lvl="2"/>
+            <a:r>
+              <a:rPr lang="en-US"/>
+              <a:t>Third level</a:t>
+            </a:r>
+          </a:p>
+          <a:p>
+            <a:pPr lvl="3"/>
+            <a:r>
+              <a:rPr lang="en-US"/>
+              <a:t>Fourth level</a:t>
+            </a:r>
+          </a:p>
+          <a:p>
+            <a:pPr lvl="4"/>
+            <a:r>
+              <a:rPr lang="en-US"/>
+              <a:t>Fifth level</a:t>
+            </a:r>
+          </a:p>
+        </p:txBody>
+      </p:sp>
+      <p:sp>
+        <p:nvSpPr>
+          <p:cNvPr id="6" name="Footer Placeholder 5"/>
+          <p:cNvSpPr>
+            <a:spLocks noGrp="1"/>
+          </p:cNvSpPr>
+          <p:nvPr>
+            <p:ph type="ftr" sz="quarter" idx="4"/>
+          </p:nvPr>
+        </p:nvSpPr>
+        <p:spPr>
+          <a:xfrm>
+            <a:off x="0" y="8685213"/>
+            <a:ext cx="2971800" cy="458787"/>
+          </a:xfrm>
+          <a:prstGeom prst="rect">
+            <a:avLst/>
+          </a:prstGeom>
+        </p:spPr>
+        <p:txBody>
+          <a:bodyPr vert="horz" lIns="91440" tIns="45720" rIns="91440" bIns="45720" rtlCol="0" anchor="b"/>
+          <a:lstStyle>
+            <a:lvl1pPr algn="l">
+              <a:defRPr sz="1200"/>
+            </a:lvl1pPr>
+          </a:lstStyle>
+          <a:p>
+            <a:endParaRPr lang="en-US"/>
+          </a:p>
+        </p:txBody>
+      </p:sp>
+      <p:sp>
+        <p:nvSpPr>
+          <p:cNvPr id="7" name="Slide Number Placeholder 6"/>
+          <p:cNvSpPr>
+            <a:spLocks noGrp="1"/>
+          </p:cNvSpPr>
+          <p:nvPr>
+            <p:ph type="sldNum" sz="quarter" idx="5"/>
+          </p:nvPr>
+        </p:nvSpPr>
+        <p:spPr>
+          <a:xfrm>
+            <a:off x="3884613" y="8685213"/>
+            <a:ext cx="2971800" cy="458787"/>
+          </a:xfrm>
+          <a:prstGeom prst="rect">
+            <a:avLst/>
+          </a:prstGeom>
+        </p:spPr>
+        <p:txBody>
+          <a:bodyPr vert="horz" lIns="91440" tIns="45720" rIns="91440" bIns="45720" rtlCol="0" anchor="b"/>
+          <a:lstStyle>
+            <a:lvl1pPr algn="r">
+              <a:defRPr sz="1200"/>
+            </a:lvl1pPr>
+          </a:lstStyle>
+          <a:p>
+            <a:fld id="{C3486AE6-53BE-9C4F-B19D-D20E054C6105}" type="slidenum">
+              <a:rPr lang="en-US" smtClean="0"/>
+              <a:t>‹#›</a:t>
+            </a:fld>
+            <a:endParaRPr lang="en-US"/>
+          </a:p>
+        </p:txBody>
+      </p:sp>
+    </p:spTree>
+    <p:extLst>
+      <p:ext uri="{BB962C8B-B14F-4D97-AF65-F5344CB8AC3E}">
+        <p14:creationId xmlns:p14="http://schemas.microsoft.com/office/powerpoint/2010/main" val="1009144451"/>
+      </p:ext>
+    </p:extLst>
+  </p:cSld>
+  <p:clrMap bg1="lt1" tx1="dk1" bg2="lt2" tx2="dk2" accent1="accent1" accent2="accent2" accent3="accent3" accent4="accent4" accent5="accent5" accent6="accent6" hlink="hlink" folHlink="folHlink"/>
+  <p:notesStyle>
+    <a:lvl1pPr marL="0" algn="l" defTabSz="914400" rtl="0" eaLnBrk="1" latinLnBrk="0" hangingPunct="1">
+      <a:defRPr sz="1200" kern="1200">
+        <a:solidFill>
+          <a:schemeClr val="tx1"/>
+        </a:solidFill>
+        <a:latin typeface="+mn-lt"/>
+        <a:ea typeface="+mn-ea"/>
+        <a:cs typeface="+mn-cs"/>
+      </a:defRPr>
+    </a:lvl1pPr>
+    <a:lvl2pPr marL="457200" algn="l" defTabSz="914400" rtl="0" eaLnBrk="1" latinLnBrk="0" hangingPunct="1">
+      <a:defRPr sz="1200" kern="1200">
+        <a:solidFill>
+          <a:schemeClr val="tx1"/>
+        </a:solidFill>
+        <a:latin typeface="+mn-lt"/>
+        <a:ea typeface="+mn-ea"/>
+        <a:cs typeface="+mn-cs"/>
+      </a:defRPr>
+    </a:lvl2pPr>
+    <a:lvl3pPr marL="914400" algn="l" defTabSz="914400" rtl="0" eaLnBrk="1" latinLnBrk="0" hangingPunct="1">
+      <a:defRPr sz="1200" kern="1200">
+        <a:solidFill>
+          <a:schemeClr val="tx1"/>
+        </a:solidFill>
+        <a:latin typeface="+mn-lt"/>
+        <a:ea typeface="+mn-ea"/>
+        <a:cs typeface="+mn-cs"/>
+      </a:defRPr>
+    </a:lvl3pPr>
+    <a:lvl4pPr marL="1371600" algn="l" defTabSz="914400" rtl="0" eaLnBrk="1" latinLnBrk="0" hangingPunct="1">
+      <a:defRPr sz="1200" kern="1200">
+        <a:solidFill>
+          <a:schemeClr val="tx1"/>
+        </a:solidFill>
+        <a:latin typeface="+mn-lt"/>
+        <a:ea typeface="+mn-ea"/>
+        <a:cs typeface="+mn-cs"/>
+      </a:defRPr>
+    </a:lvl4pPr>
+    <a:lvl5pPr marL="1828800" algn="l" defTabSz="914400" rtl="0" eaLnBrk="1" latinLnBrk="0" hangingPunct="1">
+      <a:defRPr sz="1200" kern="1200">
+        <a:solidFill>
+          <a:schemeClr val="tx1"/>
+        </a:solidFill>
+        <a:latin typeface="+mn-lt"/>
+        <a:ea typeface="+mn-ea"/>
+        <a:cs typeface="+mn-cs"/>
+      </a:defRPr>
+    </a:lvl5pPr>
+    <a:lvl6pPr marL="2286000" algn="l" defTabSz="914400" rtl="0" eaLnBrk="1" latinLnBrk="0" hangingPunct="1">
+      <a:defRPr sz="1200" kern="1200">
+        <a:solidFill>
+          <a:schemeClr val="tx1"/>
+        </a:solidFill>
+        <a:latin typeface="+mn-lt"/>
+        <a:ea typeface="+mn-ea"/>
+        <a:cs typeface="+mn-cs"/>
+      </a:defRPr>
+    </a:lvl6pPr>
+    <a:lvl7pPr marL="2743200" algn="l" defTabSz="914400" rtl="0" eaLnBrk="1" latinLnBrk="0" hangingPunct="1">
+      <a:defRPr sz="1200" kern="1200">
+        <a:solidFill>
+          <a:schemeClr val="tx1"/>
+        </a:solidFill>
+        <a:latin typeface="+mn-lt"/>
+        <a:ea typeface="+mn-ea"/>
+        <a:cs typeface="+mn-cs"/>
+      </a:defRPr>
+    </a:lvl7pPr>
+    <a:lvl8pPr marL="3200400" algn="l" defTabSz="914400" rtl="0" eaLnBrk="1" latinLnBrk="0" hangingPunct="1">
+      <a:defRPr sz="1200" kern="1200">
+        <a:solidFill>
+          <a:schemeClr val="tx1"/>
+        </a:solidFill>
+        <a:latin typeface="+mn-lt"/>
+        <a:ea typeface="+mn-ea"/>
+        <a:cs typeface="+mn-cs"/>
+      </a:defRPr>
+    </a:lvl8pPr>
+    <a:lvl9pPr marL="3657600" algn="l" defTabSz="914400" rtl="0" eaLnBrk="1" latinLnBrk="0" hangingPunct="1">
+      <a:defRPr sz="1200" kern="1200">
+        <a:solidFill>
+          <a:schemeClr val="tx1"/>
+        </a:solidFill>
+        <a:latin typeface="+mn-lt"/>
+        <a:ea typeface="+mn-ea"/>
+        <a:cs typeface="+mn-cs"/>
+      </a:defRPr>
+    </a:lvl9pPr>
+  </p:notesStyle>
+</p:notesMaster>
+</file>
+
+<file path=ppt/notesSlides/notesSlide1.xml><?xml version="1.0" encoding="utf-8"?>
+<p:notes xmlns:a="http://schemas.openxmlformats.org/drawingml/2006/main" xmlns:r="http://schemas.openxmlformats.org/officeDocument/2006/relationships" xmlns:p="http://schemas.openxmlformats.org/presentationml/2006/main">
+  <p:cSld>
+    <p:spTree>
+      <p:nvGrpSpPr>
+        <p:cNvPr id="1" name=""/>
+        <p:cNvGrpSpPr/>
+        <p:nvPr/>
+      </p:nvGrpSpPr>
+      <p:grpSpPr>
+        <a:xfrm>
+          <a:off x="0" y="0"/>
+          <a:ext cx="0" cy="0"/>
+          <a:chOff x="0" y="0"/>
+          <a:chExt cx="0" cy="0"/>
+        </a:xfrm>
+      </p:grpSpPr>
+      <p:sp>
+        <p:nvSpPr>
+          <p:cNvPr id="2" name="Slide Image Placeholder 1"/>
+          <p:cNvSpPr>
+            <a:spLocks noGrp="1" noRot="1" noChangeAspect="1"/>
+          </p:cNvSpPr>
+          <p:nvPr>
+            <p:ph type="sldImg"/>
+          </p:nvPr>
+        </p:nvSpPr>
+        <p:spPr/>
+      </p:sp>
+      <p:sp>
+        <p:nvSpPr>
+          <p:cNvPr id="3" name="Notes Placeholder 2"/>
+          <p:cNvSpPr>
+            <a:spLocks noGrp="1"/>
+          </p:cNvSpPr>
+          <p:nvPr>
+            <p:ph type="body" idx="1"/>
+          </p:nvPr>
+        </p:nvSpPr>
+        <p:spPr/>
+        <p:txBody>
+          <a:bodyPr/>
+          <a:lstStyle/>
+          <a:p>
+            <a:endParaRPr lang="en-US" dirty="0"/>
+          </a:p>
+        </p:txBody>
+      </p:sp>
+      <p:sp>
+        <p:nvSpPr>
+          <p:cNvPr id="4" name="Slide Number Placeholder 3"/>
+          <p:cNvSpPr>
+            <a:spLocks noGrp="1"/>
+          </p:cNvSpPr>
+          <p:nvPr>
+            <p:ph type="sldNum" sz="quarter" idx="5"/>
+          </p:nvPr>
+        </p:nvSpPr>
+        <p:spPr/>
+        <p:txBody>
+          <a:bodyPr/>
+          <a:lstStyle/>
+          <a:p>
+            <a:fld id="{C3486AE6-53BE-9C4F-B19D-D20E054C6105}" type="slidenum">
+              <a:rPr lang="en-US" smtClean="0"/>
+              <a:t>2</a:t>
+            </a:fld>
+            <a:endParaRPr lang="en-US"/>
+          </a:p>
+        </p:txBody>
+      </p:sp>
+    </p:spTree>
+    <p:extLst>
+      <p:ext uri="{BB962C8B-B14F-4D97-AF65-F5344CB8AC3E}">
+        <p14:creationId xmlns:p14="http://schemas.microsoft.com/office/powerpoint/2010/main" val="2425069110"/>
+      </p:ext>
+    </p:extLst>
+  </p:cSld>
+  <p:clrMapOvr>
+    <a:masterClrMapping/>
+  </p:clrMapOvr>
+</p:notes>
+</file>
+
 <file path=ppt/slideLayouts/slideLayout1.xml><?xml version="1.0" encoding="utf-8"?>
 <p:sldLayout xmlns:a="http://schemas.openxmlformats.org/drawingml/2006/main" xmlns:r="http://schemas.openxmlformats.org/officeDocument/2006/relationships" xmlns:p="http://schemas.openxmlformats.org/presentationml/2006/main" type="title" preserve="1">
   <p:cSld name="Title Slide">
@@ -259,7 +696,7 @@
           <a:p>
             <a:fld id="{5D04BAA6-3F2E-F94C-8900-238E37332B13}" type="datetimeFigureOut">
               <a:rPr lang="en-US" smtClean="0"/>
-              <a:t>10/10/23</a:t>
+              <a:t>10/25/23</a:t>
             </a:fld>
             <a:endParaRPr lang="en-US"/>
           </a:p>
@@ -457,7 +894,7 @@
           <a:p>
             <a:fld id="{5D04BAA6-3F2E-F94C-8900-238E37332B13}" type="datetimeFigureOut">
               <a:rPr lang="en-US" smtClean="0"/>
-              <a:t>10/10/23</a:t>
+              <a:t>10/25/23</a:t>
             </a:fld>
             <a:endParaRPr lang="en-US"/>
           </a:p>
@@ -665,7 +1102,7 @@
           <a:p>
             <a:fld id="{5D04BAA6-3F2E-F94C-8900-238E37332B13}" type="datetimeFigureOut">
               <a:rPr lang="en-US" smtClean="0"/>
-              <a:t>10/10/23</a:t>
+              <a:t>10/25/23</a:t>
             </a:fld>
             <a:endParaRPr lang="en-US"/>
           </a:p>
@@ -863,7 +1300,7 @@
           <a:p>
             <a:fld id="{5D04BAA6-3F2E-F94C-8900-238E37332B13}" type="datetimeFigureOut">
               <a:rPr lang="en-US" smtClean="0"/>
-              <a:t>10/10/23</a:t>
+              <a:t>10/25/23</a:t>
             </a:fld>
             <a:endParaRPr lang="en-US"/>
           </a:p>
@@ -1138,7 +1575,7 @@
           <a:p>
             <a:fld id="{5D04BAA6-3F2E-F94C-8900-238E37332B13}" type="datetimeFigureOut">
               <a:rPr lang="en-US" smtClean="0"/>
-              <a:t>10/10/23</a:t>
+              <a:t>10/25/23</a:t>
             </a:fld>
             <a:endParaRPr lang="en-US"/>
           </a:p>
@@ -1403,7 +1840,7 @@
           <a:p>
             <a:fld id="{5D04BAA6-3F2E-F94C-8900-238E37332B13}" type="datetimeFigureOut">
               <a:rPr lang="en-US" smtClean="0"/>
-              <a:t>10/10/23</a:t>
+              <a:t>10/25/23</a:t>
             </a:fld>
             <a:endParaRPr lang="en-US"/>
           </a:p>
@@ -1815,7 +2252,7 @@
           <a:p>
             <a:fld id="{5D04BAA6-3F2E-F94C-8900-238E37332B13}" type="datetimeFigureOut">
               <a:rPr lang="en-US" smtClean="0"/>
-              <a:t>10/10/23</a:t>
+              <a:t>10/25/23</a:t>
             </a:fld>
             <a:endParaRPr lang="en-US"/>
           </a:p>
@@ -1956,7 +2393,7 @@
           <a:p>
             <a:fld id="{5D04BAA6-3F2E-F94C-8900-238E37332B13}" type="datetimeFigureOut">
               <a:rPr lang="en-US" smtClean="0"/>
-              <a:t>10/10/23</a:t>
+              <a:t>10/25/23</a:t>
             </a:fld>
             <a:endParaRPr lang="en-US"/>
           </a:p>
@@ -2069,7 +2506,7 @@
           <a:p>
             <a:fld id="{5D04BAA6-3F2E-F94C-8900-238E37332B13}" type="datetimeFigureOut">
               <a:rPr lang="en-US" smtClean="0"/>
-              <a:t>10/10/23</a:t>
+              <a:t>10/25/23</a:t>
             </a:fld>
             <a:endParaRPr lang="en-US"/>
           </a:p>
@@ -2380,7 +2817,7 @@
           <a:p>
             <a:fld id="{5D04BAA6-3F2E-F94C-8900-238E37332B13}" type="datetimeFigureOut">
               <a:rPr lang="en-US" smtClean="0"/>
-              <a:t>10/10/23</a:t>
+              <a:t>10/25/23</a:t>
             </a:fld>
             <a:endParaRPr lang="en-US"/>
           </a:p>
@@ -2668,7 +3105,7 @@
           <a:p>
             <a:fld id="{5D04BAA6-3F2E-F94C-8900-238E37332B13}" type="datetimeFigureOut">
               <a:rPr lang="en-US" smtClean="0"/>
-              <a:t>10/10/23</a:t>
+              <a:t>10/25/23</a:t>
             </a:fld>
             <a:endParaRPr lang="en-US"/>
           </a:p>
@@ -2909,7 +3346,7 @@
           <a:p>
             <a:fld id="{5D04BAA6-3F2E-F94C-8900-238E37332B13}" type="datetimeFigureOut">
               <a:rPr lang="en-US" smtClean="0"/>
-              <a:t>10/10/23</a:t>
+              <a:t>10/25/23</a:t>
             </a:fld>
             <a:endParaRPr lang="en-US"/>
           </a:p>
@@ -3328,6 +3765,2450 @@
       </p:grpSpPr>
       <p:sp>
         <p:nvSpPr>
+          <p:cNvPr id="4" name="Rounded Rectangle 3">
+            <a:extLst>
+              <a:ext uri="{FF2B5EF4-FFF2-40B4-BE49-F238E27FC236}">
+                <a16:creationId xmlns:a16="http://schemas.microsoft.com/office/drawing/2014/main" id="{5710B6DE-F74F-328B-9BA8-540A5A1566D2}"/>
+              </a:ext>
+            </a:extLst>
+          </p:cNvPr>
+          <p:cNvSpPr/>
+          <p:nvPr/>
+        </p:nvSpPr>
+        <p:spPr>
+          <a:xfrm>
+            <a:off x="5192111" y="353222"/>
+            <a:ext cx="1397876" cy="735724"/>
+          </a:xfrm>
+          <a:prstGeom prst="roundRect">
+            <a:avLst/>
+          </a:prstGeom>
+        </p:spPr>
+        <p:style>
+          <a:lnRef idx="2">
+            <a:schemeClr val="accent1">
+              <a:shade val="15000"/>
+            </a:schemeClr>
+          </a:lnRef>
+          <a:fillRef idx="1">
+            <a:schemeClr val="accent1"/>
+          </a:fillRef>
+          <a:effectRef idx="0">
+            <a:schemeClr val="accent1"/>
+          </a:effectRef>
+          <a:fontRef idx="minor">
+            <a:schemeClr val="lt1"/>
+          </a:fontRef>
+        </p:style>
+        <p:txBody>
+          <a:bodyPr rtlCol="0" anchor="ctr"/>
+          <a:lstStyle/>
+          <a:p>
+            <a:pPr algn="ctr"/>
+            <a:r>
+              <a:rPr lang="en-US" dirty="0"/>
+              <a:t>OBJECTIVE</a:t>
+            </a:r>
+          </a:p>
+        </p:txBody>
+      </p:sp>
+      <p:sp>
+        <p:nvSpPr>
+          <p:cNvPr id="5" name="Rounded Rectangle 4">
+            <a:extLst>
+              <a:ext uri="{FF2B5EF4-FFF2-40B4-BE49-F238E27FC236}">
+                <a16:creationId xmlns:a16="http://schemas.microsoft.com/office/drawing/2014/main" id="{F3417D14-E2F1-EEA0-6EFA-CA577FA0F7B6}"/>
+              </a:ext>
+            </a:extLst>
+          </p:cNvPr>
+          <p:cNvSpPr/>
+          <p:nvPr/>
+        </p:nvSpPr>
+        <p:spPr>
+          <a:xfrm>
+            <a:off x="359044" y="1646745"/>
+            <a:ext cx="1397876" cy="735724"/>
+          </a:xfrm>
+          <a:prstGeom prst="roundRect">
+            <a:avLst/>
+          </a:prstGeom>
+        </p:spPr>
+        <p:style>
+          <a:lnRef idx="2">
+            <a:schemeClr val="accent1">
+              <a:shade val="15000"/>
+            </a:schemeClr>
+          </a:lnRef>
+          <a:fillRef idx="1">
+            <a:schemeClr val="accent1"/>
+          </a:fillRef>
+          <a:effectRef idx="0">
+            <a:schemeClr val="accent1"/>
+          </a:effectRef>
+          <a:fontRef idx="minor">
+            <a:schemeClr val="lt1"/>
+          </a:fontRef>
+        </p:style>
+        <p:txBody>
+          <a:bodyPr rtlCol="0" anchor="ctr"/>
+          <a:lstStyle/>
+          <a:p>
+            <a:pPr algn="ctr"/>
+            <a:r>
+              <a:rPr lang="en-US" sz="1200" dirty="0"/>
+              <a:t>ACTIVITY :</a:t>
+            </a:r>
+          </a:p>
+          <a:p>
+            <a:pPr algn="ctr"/>
+            <a:r>
+              <a:rPr lang="en-US" sz="1200" dirty="0"/>
+              <a:t>Plan Development</a:t>
+            </a:r>
+          </a:p>
+        </p:txBody>
+      </p:sp>
+      <p:sp>
+        <p:nvSpPr>
+          <p:cNvPr id="6" name="Rounded Rectangle 5">
+            <a:extLst>
+              <a:ext uri="{FF2B5EF4-FFF2-40B4-BE49-F238E27FC236}">
+                <a16:creationId xmlns:a16="http://schemas.microsoft.com/office/drawing/2014/main" id="{E1A33615-0916-A550-9E7F-CD5479702FCD}"/>
+              </a:ext>
+            </a:extLst>
+          </p:cNvPr>
+          <p:cNvSpPr/>
+          <p:nvPr/>
+        </p:nvSpPr>
+        <p:spPr>
+          <a:xfrm>
+            <a:off x="2135855" y="3802122"/>
+            <a:ext cx="1397876" cy="735724"/>
+          </a:xfrm>
+          <a:prstGeom prst="roundRect">
+            <a:avLst/>
+          </a:prstGeom>
+        </p:spPr>
+        <p:style>
+          <a:lnRef idx="2">
+            <a:schemeClr val="accent1">
+              <a:shade val="15000"/>
+            </a:schemeClr>
+          </a:lnRef>
+          <a:fillRef idx="1">
+            <a:schemeClr val="accent1"/>
+          </a:fillRef>
+          <a:effectRef idx="0">
+            <a:schemeClr val="accent1"/>
+          </a:effectRef>
+          <a:fontRef idx="minor">
+            <a:schemeClr val="lt1"/>
+          </a:fontRef>
+        </p:style>
+        <p:txBody>
+          <a:bodyPr rtlCol="0" anchor="ctr"/>
+          <a:lstStyle/>
+          <a:p>
+            <a:pPr algn="ctr"/>
+            <a:r>
+              <a:rPr lang="en-US" sz="1200" dirty="0"/>
+              <a:t>REQUIREMENTS DEVELOPMENT</a:t>
+            </a:r>
+          </a:p>
+        </p:txBody>
+      </p:sp>
+      <p:sp>
+        <p:nvSpPr>
+          <p:cNvPr id="7" name="Rounded Rectangle 6">
+            <a:extLst>
+              <a:ext uri="{FF2B5EF4-FFF2-40B4-BE49-F238E27FC236}">
+                <a16:creationId xmlns:a16="http://schemas.microsoft.com/office/drawing/2014/main" id="{15F7B82C-DAD0-737E-941B-C054B9B79944}"/>
+              </a:ext>
+            </a:extLst>
+          </p:cNvPr>
+          <p:cNvSpPr/>
+          <p:nvPr/>
+        </p:nvSpPr>
+        <p:spPr>
+          <a:xfrm>
+            <a:off x="3833651" y="3802122"/>
+            <a:ext cx="1397876" cy="735724"/>
+          </a:xfrm>
+          <a:prstGeom prst="roundRect">
+            <a:avLst/>
+          </a:prstGeom>
+        </p:spPr>
+        <p:style>
+          <a:lnRef idx="2">
+            <a:schemeClr val="accent1">
+              <a:shade val="15000"/>
+            </a:schemeClr>
+          </a:lnRef>
+          <a:fillRef idx="1">
+            <a:schemeClr val="accent1"/>
+          </a:fillRef>
+          <a:effectRef idx="0">
+            <a:schemeClr val="accent1"/>
+          </a:effectRef>
+          <a:fontRef idx="minor">
+            <a:schemeClr val="lt1"/>
+          </a:fontRef>
+        </p:style>
+        <p:txBody>
+          <a:bodyPr rtlCol="0" anchor="ctr"/>
+          <a:lstStyle/>
+          <a:p>
+            <a:pPr algn="ctr"/>
+            <a:r>
+              <a:rPr lang="en-US" sz="1200" dirty="0"/>
+              <a:t>ANALYSIS</a:t>
+            </a:r>
+          </a:p>
+        </p:txBody>
+      </p:sp>
+      <p:sp>
+        <p:nvSpPr>
+          <p:cNvPr id="8" name="Rounded Rectangle 7">
+            <a:extLst>
+              <a:ext uri="{FF2B5EF4-FFF2-40B4-BE49-F238E27FC236}">
+                <a16:creationId xmlns:a16="http://schemas.microsoft.com/office/drawing/2014/main" id="{A9B4C729-8F75-A43D-F598-2DF5EFE545B7}"/>
+              </a:ext>
+            </a:extLst>
+          </p:cNvPr>
+          <p:cNvSpPr/>
+          <p:nvPr/>
+        </p:nvSpPr>
+        <p:spPr>
+          <a:xfrm>
+            <a:off x="5610268" y="3802122"/>
+            <a:ext cx="1397876" cy="735724"/>
+          </a:xfrm>
+          <a:prstGeom prst="roundRect">
+            <a:avLst/>
+          </a:prstGeom>
+        </p:spPr>
+        <p:style>
+          <a:lnRef idx="2">
+            <a:schemeClr val="accent1">
+              <a:shade val="15000"/>
+            </a:schemeClr>
+          </a:lnRef>
+          <a:fillRef idx="1">
+            <a:schemeClr val="accent1"/>
+          </a:fillRef>
+          <a:effectRef idx="0">
+            <a:schemeClr val="accent1"/>
+          </a:effectRef>
+          <a:fontRef idx="minor">
+            <a:schemeClr val="lt1"/>
+          </a:fontRef>
+        </p:style>
+        <p:txBody>
+          <a:bodyPr rtlCol="0" anchor="ctr"/>
+          <a:lstStyle/>
+          <a:p>
+            <a:pPr algn="ctr"/>
+            <a:r>
+              <a:rPr lang="en-US" sz="1200" dirty="0"/>
+              <a:t>TEST DEVELOPMENT</a:t>
+            </a:r>
+          </a:p>
+        </p:txBody>
+      </p:sp>
+      <p:sp>
+        <p:nvSpPr>
+          <p:cNvPr id="9" name="Rounded Rectangle 8">
+            <a:extLst>
+              <a:ext uri="{FF2B5EF4-FFF2-40B4-BE49-F238E27FC236}">
+                <a16:creationId xmlns:a16="http://schemas.microsoft.com/office/drawing/2014/main" id="{70DFBFC4-0EBD-1A9F-B16F-8D39435D4243}"/>
+              </a:ext>
+            </a:extLst>
+          </p:cNvPr>
+          <p:cNvSpPr/>
+          <p:nvPr/>
+        </p:nvSpPr>
+        <p:spPr>
+          <a:xfrm>
+            <a:off x="8806548" y="3802122"/>
+            <a:ext cx="1397876" cy="735724"/>
+          </a:xfrm>
+          <a:prstGeom prst="roundRect">
+            <a:avLst/>
+          </a:prstGeom>
+        </p:spPr>
+        <p:style>
+          <a:lnRef idx="2">
+            <a:schemeClr val="accent1">
+              <a:shade val="15000"/>
+            </a:schemeClr>
+          </a:lnRef>
+          <a:fillRef idx="1">
+            <a:schemeClr val="accent1"/>
+          </a:fillRef>
+          <a:effectRef idx="0">
+            <a:schemeClr val="accent1"/>
+          </a:effectRef>
+          <a:fontRef idx="minor">
+            <a:schemeClr val="lt1"/>
+          </a:fontRef>
+        </p:style>
+        <p:txBody>
+          <a:bodyPr rtlCol="0" anchor="ctr"/>
+          <a:lstStyle/>
+          <a:p>
+            <a:pPr algn="ctr"/>
+            <a:r>
+              <a:rPr lang="en-US" sz="1200" dirty="0"/>
+              <a:t>ACTIVITY :</a:t>
+            </a:r>
+          </a:p>
+          <a:p>
+            <a:pPr algn="ctr"/>
+            <a:r>
+              <a:rPr lang="en-US" sz="1200" dirty="0"/>
+              <a:t>Summary Development</a:t>
+            </a:r>
+          </a:p>
+        </p:txBody>
+      </p:sp>
+      <p:sp>
+        <p:nvSpPr>
+          <p:cNvPr id="10" name="Rounded Rectangle 9">
+            <a:extLst>
+              <a:ext uri="{FF2B5EF4-FFF2-40B4-BE49-F238E27FC236}">
+                <a16:creationId xmlns:a16="http://schemas.microsoft.com/office/drawing/2014/main" id="{CD539756-05B8-DF41-C9EA-FBE0F503283E}"/>
+              </a:ext>
+            </a:extLst>
+          </p:cNvPr>
+          <p:cNvSpPr/>
+          <p:nvPr/>
+        </p:nvSpPr>
+        <p:spPr>
+          <a:xfrm>
+            <a:off x="10549011" y="3802122"/>
+            <a:ext cx="1397876" cy="735724"/>
+          </a:xfrm>
+          <a:prstGeom prst="roundRect">
+            <a:avLst/>
+          </a:prstGeom>
+        </p:spPr>
+        <p:style>
+          <a:lnRef idx="2">
+            <a:schemeClr val="accent1">
+              <a:shade val="15000"/>
+            </a:schemeClr>
+          </a:lnRef>
+          <a:fillRef idx="1">
+            <a:schemeClr val="accent1"/>
+          </a:fillRef>
+          <a:effectRef idx="0">
+            <a:schemeClr val="accent1"/>
+          </a:effectRef>
+          <a:fontRef idx="minor">
+            <a:schemeClr val="lt1"/>
+          </a:fontRef>
+        </p:style>
+        <p:txBody>
+          <a:bodyPr rtlCol="0" anchor="ctr"/>
+          <a:lstStyle/>
+          <a:p>
+            <a:pPr algn="ctr"/>
+            <a:r>
+              <a:rPr lang="en-US" sz="1200" dirty="0"/>
+              <a:t>REVIEW</a:t>
+            </a:r>
+          </a:p>
+        </p:txBody>
+      </p:sp>
+      <p:sp>
+        <p:nvSpPr>
+          <p:cNvPr id="11" name="Rounded Rectangle 10">
+            <a:extLst>
+              <a:ext uri="{FF2B5EF4-FFF2-40B4-BE49-F238E27FC236}">
+                <a16:creationId xmlns:a16="http://schemas.microsoft.com/office/drawing/2014/main" id="{9F2E7B77-5535-15A2-8F20-6C184C8B5D6E}"/>
+              </a:ext>
+            </a:extLst>
+          </p:cNvPr>
+          <p:cNvSpPr/>
+          <p:nvPr/>
+        </p:nvSpPr>
+        <p:spPr>
+          <a:xfrm>
+            <a:off x="359044" y="3006708"/>
+            <a:ext cx="1397876" cy="735724"/>
+          </a:xfrm>
+          <a:prstGeom prst="roundRect">
+            <a:avLst/>
+          </a:prstGeom>
+        </p:spPr>
+        <p:style>
+          <a:lnRef idx="2">
+            <a:schemeClr val="accent1">
+              <a:shade val="15000"/>
+            </a:schemeClr>
+          </a:lnRef>
+          <a:fillRef idx="1">
+            <a:schemeClr val="accent1"/>
+          </a:fillRef>
+          <a:effectRef idx="0">
+            <a:schemeClr val="accent1"/>
+          </a:effectRef>
+          <a:fontRef idx="minor">
+            <a:schemeClr val="lt1"/>
+          </a:fontRef>
+        </p:style>
+        <p:txBody>
+          <a:bodyPr rtlCol="0" anchor="ctr"/>
+          <a:lstStyle/>
+          <a:p>
+            <a:pPr algn="ctr"/>
+            <a:r>
+              <a:rPr lang="en-US" sz="1200" dirty="0"/>
+              <a:t>PROCESS_PLAN: ARP4754_Plan</a:t>
+            </a:r>
+          </a:p>
+        </p:txBody>
+      </p:sp>
+      <p:sp>
+        <p:nvSpPr>
+          <p:cNvPr id="12" name="Rounded Rectangle 11">
+            <a:extLst>
+              <a:ext uri="{FF2B5EF4-FFF2-40B4-BE49-F238E27FC236}">
+                <a16:creationId xmlns:a16="http://schemas.microsoft.com/office/drawing/2014/main" id="{742C4972-1573-6045-096A-9648F17E0441}"/>
+              </a:ext>
+            </a:extLst>
+          </p:cNvPr>
+          <p:cNvSpPr/>
+          <p:nvPr/>
+        </p:nvSpPr>
+        <p:spPr>
+          <a:xfrm>
+            <a:off x="2135855" y="5162085"/>
+            <a:ext cx="1397876" cy="735724"/>
+          </a:xfrm>
+          <a:prstGeom prst="roundRect">
+            <a:avLst/>
+          </a:prstGeom>
+        </p:spPr>
+        <p:style>
+          <a:lnRef idx="2">
+            <a:schemeClr val="accent1">
+              <a:shade val="15000"/>
+            </a:schemeClr>
+          </a:lnRef>
+          <a:fillRef idx="1">
+            <a:schemeClr val="accent1"/>
+          </a:fillRef>
+          <a:effectRef idx="0">
+            <a:schemeClr val="accent1"/>
+          </a:effectRef>
+          <a:fontRef idx="minor">
+            <a:schemeClr val="lt1"/>
+          </a:fontRef>
+        </p:style>
+        <p:txBody>
+          <a:bodyPr rtlCol="0" anchor="ctr"/>
+          <a:lstStyle/>
+          <a:p>
+            <a:pPr algn="ctr"/>
+            <a:r>
+              <a:rPr lang="en-US" sz="1200" dirty="0"/>
+              <a:t>REQUIREMENT</a:t>
+            </a:r>
+          </a:p>
+        </p:txBody>
+      </p:sp>
+      <p:sp>
+        <p:nvSpPr>
+          <p:cNvPr id="13" name="Rounded Rectangle 12">
+            <a:extLst>
+              <a:ext uri="{FF2B5EF4-FFF2-40B4-BE49-F238E27FC236}">
+                <a16:creationId xmlns:a16="http://schemas.microsoft.com/office/drawing/2014/main" id="{DA2C09B3-1353-BD86-12A5-30163F91A18B}"/>
+              </a:ext>
+            </a:extLst>
+          </p:cNvPr>
+          <p:cNvSpPr/>
+          <p:nvPr/>
+        </p:nvSpPr>
+        <p:spPr>
+          <a:xfrm>
+            <a:off x="3833651" y="5162085"/>
+            <a:ext cx="1397876" cy="735724"/>
+          </a:xfrm>
+          <a:prstGeom prst="roundRect">
+            <a:avLst/>
+          </a:prstGeom>
+        </p:spPr>
+        <p:style>
+          <a:lnRef idx="2">
+            <a:schemeClr val="accent1">
+              <a:shade val="15000"/>
+            </a:schemeClr>
+          </a:lnRef>
+          <a:fillRef idx="1">
+            <a:schemeClr val="accent1"/>
+          </a:fillRef>
+          <a:effectRef idx="0">
+            <a:schemeClr val="accent1"/>
+          </a:effectRef>
+          <a:fontRef idx="minor">
+            <a:schemeClr val="lt1"/>
+          </a:fontRef>
+        </p:style>
+        <p:txBody>
+          <a:bodyPr rtlCol="0" anchor="ctr"/>
+          <a:lstStyle/>
+          <a:p>
+            <a:pPr algn="ctr"/>
+            <a:r>
+              <a:rPr lang="en-US" sz="1200" dirty="0"/>
+              <a:t>ANALYSIS OUTPUT</a:t>
+            </a:r>
+          </a:p>
+        </p:txBody>
+      </p:sp>
+      <p:sp>
+        <p:nvSpPr>
+          <p:cNvPr id="14" name="Rounded Rectangle 13">
+            <a:extLst>
+              <a:ext uri="{FF2B5EF4-FFF2-40B4-BE49-F238E27FC236}">
+                <a16:creationId xmlns:a16="http://schemas.microsoft.com/office/drawing/2014/main" id="{34163EAE-1C08-1C2F-E306-79A15C485A42}"/>
+              </a:ext>
+            </a:extLst>
+          </p:cNvPr>
+          <p:cNvSpPr/>
+          <p:nvPr/>
+        </p:nvSpPr>
+        <p:spPr>
+          <a:xfrm>
+            <a:off x="5610268" y="5162085"/>
+            <a:ext cx="1397876" cy="735724"/>
+          </a:xfrm>
+          <a:prstGeom prst="roundRect">
+            <a:avLst/>
+          </a:prstGeom>
+        </p:spPr>
+        <p:style>
+          <a:lnRef idx="2">
+            <a:schemeClr val="accent1">
+              <a:shade val="15000"/>
+            </a:schemeClr>
+          </a:lnRef>
+          <a:fillRef idx="1">
+            <a:schemeClr val="accent1"/>
+          </a:fillRef>
+          <a:effectRef idx="0">
+            <a:schemeClr val="accent1"/>
+          </a:effectRef>
+          <a:fontRef idx="minor">
+            <a:schemeClr val="lt1"/>
+          </a:fontRef>
+        </p:style>
+        <p:txBody>
+          <a:bodyPr rtlCol="0" anchor="ctr"/>
+          <a:lstStyle/>
+          <a:p>
+            <a:pPr algn="ctr"/>
+            <a:r>
+              <a:rPr lang="en-US" sz="1200" dirty="0"/>
+              <a:t>TEST</a:t>
+            </a:r>
+          </a:p>
+        </p:txBody>
+      </p:sp>
+      <p:sp>
+        <p:nvSpPr>
+          <p:cNvPr id="15" name="Rounded Rectangle 14">
+            <a:extLst>
+              <a:ext uri="{FF2B5EF4-FFF2-40B4-BE49-F238E27FC236}">
+                <a16:creationId xmlns:a16="http://schemas.microsoft.com/office/drawing/2014/main" id="{ADB9CE4A-4FAA-C2CB-196F-0AEB754A4843}"/>
+              </a:ext>
+            </a:extLst>
+          </p:cNvPr>
+          <p:cNvSpPr/>
+          <p:nvPr/>
+        </p:nvSpPr>
+        <p:spPr>
+          <a:xfrm>
+            <a:off x="8806548" y="5085885"/>
+            <a:ext cx="1397876" cy="735724"/>
+          </a:xfrm>
+          <a:prstGeom prst="roundRect">
+            <a:avLst/>
+          </a:prstGeom>
+        </p:spPr>
+        <p:style>
+          <a:lnRef idx="2">
+            <a:schemeClr val="accent1">
+              <a:shade val="15000"/>
+            </a:schemeClr>
+          </a:lnRef>
+          <a:fillRef idx="1">
+            <a:schemeClr val="accent1"/>
+          </a:fillRef>
+          <a:effectRef idx="0">
+            <a:schemeClr val="accent1"/>
+          </a:effectRef>
+          <a:fontRef idx="minor">
+            <a:schemeClr val="lt1"/>
+          </a:fontRef>
+        </p:style>
+        <p:txBody>
+          <a:bodyPr rtlCol="0" anchor="ctr"/>
+          <a:lstStyle/>
+          <a:p>
+            <a:pPr algn="ctr"/>
+            <a:r>
+              <a:rPr lang="en-US" sz="1200" dirty="0"/>
+              <a:t>REPORT: Summary Report</a:t>
+            </a:r>
+          </a:p>
+        </p:txBody>
+      </p:sp>
+      <p:sp>
+        <p:nvSpPr>
+          <p:cNvPr id="16" name="Rounded Rectangle 15">
+            <a:extLst>
+              <a:ext uri="{FF2B5EF4-FFF2-40B4-BE49-F238E27FC236}">
+                <a16:creationId xmlns:a16="http://schemas.microsoft.com/office/drawing/2014/main" id="{70014B62-0E6A-0CE9-2074-F1852FD08CBD}"/>
+              </a:ext>
+            </a:extLst>
+          </p:cNvPr>
+          <p:cNvSpPr/>
+          <p:nvPr/>
+        </p:nvSpPr>
+        <p:spPr>
+          <a:xfrm>
+            <a:off x="10549011" y="5088513"/>
+            <a:ext cx="1397876" cy="735724"/>
+          </a:xfrm>
+          <a:prstGeom prst="roundRect">
+            <a:avLst/>
+          </a:prstGeom>
+        </p:spPr>
+        <p:style>
+          <a:lnRef idx="2">
+            <a:schemeClr val="accent1">
+              <a:shade val="15000"/>
+            </a:schemeClr>
+          </a:lnRef>
+          <a:fillRef idx="1">
+            <a:schemeClr val="accent1"/>
+          </a:fillRef>
+          <a:effectRef idx="0">
+            <a:schemeClr val="accent1"/>
+          </a:effectRef>
+          <a:fontRef idx="minor">
+            <a:schemeClr val="lt1"/>
+          </a:fontRef>
+        </p:style>
+        <p:txBody>
+          <a:bodyPr rtlCol="0" anchor="ctr"/>
+          <a:lstStyle/>
+          <a:p>
+            <a:pPr algn="ctr"/>
+            <a:r>
+              <a:rPr lang="en-US" sz="1200" dirty="0"/>
+              <a:t>DOCUMENT: Assessment Results</a:t>
+            </a:r>
+          </a:p>
+        </p:txBody>
+      </p:sp>
+      <p:cxnSp>
+        <p:nvCxnSpPr>
+          <p:cNvPr id="20" name="Elbow Connector 19">
+            <a:extLst>
+              <a:ext uri="{FF2B5EF4-FFF2-40B4-BE49-F238E27FC236}">
+                <a16:creationId xmlns:a16="http://schemas.microsoft.com/office/drawing/2014/main" id="{7165BBDC-932E-72FB-0F03-E59368C179A9}"/>
+              </a:ext>
+            </a:extLst>
+          </p:cNvPr>
+          <p:cNvCxnSpPr>
+            <a:cxnSpLocks/>
+            <a:stCxn id="4" idx="2"/>
+            <a:endCxn id="5" idx="0"/>
+          </p:cNvCxnSpPr>
+          <p:nvPr/>
+        </p:nvCxnSpPr>
+        <p:spPr>
+          <a:xfrm rot="5400000">
+            <a:off x="3195617" y="-1048688"/>
+            <a:ext cx="557799" cy="4833067"/>
+          </a:xfrm>
+          <a:prstGeom prst="bentConnector3">
+            <a:avLst>
+              <a:gd name="adj1" fmla="val 50000"/>
+            </a:avLst>
+          </a:prstGeom>
+          <a:ln w="19050">
+            <a:solidFill>
+              <a:schemeClr val="tx1"/>
+            </a:solidFill>
+            <a:tailEnd type="triangle"/>
+          </a:ln>
+        </p:spPr>
+        <p:style>
+          <a:lnRef idx="1">
+            <a:schemeClr val="accent1"/>
+          </a:lnRef>
+          <a:fillRef idx="0">
+            <a:schemeClr val="accent1"/>
+          </a:fillRef>
+          <a:effectRef idx="0">
+            <a:schemeClr val="accent1"/>
+          </a:effectRef>
+          <a:fontRef idx="minor">
+            <a:schemeClr val="tx1"/>
+          </a:fontRef>
+        </p:style>
+      </p:cxnSp>
+      <p:cxnSp>
+        <p:nvCxnSpPr>
+          <p:cNvPr id="21" name="Elbow Connector 20">
+            <a:extLst>
+              <a:ext uri="{FF2B5EF4-FFF2-40B4-BE49-F238E27FC236}">
+                <a16:creationId xmlns:a16="http://schemas.microsoft.com/office/drawing/2014/main" id="{2CFE1249-6C13-8AC0-9081-2D69366C2626}"/>
+              </a:ext>
+            </a:extLst>
+          </p:cNvPr>
+          <p:cNvCxnSpPr>
+            <a:cxnSpLocks/>
+            <a:stCxn id="4" idx="2"/>
+            <a:endCxn id="6" idx="0"/>
+          </p:cNvCxnSpPr>
+          <p:nvPr/>
+        </p:nvCxnSpPr>
+        <p:spPr>
+          <a:xfrm rot="5400000">
+            <a:off x="3006333" y="917406"/>
+            <a:ext cx="2713176" cy="3056256"/>
+          </a:xfrm>
+          <a:prstGeom prst="bentConnector3">
+            <a:avLst>
+              <a:gd name="adj1" fmla="val 50000"/>
+            </a:avLst>
+          </a:prstGeom>
+          <a:ln w="19050">
+            <a:solidFill>
+              <a:schemeClr val="tx1"/>
+            </a:solidFill>
+            <a:tailEnd type="triangle"/>
+          </a:ln>
+        </p:spPr>
+        <p:style>
+          <a:lnRef idx="1">
+            <a:schemeClr val="accent1"/>
+          </a:lnRef>
+          <a:fillRef idx="0">
+            <a:schemeClr val="accent1"/>
+          </a:fillRef>
+          <a:effectRef idx="0">
+            <a:schemeClr val="accent1"/>
+          </a:effectRef>
+          <a:fontRef idx="minor">
+            <a:schemeClr val="tx1"/>
+          </a:fontRef>
+        </p:style>
+      </p:cxnSp>
+      <p:cxnSp>
+        <p:nvCxnSpPr>
+          <p:cNvPr id="28" name="Elbow Connector 27">
+            <a:extLst>
+              <a:ext uri="{FF2B5EF4-FFF2-40B4-BE49-F238E27FC236}">
+                <a16:creationId xmlns:a16="http://schemas.microsoft.com/office/drawing/2014/main" id="{6861E572-FBB3-6F8A-1982-24822B323BFC}"/>
+              </a:ext>
+            </a:extLst>
+          </p:cNvPr>
+          <p:cNvCxnSpPr>
+            <a:cxnSpLocks/>
+            <a:stCxn id="4" idx="2"/>
+            <a:endCxn id="7" idx="0"/>
+          </p:cNvCxnSpPr>
+          <p:nvPr/>
+        </p:nvCxnSpPr>
+        <p:spPr>
+          <a:xfrm rot="5400000">
+            <a:off x="3855231" y="1766304"/>
+            <a:ext cx="2713176" cy="1358460"/>
+          </a:xfrm>
+          <a:prstGeom prst="bentConnector3">
+            <a:avLst>
+              <a:gd name="adj1" fmla="val 50000"/>
+            </a:avLst>
+          </a:prstGeom>
+          <a:ln w="19050">
+            <a:solidFill>
+              <a:schemeClr val="tx1"/>
+            </a:solidFill>
+            <a:tailEnd type="triangle"/>
+          </a:ln>
+        </p:spPr>
+        <p:style>
+          <a:lnRef idx="1">
+            <a:schemeClr val="accent1"/>
+          </a:lnRef>
+          <a:fillRef idx="0">
+            <a:schemeClr val="accent1"/>
+          </a:fillRef>
+          <a:effectRef idx="0">
+            <a:schemeClr val="accent1"/>
+          </a:effectRef>
+          <a:fontRef idx="minor">
+            <a:schemeClr val="tx1"/>
+          </a:fontRef>
+        </p:style>
+      </p:cxnSp>
+      <p:cxnSp>
+        <p:nvCxnSpPr>
+          <p:cNvPr id="31" name="Elbow Connector 30">
+            <a:extLst>
+              <a:ext uri="{FF2B5EF4-FFF2-40B4-BE49-F238E27FC236}">
+                <a16:creationId xmlns:a16="http://schemas.microsoft.com/office/drawing/2014/main" id="{80076623-5A86-3B78-51C7-DE4F42582C74}"/>
+              </a:ext>
+            </a:extLst>
+          </p:cNvPr>
+          <p:cNvCxnSpPr>
+            <a:cxnSpLocks/>
+            <a:stCxn id="4" idx="2"/>
+            <a:endCxn id="10" idx="0"/>
+          </p:cNvCxnSpPr>
+          <p:nvPr/>
+        </p:nvCxnSpPr>
+        <p:spPr>
+          <a:xfrm rot="16200000" flipH="1">
+            <a:off x="7212911" y="-232916"/>
+            <a:ext cx="2713176" cy="5356900"/>
+          </a:xfrm>
+          <a:prstGeom prst="bentConnector3">
+            <a:avLst>
+              <a:gd name="adj1" fmla="val 50000"/>
+            </a:avLst>
+          </a:prstGeom>
+          <a:ln w="19050">
+            <a:solidFill>
+              <a:schemeClr val="tx1"/>
+            </a:solidFill>
+            <a:tailEnd type="triangle"/>
+          </a:ln>
+        </p:spPr>
+        <p:style>
+          <a:lnRef idx="1">
+            <a:schemeClr val="accent1"/>
+          </a:lnRef>
+          <a:fillRef idx="0">
+            <a:schemeClr val="accent1"/>
+          </a:fillRef>
+          <a:effectRef idx="0">
+            <a:schemeClr val="accent1"/>
+          </a:effectRef>
+          <a:fontRef idx="minor">
+            <a:schemeClr val="tx1"/>
+          </a:fontRef>
+        </p:style>
+      </p:cxnSp>
+      <p:cxnSp>
+        <p:nvCxnSpPr>
+          <p:cNvPr id="34" name="Elbow Connector 33">
+            <a:extLst>
+              <a:ext uri="{FF2B5EF4-FFF2-40B4-BE49-F238E27FC236}">
+                <a16:creationId xmlns:a16="http://schemas.microsoft.com/office/drawing/2014/main" id="{289554ED-E815-78A2-202A-F3A8500C7DAC}"/>
+              </a:ext>
+            </a:extLst>
+          </p:cNvPr>
+          <p:cNvCxnSpPr>
+            <a:cxnSpLocks/>
+            <a:stCxn id="4" idx="2"/>
+            <a:endCxn id="9" idx="0"/>
+          </p:cNvCxnSpPr>
+          <p:nvPr/>
+        </p:nvCxnSpPr>
+        <p:spPr>
+          <a:xfrm rot="16200000" flipH="1">
+            <a:off x="6341679" y="638315"/>
+            <a:ext cx="2713176" cy="3614437"/>
+          </a:xfrm>
+          <a:prstGeom prst="bentConnector3">
+            <a:avLst>
+              <a:gd name="adj1" fmla="val 50000"/>
+            </a:avLst>
+          </a:prstGeom>
+          <a:ln w="19050">
+            <a:solidFill>
+              <a:schemeClr val="tx1"/>
+            </a:solidFill>
+            <a:tailEnd type="triangle"/>
+          </a:ln>
+        </p:spPr>
+        <p:style>
+          <a:lnRef idx="1">
+            <a:schemeClr val="accent1"/>
+          </a:lnRef>
+          <a:fillRef idx="0">
+            <a:schemeClr val="accent1"/>
+          </a:fillRef>
+          <a:effectRef idx="0">
+            <a:schemeClr val="accent1"/>
+          </a:effectRef>
+          <a:fontRef idx="minor">
+            <a:schemeClr val="tx1"/>
+          </a:fontRef>
+        </p:style>
+      </p:cxnSp>
+      <p:cxnSp>
+        <p:nvCxnSpPr>
+          <p:cNvPr id="37" name="Elbow Connector 36">
+            <a:extLst>
+              <a:ext uri="{FF2B5EF4-FFF2-40B4-BE49-F238E27FC236}">
+                <a16:creationId xmlns:a16="http://schemas.microsoft.com/office/drawing/2014/main" id="{9ECAE201-D3ED-F9D0-ADE9-57DA0658F1DC}"/>
+              </a:ext>
+            </a:extLst>
+          </p:cNvPr>
+          <p:cNvCxnSpPr>
+            <a:cxnSpLocks/>
+            <a:stCxn id="4" idx="2"/>
+            <a:endCxn id="8" idx="0"/>
+          </p:cNvCxnSpPr>
+          <p:nvPr/>
+        </p:nvCxnSpPr>
+        <p:spPr>
+          <a:xfrm rot="16200000" flipH="1">
+            <a:off x="4743539" y="2236455"/>
+            <a:ext cx="2713176" cy="418157"/>
+          </a:xfrm>
+          <a:prstGeom prst="bentConnector3">
+            <a:avLst>
+              <a:gd name="adj1" fmla="val 50000"/>
+            </a:avLst>
+          </a:prstGeom>
+          <a:ln w="19050">
+            <a:solidFill>
+              <a:schemeClr val="tx1"/>
+            </a:solidFill>
+            <a:tailEnd type="triangle"/>
+          </a:ln>
+        </p:spPr>
+        <p:style>
+          <a:lnRef idx="1">
+            <a:schemeClr val="accent1"/>
+          </a:lnRef>
+          <a:fillRef idx="0">
+            <a:schemeClr val="accent1"/>
+          </a:fillRef>
+          <a:effectRef idx="0">
+            <a:schemeClr val="accent1"/>
+          </a:effectRef>
+          <a:fontRef idx="minor">
+            <a:schemeClr val="tx1"/>
+          </a:fontRef>
+        </p:style>
+      </p:cxnSp>
+      <p:sp>
+        <p:nvSpPr>
+          <p:cNvPr id="40" name="TextBox 39">
+            <a:extLst>
+              <a:ext uri="{FF2B5EF4-FFF2-40B4-BE49-F238E27FC236}">
+                <a16:creationId xmlns:a16="http://schemas.microsoft.com/office/drawing/2014/main" id="{A561AFEB-4655-426E-F893-59DC461A78C7}"/>
+              </a:ext>
+            </a:extLst>
+          </p:cNvPr>
+          <p:cNvSpPr txBox="1"/>
+          <p:nvPr/>
+        </p:nvSpPr>
+        <p:spPr>
+          <a:xfrm>
+            <a:off x="5895873" y="1272141"/>
+            <a:ext cx="1188082" cy="369332"/>
+          </a:xfrm>
+          <a:prstGeom prst="rect">
+            <a:avLst/>
+          </a:prstGeom>
+          <a:noFill/>
+        </p:spPr>
+        <p:txBody>
+          <a:bodyPr wrap="none" rtlCol="0">
+            <a:spAutoFit/>
+          </a:bodyPr>
+          <a:lstStyle/>
+          <a:p>
+            <a:r>
+              <a:rPr lang="en-US" dirty="0" err="1"/>
+              <a:t>satisfiedBy</a:t>
+            </a:r>
+            <a:endParaRPr lang="en-US" dirty="0"/>
+          </a:p>
+        </p:txBody>
+      </p:sp>
+      <p:cxnSp>
+        <p:nvCxnSpPr>
+          <p:cNvPr id="46" name="Straight Arrow Connector 45">
+            <a:extLst>
+              <a:ext uri="{FF2B5EF4-FFF2-40B4-BE49-F238E27FC236}">
+                <a16:creationId xmlns:a16="http://schemas.microsoft.com/office/drawing/2014/main" id="{CACB441C-D2F1-98A0-8DED-43F997610525}"/>
+              </a:ext>
+            </a:extLst>
+          </p:cNvPr>
+          <p:cNvCxnSpPr>
+            <a:cxnSpLocks/>
+            <a:stCxn id="11" idx="0"/>
+            <a:endCxn id="5" idx="2"/>
+          </p:cNvCxnSpPr>
+          <p:nvPr/>
+        </p:nvCxnSpPr>
+        <p:spPr>
+          <a:xfrm flipV="1">
+            <a:off x="1057982" y="2382469"/>
+            <a:ext cx="0" cy="624239"/>
+          </a:xfrm>
+          <a:prstGeom prst="straightConnector1">
+            <a:avLst/>
+          </a:prstGeom>
+          <a:ln w="19050">
+            <a:solidFill>
+              <a:schemeClr val="accent5">
+                <a:lumMod val="75000"/>
+              </a:schemeClr>
+            </a:solidFill>
+            <a:tailEnd type="triangle"/>
+          </a:ln>
+        </p:spPr>
+        <p:style>
+          <a:lnRef idx="1">
+            <a:schemeClr val="accent1"/>
+          </a:lnRef>
+          <a:fillRef idx="0">
+            <a:schemeClr val="accent1"/>
+          </a:fillRef>
+          <a:effectRef idx="0">
+            <a:schemeClr val="accent1"/>
+          </a:effectRef>
+          <a:fontRef idx="minor">
+            <a:schemeClr val="tx1"/>
+          </a:fontRef>
+        </p:style>
+      </p:cxnSp>
+      <p:cxnSp>
+        <p:nvCxnSpPr>
+          <p:cNvPr id="48" name="Straight Arrow Connector 47">
+            <a:extLst>
+              <a:ext uri="{FF2B5EF4-FFF2-40B4-BE49-F238E27FC236}">
+                <a16:creationId xmlns:a16="http://schemas.microsoft.com/office/drawing/2014/main" id="{B621EDAC-2C14-4583-B3D1-39107282A496}"/>
+              </a:ext>
+            </a:extLst>
+          </p:cNvPr>
+          <p:cNvCxnSpPr>
+            <a:cxnSpLocks/>
+            <a:stCxn id="12" idx="0"/>
+            <a:endCxn id="6" idx="2"/>
+          </p:cNvCxnSpPr>
+          <p:nvPr/>
+        </p:nvCxnSpPr>
+        <p:spPr>
+          <a:xfrm flipV="1">
+            <a:off x="2834793" y="4537846"/>
+            <a:ext cx="0" cy="624239"/>
+          </a:xfrm>
+          <a:prstGeom prst="straightConnector1">
+            <a:avLst/>
+          </a:prstGeom>
+          <a:ln w="19050">
+            <a:solidFill>
+              <a:schemeClr val="accent1">
+                <a:lumMod val="75000"/>
+              </a:schemeClr>
+            </a:solidFill>
+            <a:tailEnd type="triangle"/>
+          </a:ln>
+        </p:spPr>
+        <p:style>
+          <a:lnRef idx="1">
+            <a:schemeClr val="accent1"/>
+          </a:lnRef>
+          <a:fillRef idx="0">
+            <a:schemeClr val="accent1"/>
+          </a:fillRef>
+          <a:effectRef idx="0">
+            <a:schemeClr val="accent1"/>
+          </a:effectRef>
+          <a:fontRef idx="minor">
+            <a:schemeClr val="tx1"/>
+          </a:fontRef>
+        </p:style>
+      </p:cxnSp>
+      <p:cxnSp>
+        <p:nvCxnSpPr>
+          <p:cNvPr id="51" name="Straight Arrow Connector 50">
+            <a:extLst>
+              <a:ext uri="{FF2B5EF4-FFF2-40B4-BE49-F238E27FC236}">
+                <a16:creationId xmlns:a16="http://schemas.microsoft.com/office/drawing/2014/main" id="{B2E21F74-1B26-D883-D277-52CC9381205D}"/>
+              </a:ext>
+            </a:extLst>
+          </p:cNvPr>
+          <p:cNvCxnSpPr>
+            <a:cxnSpLocks/>
+            <a:stCxn id="13" idx="0"/>
+            <a:endCxn id="7" idx="2"/>
+          </p:cNvCxnSpPr>
+          <p:nvPr/>
+        </p:nvCxnSpPr>
+        <p:spPr>
+          <a:xfrm flipV="1">
+            <a:off x="4532589" y="4537846"/>
+            <a:ext cx="0" cy="624239"/>
+          </a:xfrm>
+          <a:prstGeom prst="straightConnector1">
+            <a:avLst/>
+          </a:prstGeom>
+          <a:ln w="19050">
+            <a:solidFill>
+              <a:schemeClr val="accent1">
+                <a:lumMod val="75000"/>
+              </a:schemeClr>
+            </a:solidFill>
+            <a:tailEnd type="triangle"/>
+          </a:ln>
+        </p:spPr>
+        <p:style>
+          <a:lnRef idx="1">
+            <a:schemeClr val="accent1"/>
+          </a:lnRef>
+          <a:fillRef idx="0">
+            <a:schemeClr val="accent1"/>
+          </a:fillRef>
+          <a:effectRef idx="0">
+            <a:schemeClr val="accent1"/>
+          </a:effectRef>
+          <a:fontRef idx="minor">
+            <a:schemeClr val="tx1"/>
+          </a:fontRef>
+        </p:style>
+      </p:cxnSp>
+      <p:cxnSp>
+        <p:nvCxnSpPr>
+          <p:cNvPr id="54" name="Straight Arrow Connector 53">
+            <a:extLst>
+              <a:ext uri="{FF2B5EF4-FFF2-40B4-BE49-F238E27FC236}">
+                <a16:creationId xmlns:a16="http://schemas.microsoft.com/office/drawing/2014/main" id="{281C60FD-BF0B-20C7-D003-900AC3F16A86}"/>
+              </a:ext>
+            </a:extLst>
+          </p:cNvPr>
+          <p:cNvCxnSpPr>
+            <a:cxnSpLocks/>
+            <a:stCxn id="16" idx="0"/>
+            <a:endCxn id="10" idx="2"/>
+          </p:cNvCxnSpPr>
+          <p:nvPr/>
+        </p:nvCxnSpPr>
+        <p:spPr>
+          <a:xfrm flipV="1">
+            <a:off x="11247949" y="4537846"/>
+            <a:ext cx="0" cy="550667"/>
+          </a:xfrm>
+          <a:prstGeom prst="straightConnector1">
+            <a:avLst/>
+          </a:prstGeom>
+          <a:ln w="19050">
+            <a:solidFill>
+              <a:schemeClr val="accent1">
+                <a:lumMod val="75000"/>
+              </a:schemeClr>
+            </a:solidFill>
+            <a:tailEnd type="triangle"/>
+          </a:ln>
+        </p:spPr>
+        <p:style>
+          <a:lnRef idx="1">
+            <a:schemeClr val="accent1"/>
+          </a:lnRef>
+          <a:fillRef idx="0">
+            <a:schemeClr val="accent1"/>
+          </a:fillRef>
+          <a:effectRef idx="0">
+            <a:schemeClr val="accent1"/>
+          </a:effectRef>
+          <a:fontRef idx="minor">
+            <a:schemeClr val="tx1"/>
+          </a:fontRef>
+        </p:style>
+      </p:cxnSp>
+      <p:cxnSp>
+        <p:nvCxnSpPr>
+          <p:cNvPr id="57" name="Straight Arrow Connector 56">
+            <a:extLst>
+              <a:ext uri="{FF2B5EF4-FFF2-40B4-BE49-F238E27FC236}">
+                <a16:creationId xmlns:a16="http://schemas.microsoft.com/office/drawing/2014/main" id="{DCF12C76-B21F-380C-F9F4-F697564960E3}"/>
+              </a:ext>
+            </a:extLst>
+          </p:cNvPr>
+          <p:cNvCxnSpPr>
+            <a:cxnSpLocks/>
+            <a:stCxn id="15" idx="0"/>
+            <a:endCxn id="9" idx="2"/>
+          </p:cNvCxnSpPr>
+          <p:nvPr/>
+        </p:nvCxnSpPr>
+        <p:spPr>
+          <a:xfrm flipV="1">
+            <a:off x="9505486" y="4537846"/>
+            <a:ext cx="0" cy="548039"/>
+          </a:xfrm>
+          <a:prstGeom prst="straightConnector1">
+            <a:avLst/>
+          </a:prstGeom>
+          <a:ln w="19050">
+            <a:solidFill>
+              <a:schemeClr val="accent1">
+                <a:lumMod val="75000"/>
+              </a:schemeClr>
+            </a:solidFill>
+            <a:tailEnd type="triangle"/>
+          </a:ln>
+        </p:spPr>
+        <p:style>
+          <a:lnRef idx="1">
+            <a:schemeClr val="accent1"/>
+          </a:lnRef>
+          <a:fillRef idx="0">
+            <a:schemeClr val="accent1"/>
+          </a:fillRef>
+          <a:effectRef idx="0">
+            <a:schemeClr val="accent1"/>
+          </a:effectRef>
+          <a:fontRef idx="minor">
+            <a:schemeClr val="tx1"/>
+          </a:fontRef>
+        </p:style>
+      </p:cxnSp>
+      <p:cxnSp>
+        <p:nvCxnSpPr>
+          <p:cNvPr id="60" name="Straight Arrow Connector 59">
+            <a:extLst>
+              <a:ext uri="{FF2B5EF4-FFF2-40B4-BE49-F238E27FC236}">
+                <a16:creationId xmlns:a16="http://schemas.microsoft.com/office/drawing/2014/main" id="{3394EB4A-2E80-764B-AA32-E7C9ACF1CD1E}"/>
+              </a:ext>
+            </a:extLst>
+          </p:cNvPr>
+          <p:cNvCxnSpPr>
+            <a:cxnSpLocks/>
+            <a:stCxn id="14" idx="0"/>
+            <a:endCxn id="8" idx="2"/>
+          </p:cNvCxnSpPr>
+          <p:nvPr/>
+        </p:nvCxnSpPr>
+        <p:spPr>
+          <a:xfrm flipV="1">
+            <a:off x="6309206" y="4537846"/>
+            <a:ext cx="0" cy="624239"/>
+          </a:xfrm>
+          <a:prstGeom prst="straightConnector1">
+            <a:avLst/>
+          </a:prstGeom>
+          <a:ln w="19050">
+            <a:solidFill>
+              <a:schemeClr val="accent1">
+                <a:lumMod val="75000"/>
+              </a:schemeClr>
+            </a:solidFill>
+            <a:tailEnd type="triangle"/>
+          </a:ln>
+        </p:spPr>
+        <p:style>
+          <a:lnRef idx="1">
+            <a:schemeClr val="accent1"/>
+          </a:lnRef>
+          <a:fillRef idx="0">
+            <a:schemeClr val="accent1"/>
+          </a:fillRef>
+          <a:effectRef idx="0">
+            <a:schemeClr val="accent1"/>
+          </a:effectRef>
+          <a:fontRef idx="minor">
+            <a:schemeClr val="tx1"/>
+          </a:fontRef>
+        </p:style>
+      </p:cxnSp>
+      <p:sp>
+        <p:nvSpPr>
+          <p:cNvPr id="63" name="TextBox 62">
+            <a:extLst>
+              <a:ext uri="{FF2B5EF4-FFF2-40B4-BE49-F238E27FC236}">
+                <a16:creationId xmlns:a16="http://schemas.microsoft.com/office/drawing/2014/main" id="{3CEE2EAB-6AE6-2DAE-A1FE-F2A68C5D38AA}"/>
+              </a:ext>
+            </a:extLst>
+          </p:cNvPr>
+          <p:cNvSpPr txBox="1"/>
+          <p:nvPr/>
+        </p:nvSpPr>
+        <p:spPr>
+          <a:xfrm>
+            <a:off x="4548725" y="4627199"/>
+            <a:ext cx="1239635" cy="276999"/>
+          </a:xfrm>
+          <a:prstGeom prst="rect">
+            <a:avLst/>
+          </a:prstGeom>
+          <a:noFill/>
+        </p:spPr>
+        <p:txBody>
+          <a:bodyPr wrap="none" rtlCol="0">
+            <a:spAutoFit/>
+          </a:bodyPr>
+          <a:lstStyle/>
+          <a:p>
+            <a:r>
+              <a:rPr lang="en-US" sz="1200" dirty="0" err="1">
+                <a:solidFill>
+                  <a:srgbClr val="0070C0"/>
+                </a:solidFill>
+              </a:rPr>
+              <a:t>wasGeneratedBy</a:t>
+            </a:r>
+            <a:endParaRPr lang="en-US" sz="1200" dirty="0">
+              <a:solidFill>
+                <a:srgbClr val="0070C0"/>
+              </a:solidFill>
+            </a:endParaRPr>
+          </a:p>
+        </p:txBody>
+      </p:sp>
+      <p:sp>
+        <p:nvSpPr>
+          <p:cNvPr id="64" name="Rounded Rectangle 63">
+            <a:extLst>
+              <a:ext uri="{FF2B5EF4-FFF2-40B4-BE49-F238E27FC236}">
+                <a16:creationId xmlns:a16="http://schemas.microsoft.com/office/drawing/2014/main" id="{6BEFC662-C4B6-6C10-F6DB-16DBFDFDAD45}"/>
+              </a:ext>
+            </a:extLst>
+          </p:cNvPr>
+          <p:cNvSpPr/>
+          <p:nvPr/>
+        </p:nvSpPr>
+        <p:spPr>
+          <a:xfrm>
+            <a:off x="7199585" y="3802122"/>
+            <a:ext cx="1397876" cy="735724"/>
+          </a:xfrm>
+          <a:prstGeom prst="roundRect">
+            <a:avLst/>
+          </a:prstGeom>
+        </p:spPr>
+        <p:style>
+          <a:lnRef idx="2">
+            <a:schemeClr val="accent1">
+              <a:shade val="15000"/>
+            </a:schemeClr>
+          </a:lnRef>
+          <a:fillRef idx="1">
+            <a:schemeClr val="accent1"/>
+          </a:fillRef>
+          <a:effectRef idx="0">
+            <a:schemeClr val="accent1"/>
+          </a:effectRef>
+          <a:fontRef idx="minor">
+            <a:schemeClr val="lt1"/>
+          </a:fontRef>
+        </p:style>
+        <p:txBody>
+          <a:bodyPr rtlCol="0" anchor="ctr"/>
+          <a:lstStyle/>
+          <a:p>
+            <a:pPr algn="ctr"/>
+            <a:r>
+              <a:rPr lang="en-US" sz="1200" dirty="0"/>
+              <a:t>TEST EXECUTION</a:t>
+            </a:r>
+          </a:p>
+        </p:txBody>
+      </p:sp>
+      <p:sp>
+        <p:nvSpPr>
+          <p:cNvPr id="65" name="Rounded Rectangle 64">
+            <a:extLst>
+              <a:ext uri="{FF2B5EF4-FFF2-40B4-BE49-F238E27FC236}">
+                <a16:creationId xmlns:a16="http://schemas.microsoft.com/office/drawing/2014/main" id="{34356E4F-144F-2A2E-16A7-9991D8C9AD10}"/>
+              </a:ext>
+            </a:extLst>
+          </p:cNvPr>
+          <p:cNvSpPr/>
+          <p:nvPr/>
+        </p:nvSpPr>
+        <p:spPr>
+          <a:xfrm>
+            <a:off x="7197522" y="5127173"/>
+            <a:ext cx="1397876" cy="735724"/>
+          </a:xfrm>
+          <a:prstGeom prst="roundRect">
+            <a:avLst/>
+          </a:prstGeom>
+        </p:spPr>
+        <p:style>
+          <a:lnRef idx="2">
+            <a:schemeClr val="accent1">
+              <a:shade val="15000"/>
+            </a:schemeClr>
+          </a:lnRef>
+          <a:fillRef idx="1">
+            <a:schemeClr val="accent1"/>
+          </a:fillRef>
+          <a:effectRef idx="0">
+            <a:schemeClr val="accent1"/>
+          </a:effectRef>
+          <a:fontRef idx="minor">
+            <a:schemeClr val="lt1"/>
+          </a:fontRef>
+        </p:style>
+        <p:txBody>
+          <a:bodyPr rtlCol="0" anchor="ctr"/>
+          <a:lstStyle/>
+          <a:p>
+            <a:pPr algn="ctr"/>
+            <a:r>
+              <a:rPr lang="en-US" sz="1200" dirty="0"/>
+              <a:t>TEST RESULTS</a:t>
+            </a:r>
+          </a:p>
+        </p:txBody>
+      </p:sp>
+      <p:cxnSp>
+        <p:nvCxnSpPr>
+          <p:cNvPr id="66" name="Straight Arrow Connector 65">
+            <a:extLst>
+              <a:ext uri="{FF2B5EF4-FFF2-40B4-BE49-F238E27FC236}">
+                <a16:creationId xmlns:a16="http://schemas.microsoft.com/office/drawing/2014/main" id="{9F901531-3D73-5813-814D-AAAF6032A7E6}"/>
+              </a:ext>
+            </a:extLst>
+          </p:cNvPr>
+          <p:cNvCxnSpPr>
+            <a:cxnSpLocks/>
+            <a:stCxn id="65" idx="0"/>
+            <a:endCxn id="64" idx="2"/>
+          </p:cNvCxnSpPr>
+          <p:nvPr/>
+        </p:nvCxnSpPr>
+        <p:spPr>
+          <a:xfrm flipV="1">
+            <a:off x="7896460" y="4537846"/>
+            <a:ext cx="2063" cy="589327"/>
+          </a:xfrm>
+          <a:prstGeom prst="straightConnector1">
+            <a:avLst/>
+          </a:prstGeom>
+          <a:ln w="19050">
+            <a:solidFill>
+              <a:schemeClr val="accent1">
+                <a:lumMod val="75000"/>
+              </a:schemeClr>
+            </a:solidFill>
+            <a:tailEnd type="triangle"/>
+          </a:ln>
+        </p:spPr>
+        <p:style>
+          <a:lnRef idx="1">
+            <a:schemeClr val="accent1"/>
+          </a:lnRef>
+          <a:fillRef idx="0">
+            <a:schemeClr val="accent1"/>
+          </a:fillRef>
+          <a:effectRef idx="0">
+            <a:schemeClr val="accent1"/>
+          </a:effectRef>
+          <a:fontRef idx="minor">
+            <a:schemeClr val="tx1"/>
+          </a:fontRef>
+        </p:style>
+      </p:cxnSp>
+      <p:cxnSp>
+        <p:nvCxnSpPr>
+          <p:cNvPr id="69" name="Elbow Connector 68">
+            <a:extLst>
+              <a:ext uri="{FF2B5EF4-FFF2-40B4-BE49-F238E27FC236}">
+                <a16:creationId xmlns:a16="http://schemas.microsoft.com/office/drawing/2014/main" id="{7D9E85AC-F0D0-690E-BCF4-7AD072565AAF}"/>
+              </a:ext>
+            </a:extLst>
+          </p:cNvPr>
+          <p:cNvCxnSpPr>
+            <a:cxnSpLocks/>
+            <a:stCxn id="15" idx="2"/>
+            <a:endCxn id="65" idx="2"/>
+          </p:cNvCxnSpPr>
+          <p:nvPr/>
+        </p:nvCxnSpPr>
+        <p:spPr>
+          <a:xfrm rot="5400000">
+            <a:off x="8680329" y="5037740"/>
+            <a:ext cx="41288" cy="1609026"/>
+          </a:xfrm>
+          <a:prstGeom prst="bentConnector3">
+            <a:avLst>
+              <a:gd name="adj1" fmla="val 653672"/>
+            </a:avLst>
+          </a:prstGeom>
+          <a:ln w="19050">
+            <a:solidFill>
+              <a:schemeClr val="tx1"/>
+            </a:solidFill>
+            <a:tailEnd type="triangle"/>
+          </a:ln>
+        </p:spPr>
+        <p:style>
+          <a:lnRef idx="1">
+            <a:schemeClr val="accent1"/>
+          </a:lnRef>
+          <a:fillRef idx="0">
+            <a:schemeClr val="accent1"/>
+          </a:fillRef>
+          <a:effectRef idx="0">
+            <a:schemeClr val="accent1"/>
+          </a:effectRef>
+          <a:fontRef idx="minor">
+            <a:schemeClr val="tx1"/>
+          </a:fontRef>
+        </p:style>
+      </p:cxnSp>
+      <p:cxnSp>
+        <p:nvCxnSpPr>
+          <p:cNvPr id="75" name="Elbow Connector 74">
+            <a:extLst>
+              <a:ext uri="{FF2B5EF4-FFF2-40B4-BE49-F238E27FC236}">
+                <a16:creationId xmlns:a16="http://schemas.microsoft.com/office/drawing/2014/main" id="{85856CAF-405C-EDCA-68CF-A2AD2B9D9792}"/>
+              </a:ext>
+            </a:extLst>
+          </p:cNvPr>
+          <p:cNvCxnSpPr>
+            <a:cxnSpLocks/>
+            <a:stCxn id="6" idx="1"/>
+            <a:endCxn id="11" idx="3"/>
+          </p:cNvCxnSpPr>
+          <p:nvPr/>
+        </p:nvCxnSpPr>
+        <p:spPr>
+          <a:xfrm rot="10800000">
+            <a:off x="1756921" y="3374570"/>
+            <a:ext cx="378935" cy="795414"/>
+          </a:xfrm>
+          <a:prstGeom prst="bentConnector3">
+            <a:avLst>
+              <a:gd name="adj1" fmla="val 50000"/>
+            </a:avLst>
+          </a:prstGeom>
+          <a:ln w="19050">
+            <a:solidFill>
+              <a:srgbClr val="C00000"/>
+            </a:solidFill>
+            <a:tailEnd type="triangle"/>
+          </a:ln>
+        </p:spPr>
+        <p:style>
+          <a:lnRef idx="1">
+            <a:schemeClr val="accent1"/>
+          </a:lnRef>
+          <a:fillRef idx="0">
+            <a:schemeClr val="accent1"/>
+          </a:fillRef>
+          <a:effectRef idx="0">
+            <a:schemeClr val="accent1"/>
+          </a:effectRef>
+          <a:fontRef idx="minor">
+            <a:schemeClr val="tx1"/>
+          </a:fontRef>
+        </p:style>
+      </p:cxnSp>
+      <p:sp>
+        <p:nvSpPr>
+          <p:cNvPr id="79" name="TextBox 78">
+            <a:extLst>
+              <a:ext uri="{FF2B5EF4-FFF2-40B4-BE49-F238E27FC236}">
+                <a16:creationId xmlns:a16="http://schemas.microsoft.com/office/drawing/2014/main" id="{7AA79D54-5DA2-41E6-DA52-5F8B22C07990}"/>
+              </a:ext>
+            </a:extLst>
+          </p:cNvPr>
+          <p:cNvSpPr txBox="1"/>
+          <p:nvPr/>
+        </p:nvSpPr>
+        <p:spPr>
+          <a:xfrm>
+            <a:off x="1867950" y="3052139"/>
+            <a:ext cx="922176" cy="276999"/>
+          </a:xfrm>
+          <a:prstGeom prst="rect">
+            <a:avLst/>
+          </a:prstGeom>
+          <a:noFill/>
+        </p:spPr>
+        <p:txBody>
+          <a:bodyPr wrap="none" rtlCol="0">
+            <a:spAutoFit/>
+          </a:bodyPr>
+          <a:lstStyle/>
+          <a:p>
+            <a:r>
+              <a:rPr lang="en-US" sz="1200" dirty="0" err="1">
+                <a:solidFill>
+                  <a:srgbClr val="C00000"/>
+                </a:solidFill>
+              </a:rPr>
+              <a:t>governedBy</a:t>
+            </a:r>
+            <a:endParaRPr lang="en-US" sz="1200" dirty="0">
+              <a:solidFill>
+                <a:srgbClr val="C00000"/>
+              </a:solidFill>
+            </a:endParaRPr>
+          </a:p>
+        </p:txBody>
+      </p:sp>
+      <p:sp>
+        <p:nvSpPr>
+          <p:cNvPr id="80" name="TextBox 79">
+            <a:extLst>
+              <a:ext uri="{FF2B5EF4-FFF2-40B4-BE49-F238E27FC236}">
+                <a16:creationId xmlns:a16="http://schemas.microsoft.com/office/drawing/2014/main" id="{62D35BDA-C21D-8C39-BFDA-AD1E88162E22}"/>
+              </a:ext>
+            </a:extLst>
+          </p:cNvPr>
+          <p:cNvSpPr txBox="1"/>
+          <p:nvPr/>
+        </p:nvSpPr>
+        <p:spPr>
+          <a:xfrm>
+            <a:off x="8481690" y="6154674"/>
+            <a:ext cx="929806" cy="276999"/>
+          </a:xfrm>
+          <a:prstGeom prst="rect">
+            <a:avLst/>
+          </a:prstGeom>
+          <a:solidFill>
+            <a:schemeClr val="bg1"/>
+          </a:solidFill>
+        </p:spPr>
+        <p:txBody>
+          <a:bodyPr wrap="none" rtlCol="0">
+            <a:spAutoFit/>
+          </a:bodyPr>
+          <a:lstStyle/>
+          <a:p>
+            <a:r>
+              <a:rPr lang="en-US" sz="1200" dirty="0"/>
+              <a:t>summarizes</a:t>
+            </a:r>
+          </a:p>
+        </p:txBody>
+      </p:sp>
+      <p:cxnSp>
+        <p:nvCxnSpPr>
+          <p:cNvPr id="81" name="Elbow Connector 80">
+            <a:extLst>
+              <a:ext uri="{FF2B5EF4-FFF2-40B4-BE49-F238E27FC236}">
+                <a16:creationId xmlns:a16="http://schemas.microsoft.com/office/drawing/2014/main" id="{1436DC3B-E0C5-CE34-82FC-88CA4C5FA5AD}"/>
+              </a:ext>
+            </a:extLst>
+          </p:cNvPr>
+          <p:cNvCxnSpPr>
+            <a:cxnSpLocks/>
+            <a:stCxn id="65" idx="1"/>
+            <a:endCxn id="14" idx="2"/>
+          </p:cNvCxnSpPr>
+          <p:nvPr/>
+        </p:nvCxnSpPr>
+        <p:spPr>
+          <a:xfrm rot="10800000" flipV="1">
+            <a:off x="6309206" y="5495035"/>
+            <a:ext cx="888316" cy="402774"/>
+          </a:xfrm>
+          <a:prstGeom prst="bentConnector4">
+            <a:avLst>
+              <a:gd name="adj1" fmla="val 10659"/>
+              <a:gd name="adj2" fmla="val 156756"/>
+            </a:avLst>
+          </a:prstGeom>
+          <a:ln w="19050">
+            <a:solidFill>
+              <a:schemeClr val="tx1"/>
+            </a:solidFill>
+            <a:tailEnd type="triangle"/>
+          </a:ln>
+        </p:spPr>
+        <p:style>
+          <a:lnRef idx="1">
+            <a:schemeClr val="accent1"/>
+          </a:lnRef>
+          <a:fillRef idx="0">
+            <a:schemeClr val="accent1"/>
+          </a:fillRef>
+          <a:effectRef idx="0">
+            <a:schemeClr val="accent1"/>
+          </a:effectRef>
+          <a:fontRef idx="minor">
+            <a:schemeClr val="tx1"/>
+          </a:fontRef>
+        </p:style>
+      </p:cxnSp>
+      <p:sp>
+        <p:nvSpPr>
+          <p:cNvPr id="90" name="TextBox 89">
+            <a:extLst>
+              <a:ext uri="{FF2B5EF4-FFF2-40B4-BE49-F238E27FC236}">
+                <a16:creationId xmlns:a16="http://schemas.microsoft.com/office/drawing/2014/main" id="{931F3AAC-7D17-9F36-42B7-D4886352AFC3}"/>
+              </a:ext>
+            </a:extLst>
+          </p:cNvPr>
+          <p:cNvSpPr txBox="1"/>
+          <p:nvPr/>
+        </p:nvSpPr>
+        <p:spPr>
+          <a:xfrm>
+            <a:off x="6542314" y="6193987"/>
+            <a:ext cx="729110" cy="276999"/>
+          </a:xfrm>
+          <a:prstGeom prst="rect">
+            <a:avLst/>
+          </a:prstGeom>
+          <a:solidFill>
+            <a:schemeClr val="bg1"/>
+          </a:solidFill>
+        </p:spPr>
+        <p:txBody>
+          <a:bodyPr wrap="none" rtlCol="0">
+            <a:spAutoFit/>
+          </a:bodyPr>
+          <a:lstStyle/>
+          <a:p>
+            <a:r>
+              <a:rPr lang="en-US" sz="1200" dirty="0"/>
+              <a:t>confirms</a:t>
+            </a:r>
+          </a:p>
+        </p:txBody>
+      </p:sp>
+      <p:cxnSp>
+        <p:nvCxnSpPr>
+          <p:cNvPr id="91" name="Elbow Connector 90">
+            <a:extLst>
+              <a:ext uri="{FF2B5EF4-FFF2-40B4-BE49-F238E27FC236}">
+                <a16:creationId xmlns:a16="http://schemas.microsoft.com/office/drawing/2014/main" id="{561D130D-C13E-5902-5927-349CE351010C}"/>
+              </a:ext>
+            </a:extLst>
+          </p:cNvPr>
+          <p:cNvCxnSpPr>
+            <a:cxnSpLocks/>
+            <a:stCxn id="14" idx="1"/>
+            <a:endCxn id="12" idx="2"/>
+          </p:cNvCxnSpPr>
+          <p:nvPr/>
+        </p:nvCxnSpPr>
+        <p:spPr>
+          <a:xfrm rot="10800000" flipV="1">
+            <a:off x="2834794" y="5529947"/>
+            <a:ext cx="2775475" cy="367862"/>
+          </a:xfrm>
+          <a:prstGeom prst="bentConnector4">
+            <a:avLst>
+              <a:gd name="adj1" fmla="val 7209"/>
+              <a:gd name="adj2" fmla="val 162143"/>
+            </a:avLst>
+          </a:prstGeom>
+          <a:ln w="19050">
+            <a:solidFill>
+              <a:schemeClr val="tx1"/>
+            </a:solidFill>
+            <a:tailEnd type="triangle"/>
+          </a:ln>
+        </p:spPr>
+        <p:style>
+          <a:lnRef idx="1">
+            <a:schemeClr val="accent1"/>
+          </a:lnRef>
+          <a:fillRef idx="0">
+            <a:schemeClr val="accent1"/>
+          </a:fillRef>
+          <a:effectRef idx="0">
+            <a:schemeClr val="accent1"/>
+          </a:effectRef>
+          <a:fontRef idx="minor">
+            <a:schemeClr val="tx1"/>
+          </a:fontRef>
+        </p:style>
+      </p:cxnSp>
+      <p:sp>
+        <p:nvSpPr>
+          <p:cNvPr id="92" name="TextBox 91">
+            <a:extLst>
+              <a:ext uri="{FF2B5EF4-FFF2-40B4-BE49-F238E27FC236}">
+                <a16:creationId xmlns:a16="http://schemas.microsoft.com/office/drawing/2014/main" id="{8BBE7051-BCD6-F2A9-BD6C-D0E3B0ED3F17}"/>
+              </a:ext>
+            </a:extLst>
+          </p:cNvPr>
+          <p:cNvSpPr txBox="1"/>
+          <p:nvPr/>
+        </p:nvSpPr>
+        <p:spPr>
+          <a:xfrm>
+            <a:off x="4230304" y="6155003"/>
+            <a:ext cx="636841" cy="276999"/>
+          </a:xfrm>
+          <a:prstGeom prst="rect">
+            <a:avLst/>
+          </a:prstGeom>
+          <a:solidFill>
+            <a:schemeClr val="bg1"/>
+          </a:solidFill>
+        </p:spPr>
+        <p:txBody>
+          <a:bodyPr wrap="none" rtlCol="0">
+            <a:spAutoFit/>
+          </a:bodyPr>
+          <a:lstStyle/>
+          <a:p>
+            <a:r>
+              <a:rPr lang="en-US" sz="1200" dirty="0"/>
+              <a:t>verifies</a:t>
+            </a:r>
+          </a:p>
+        </p:txBody>
+      </p:sp>
+      <p:cxnSp>
+        <p:nvCxnSpPr>
+          <p:cNvPr id="101" name="Elbow Connector 100">
+            <a:extLst>
+              <a:ext uri="{FF2B5EF4-FFF2-40B4-BE49-F238E27FC236}">
+                <a16:creationId xmlns:a16="http://schemas.microsoft.com/office/drawing/2014/main" id="{892B7871-6783-252A-89AC-B94861A87E86}"/>
+              </a:ext>
+            </a:extLst>
+          </p:cNvPr>
+          <p:cNvCxnSpPr>
+            <a:cxnSpLocks/>
+            <a:stCxn id="10" idx="1"/>
+            <a:endCxn id="11" idx="3"/>
+          </p:cNvCxnSpPr>
+          <p:nvPr/>
+        </p:nvCxnSpPr>
+        <p:spPr>
+          <a:xfrm rot="10800000">
+            <a:off x="1756921" y="3374570"/>
+            <a:ext cx="8792091" cy="795414"/>
+          </a:xfrm>
+          <a:prstGeom prst="bentConnector3">
+            <a:avLst>
+              <a:gd name="adj1" fmla="val 1342"/>
+            </a:avLst>
+          </a:prstGeom>
+          <a:ln w="19050">
+            <a:solidFill>
+              <a:srgbClr val="C00000"/>
+            </a:solidFill>
+            <a:tailEnd type="triangle"/>
+          </a:ln>
+        </p:spPr>
+        <p:style>
+          <a:lnRef idx="1">
+            <a:schemeClr val="accent1"/>
+          </a:lnRef>
+          <a:fillRef idx="0">
+            <a:schemeClr val="accent1"/>
+          </a:fillRef>
+          <a:effectRef idx="0">
+            <a:schemeClr val="accent1"/>
+          </a:effectRef>
+          <a:fontRef idx="minor">
+            <a:schemeClr val="tx1"/>
+          </a:fontRef>
+        </p:style>
+      </p:cxnSp>
+      <p:cxnSp>
+        <p:nvCxnSpPr>
+          <p:cNvPr id="105" name="Elbow Connector 104">
+            <a:extLst>
+              <a:ext uri="{FF2B5EF4-FFF2-40B4-BE49-F238E27FC236}">
+                <a16:creationId xmlns:a16="http://schemas.microsoft.com/office/drawing/2014/main" id="{0F45903F-C070-7DC9-5202-34E6822E34E3}"/>
+              </a:ext>
+            </a:extLst>
+          </p:cNvPr>
+          <p:cNvCxnSpPr>
+            <a:cxnSpLocks/>
+            <a:stCxn id="64" idx="1"/>
+            <a:endCxn id="11" idx="3"/>
+          </p:cNvCxnSpPr>
+          <p:nvPr/>
+        </p:nvCxnSpPr>
+        <p:spPr>
+          <a:xfrm rot="10800000">
+            <a:off x="1756921" y="3374570"/>
+            <a:ext cx="5442665" cy="795414"/>
+          </a:xfrm>
+          <a:prstGeom prst="bentConnector3">
+            <a:avLst>
+              <a:gd name="adj1" fmla="val 1798"/>
+            </a:avLst>
+          </a:prstGeom>
+          <a:ln w="19050">
+            <a:solidFill>
+              <a:srgbClr val="C00000"/>
+            </a:solidFill>
+            <a:tailEnd type="triangle"/>
+          </a:ln>
+        </p:spPr>
+        <p:style>
+          <a:lnRef idx="1">
+            <a:schemeClr val="accent1"/>
+          </a:lnRef>
+          <a:fillRef idx="0">
+            <a:schemeClr val="accent1"/>
+          </a:fillRef>
+          <a:effectRef idx="0">
+            <a:schemeClr val="accent1"/>
+          </a:effectRef>
+          <a:fontRef idx="minor">
+            <a:schemeClr val="tx1"/>
+          </a:fontRef>
+        </p:style>
+      </p:cxnSp>
+      <p:cxnSp>
+        <p:nvCxnSpPr>
+          <p:cNvPr id="109" name="Elbow Connector 108">
+            <a:extLst>
+              <a:ext uri="{FF2B5EF4-FFF2-40B4-BE49-F238E27FC236}">
+                <a16:creationId xmlns:a16="http://schemas.microsoft.com/office/drawing/2014/main" id="{9A79DED0-C833-BF19-173A-3C971D84D3E9}"/>
+              </a:ext>
+            </a:extLst>
+          </p:cNvPr>
+          <p:cNvCxnSpPr>
+            <a:cxnSpLocks/>
+            <a:stCxn id="9" idx="1"/>
+            <a:endCxn id="11" idx="3"/>
+          </p:cNvCxnSpPr>
+          <p:nvPr/>
+        </p:nvCxnSpPr>
+        <p:spPr>
+          <a:xfrm rot="10800000">
+            <a:off x="1756920" y="3374570"/>
+            <a:ext cx="7049628" cy="795414"/>
+          </a:xfrm>
+          <a:prstGeom prst="bentConnector3">
+            <a:avLst>
+              <a:gd name="adj1" fmla="val 1359"/>
+            </a:avLst>
+          </a:prstGeom>
+          <a:ln w="19050">
+            <a:solidFill>
+              <a:srgbClr val="C00000"/>
+            </a:solidFill>
+            <a:tailEnd type="triangle"/>
+          </a:ln>
+        </p:spPr>
+        <p:style>
+          <a:lnRef idx="1">
+            <a:schemeClr val="accent1"/>
+          </a:lnRef>
+          <a:fillRef idx="0">
+            <a:schemeClr val="accent1"/>
+          </a:fillRef>
+          <a:effectRef idx="0">
+            <a:schemeClr val="accent1"/>
+          </a:effectRef>
+          <a:fontRef idx="minor">
+            <a:schemeClr val="tx1"/>
+          </a:fontRef>
+        </p:style>
+      </p:cxnSp>
+      <p:cxnSp>
+        <p:nvCxnSpPr>
+          <p:cNvPr id="117" name="Elbow Connector 116">
+            <a:extLst>
+              <a:ext uri="{FF2B5EF4-FFF2-40B4-BE49-F238E27FC236}">
+                <a16:creationId xmlns:a16="http://schemas.microsoft.com/office/drawing/2014/main" id="{FC832115-42C5-A184-4501-8FA38A505368}"/>
+              </a:ext>
+            </a:extLst>
+          </p:cNvPr>
+          <p:cNvCxnSpPr>
+            <a:cxnSpLocks/>
+            <a:stCxn id="8" idx="1"/>
+            <a:endCxn id="11" idx="3"/>
+          </p:cNvCxnSpPr>
+          <p:nvPr/>
+        </p:nvCxnSpPr>
+        <p:spPr>
+          <a:xfrm rot="10800000">
+            <a:off x="1756920" y="3374570"/>
+            <a:ext cx="3853348" cy="795414"/>
+          </a:xfrm>
+          <a:prstGeom prst="bentConnector3">
+            <a:avLst>
+              <a:gd name="adj1" fmla="val 5365"/>
+            </a:avLst>
+          </a:prstGeom>
+          <a:ln w="19050">
+            <a:solidFill>
+              <a:srgbClr val="C00000"/>
+            </a:solidFill>
+            <a:tailEnd type="triangle"/>
+          </a:ln>
+        </p:spPr>
+        <p:style>
+          <a:lnRef idx="1">
+            <a:schemeClr val="accent1"/>
+          </a:lnRef>
+          <a:fillRef idx="0">
+            <a:schemeClr val="accent1"/>
+          </a:fillRef>
+          <a:effectRef idx="0">
+            <a:schemeClr val="accent1"/>
+          </a:effectRef>
+          <a:fontRef idx="minor">
+            <a:schemeClr val="tx1"/>
+          </a:fontRef>
+        </p:style>
+      </p:cxnSp>
+      <p:cxnSp>
+        <p:nvCxnSpPr>
+          <p:cNvPr id="121" name="Elbow Connector 120">
+            <a:extLst>
+              <a:ext uri="{FF2B5EF4-FFF2-40B4-BE49-F238E27FC236}">
+                <a16:creationId xmlns:a16="http://schemas.microsoft.com/office/drawing/2014/main" id="{484510CA-7372-19E4-472B-0F54AB362950}"/>
+              </a:ext>
+            </a:extLst>
+          </p:cNvPr>
+          <p:cNvCxnSpPr>
+            <a:cxnSpLocks/>
+            <a:stCxn id="7" idx="1"/>
+            <a:endCxn id="11" idx="3"/>
+          </p:cNvCxnSpPr>
+          <p:nvPr/>
+        </p:nvCxnSpPr>
+        <p:spPr>
+          <a:xfrm rot="10800000">
+            <a:off x="1756921" y="3374570"/>
+            <a:ext cx="2076731" cy="795414"/>
+          </a:xfrm>
+          <a:prstGeom prst="bentConnector3">
+            <a:avLst>
+              <a:gd name="adj1" fmla="val 6493"/>
+            </a:avLst>
+          </a:prstGeom>
+          <a:ln w="19050">
+            <a:solidFill>
+              <a:srgbClr val="C00000"/>
+            </a:solidFill>
+            <a:tailEnd type="triangle"/>
+          </a:ln>
+        </p:spPr>
+        <p:style>
+          <a:lnRef idx="1">
+            <a:schemeClr val="accent1"/>
+          </a:lnRef>
+          <a:fillRef idx="0">
+            <a:schemeClr val="accent1"/>
+          </a:fillRef>
+          <a:effectRef idx="0">
+            <a:schemeClr val="accent1"/>
+          </a:effectRef>
+          <a:fontRef idx="minor">
+            <a:schemeClr val="tx1"/>
+          </a:fontRef>
+        </p:style>
+      </p:cxnSp>
+      <p:sp>
+        <p:nvSpPr>
+          <p:cNvPr id="127" name="TextBox 126">
+            <a:extLst>
+              <a:ext uri="{FF2B5EF4-FFF2-40B4-BE49-F238E27FC236}">
+                <a16:creationId xmlns:a16="http://schemas.microsoft.com/office/drawing/2014/main" id="{08DA3C8D-A651-1962-9857-B89A4E8E4D90}"/>
+              </a:ext>
+            </a:extLst>
+          </p:cNvPr>
+          <p:cNvSpPr txBox="1"/>
+          <p:nvPr/>
+        </p:nvSpPr>
+        <p:spPr>
+          <a:xfrm>
+            <a:off x="1914034" y="1843464"/>
+            <a:ext cx="340158" cy="461665"/>
+          </a:xfrm>
+          <a:prstGeom prst="rect">
+            <a:avLst/>
+          </a:prstGeom>
+          <a:noFill/>
+          <a:ln>
+            <a:solidFill>
+              <a:schemeClr val="tx1"/>
+            </a:solidFill>
+          </a:ln>
+        </p:spPr>
+        <p:txBody>
+          <a:bodyPr wrap="none" rtlCol="0">
+            <a:spAutoFit/>
+          </a:bodyPr>
+          <a:lstStyle/>
+          <a:p>
+            <a:r>
+              <a:rPr lang="en-US" sz="2400" b="1" dirty="0"/>
+              <a:t>1</a:t>
+            </a:r>
+          </a:p>
+        </p:txBody>
+      </p:sp>
+      <p:sp>
+        <p:nvSpPr>
+          <p:cNvPr id="128" name="TextBox 127">
+            <a:extLst>
+              <a:ext uri="{FF2B5EF4-FFF2-40B4-BE49-F238E27FC236}">
+                <a16:creationId xmlns:a16="http://schemas.microsoft.com/office/drawing/2014/main" id="{91A39A3B-0315-DFE8-D2F9-3E8EB6A928C8}"/>
+              </a:ext>
+            </a:extLst>
+          </p:cNvPr>
+          <p:cNvSpPr txBox="1"/>
+          <p:nvPr/>
+        </p:nvSpPr>
+        <p:spPr>
+          <a:xfrm>
+            <a:off x="1837263" y="4563391"/>
+            <a:ext cx="340158" cy="461665"/>
+          </a:xfrm>
+          <a:prstGeom prst="rect">
+            <a:avLst/>
+          </a:prstGeom>
+          <a:noFill/>
+          <a:ln>
+            <a:solidFill>
+              <a:schemeClr val="tx1"/>
+            </a:solidFill>
+          </a:ln>
+        </p:spPr>
+        <p:txBody>
+          <a:bodyPr wrap="none" rtlCol="0">
+            <a:spAutoFit/>
+          </a:bodyPr>
+          <a:lstStyle/>
+          <a:p>
+            <a:r>
+              <a:rPr lang="en-US" sz="2400" b="1" dirty="0"/>
+              <a:t>2</a:t>
+            </a:r>
+          </a:p>
+        </p:txBody>
+      </p:sp>
+      <p:sp>
+        <p:nvSpPr>
+          <p:cNvPr id="129" name="TextBox 128">
+            <a:extLst>
+              <a:ext uri="{FF2B5EF4-FFF2-40B4-BE49-F238E27FC236}">
+                <a16:creationId xmlns:a16="http://schemas.microsoft.com/office/drawing/2014/main" id="{DD3DA6B1-AB76-E372-2C32-A76BD9313583}"/>
+              </a:ext>
+            </a:extLst>
+          </p:cNvPr>
+          <p:cNvSpPr txBox="1"/>
+          <p:nvPr/>
+        </p:nvSpPr>
+        <p:spPr>
+          <a:xfrm>
+            <a:off x="11606729" y="4581032"/>
+            <a:ext cx="340158" cy="461665"/>
+          </a:xfrm>
+          <a:prstGeom prst="rect">
+            <a:avLst/>
+          </a:prstGeom>
+          <a:noFill/>
+          <a:ln>
+            <a:solidFill>
+              <a:schemeClr val="tx1"/>
+            </a:solidFill>
+          </a:ln>
+        </p:spPr>
+        <p:txBody>
+          <a:bodyPr wrap="none" rtlCol="0">
+            <a:spAutoFit/>
+          </a:bodyPr>
+          <a:lstStyle/>
+          <a:p>
+            <a:r>
+              <a:rPr lang="en-US" sz="2400" b="1" dirty="0"/>
+              <a:t>3</a:t>
+            </a:r>
+          </a:p>
+        </p:txBody>
+      </p:sp>
+      <p:sp>
+        <p:nvSpPr>
+          <p:cNvPr id="130" name="TextBox 129">
+            <a:extLst>
+              <a:ext uri="{FF2B5EF4-FFF2-40B4-BE49-F238E27FC236}">
+                <a16:creationId xmlns:a16="http://schemas.microsoft.com/office/drawing/2014/main" id="{863D850A-96B3-AE54-759B-FFB531D2A2FB}"/>
+              </a:ext>
+            </a:extLst>
+          </p:cNvPr>
+          <p:cNvSpPr txBox="1"/>
+          <p:nvPr/>
+        </p:nvSpPr>
+        <p:spPr>
+          <a:xfrm>
+            <a:off x="4101599" y="4597537"/>
+            <a:ext cx="340158" cy="461665"/>
+          </a:xfrm>
+          <a:prstGeom prst="rect">
+            <a:avLst/>
+          </a:prstGeom>
+          <a:noFill/>
+          <a:ln>
+            <a:solidFill>
+              <a:schemeClr val="tx1"/>
+            </a:solidFill>
+          </a:ln>
+        </p:spPr>
+        <p:txBody>
+          <a:bodyPr wrap="none" rtlCol="0">
+            <a:spAutoFit/>
+          </a:bodyPr>
+          <a:lstStyle/>
+          <a:p>
+            <a:r>
+              <a:rPr lang="en-US" sz="2400" b="1" dirty="0"/>
+              <a:t>4</a:t>
+            </a:r>
+          </a:p>
+        </p:txBody>
+      </p:sp>
+      <p:sp>
+        <p:nvSpPr>
+          <p:cNvPr id="131" name="TextBox 130">
+            <a:extLst>
+              <a:ext uri="{FF2B5EF4-FFF2-40B4-BE49-F238E27FC236}">
+                <a16:creationId xmlns:a16="http://schemas.microsoft.com/office/drawing/2014/main" id="{B29A8C4D-3D0A-2988-1CBD-DCF948902DD9}"/>
+              </a:ext>
+            </a:extLst>
+          </p:cNvPr>
+          <p:cNvSpPr txBox="1"/>
+          <p:nvPr/>
+        </p:nvSpPr>
+        <p:spPr>
+          <a:xfrm>
+            <a:off x="6922900" y="4597548"/>
+            <a:ext cx="340158" cy="461665"/>
+          </a:xfrm>
+          <a:prstGeom prst="rect">
+            <a:avLst/>
+          </a:prstGeom>
+          <a:noFill/>
+          <a:ln>
+            <a:solidFill>
+              <a:schemeClr val="tx1"/>
+            </a:solidFill>
+          </a:ln>
+        </p:spPr>
+        <p:txBody>
+          <a:bodyPr wrap="none" rtlCol="0">
+            <a:spAutoFit/>
+          </a:bodyPr>
+          <a:lstStyle/>
+          <a:p>
+            <a:r>
+              <a:rPr lang="en-US" sz="2400" b="1" dirty="0"/>
+              <a:t>5</a:t>
+            </a:r>
+          </a:p>
+        </p:txBody>
+      </p:sp>
+      <p:sp>
+        <p:nvSpPr>
+          <p:cNvPr id="132" name="TextBox 131">
+            <a:extLst>
+              <a:ext uri="{FF2B5EF4-FFF2-40B4-BE49-F238E27FC236}">
+                <a16:creationId xmlns:a16="http://schemas.microsoft.com/office/drawing/2014/main" id="{2EA08CF3-A15F-D7A7-47FA-37A9E17DCE6A}"/>
+              </a:ext>
+            </a:extLst>
+          </p:cNvPr>
+          <p:cNvSpPr txBox="1"/>
+          <p:nvPr/>
+        </p:nvSpPr>
+        <p:spPr>
+          <a:xfrm>
+            <a:off x="9575124" y="4586639"/>
+            <a:ext cx="949299" cy="461665"/>
+          </a:xfrm>
+          <a:prstGeom prst="rect">
+            <a:avLst/>
+          </a:prstGeom>
+          <a:noFill/>
+          <a:ln>
+            <a:solidFill>
+              <a:schemeClr val="tx1"/>
+            </a:solidFill>
+          </a:ln>
+        </p:spPr>
+        <p:txBody>
+          <a:bodyPr wrap="none" rtlCol="0">
+            <a:spAutoFit/>
+          </a:bodyPr>
+          <a:lstStyle/>
+          <a:p>
+            <a:r>
+              <a:rPr lang="en-US" sz="2400" b="1" dirty="0"/>
+              <a:t>6, 7, 8</a:t>
+            </a:r>
+          </a:p>
+        </p:txBody>
+      </p:sp>
+      <p:sp>
+        <p:nvSpPr>
+          <p:cNvPr id="133" name="TextBox 132">
+            <a:extLst>
+              <a:ext uri="{FF2B5EF4-FFF2-40B4-BE49-F238E27FC236}">
+                <a16:creationId xmlns:a16="http://schemas.microsoft.com/office/drawing/2014/main" id="{EAEF1D89-F27D-2091-F941-4E46881152D1}"/>
+              </a:ext>
+            </a:extLst>
+          </p:cNvPr>
+          <p:cNvSpPr txBox="1"/>
+          <p:nvPr/>
+        </p:nvSpPr>
+        <p:spPr>
+          <a:xfrm>
+            <a:off x="7643086" y="481227"/>
+            <a:ext cx="3703706" cy="461665"/>
+          </a:xfrm>
+          <a:prstGeom prst="rect">
+            <a:avLst/>
+          </a:prstGeom>
+          <a:noFill/>
+          <a:ln>
+            <a:solidFill>
+              <a:schemeClr val="tx1"/>
+            </a:solidFill>
+          </a:ln>
+        </p:spPr>
+        <p:txBody>
+          <a:bodyPr wrap="none" rtlCol="0">
+            <a:spAutoFit/>
+          </a:bodyPr>
+          <a:lstStyle/>
+          <a:p>
+            <a:r>
+              <a:rPr lang="en-US" sz="2400" b="1" dirty="0"/>
+              <a:t>#- Basic 4754A Process Step</a:t>
+            </a:r>
+          </a:p>
+        </p:txBody>
+      </p:sp>
+      <p:cxnSp>
+        <p:nvCxnSpPr>
+          <p:cNvPr id="134" name="Elbow Connector 133">
+            <a:extLst>
+              <a:ext uri="{FF2B5EF4-FFF2-40B4-BE49-F238E27FC236}">
+                <a16:creationId xmlns:a16="http://schemas.microsoft.com/office/drawing/2014/main" id="{39393B55-ADE0-7600-9C01-1D21E2678AB9}"/>
+              </a:ext>
+            </a:extLst>
+          </p:cNvPr>
+          <p:cNvCxnSpPr>
+            <a:cxnSpLocks/>
+            <a:stCxn id="4" idx="2"/>
+            <a:endCxn id="64" idx="0"/>
+          </p:cNvCxnSpPr>
+          <p:nvPr/>
+        </p:nvCxnSpPr>
+        <p:spPr>
+          <a:xfrm rot="16200000" flipH="1">
+            <a:off x="5538198" y="1441797"/>
+            <a:ext cx="2713176" cy="2007474"/>
+          </a:xfrm>
+          <a:prstGeom prst="bentConnector3">
+            <a:avLst>
+              <a:gd name="adj1" fmla="val 50000"/>
+            </a:avLst>
+          </a:prstGeom>
+          <a:ln w="19050">
+            <a:solidFill>
+              <a:schemeClr val="tx1"/>
+            </a:solidFill>
+            <a:tailEnd type="triangle"/>
+          </a:ln>
+        </p:spPr>
+        <p:style>
+          <a:lnRef idx="1">
+            <a:schemeClr val="accent1"/>
+          </a:lnRef>
+          <a:fillRef idx="0">
+            <a:schemeClr val="accent1"/>
+          </a:fillRef>
+          <a:effectRef idx="0">
+            <a:schemeClr val="accent1"/>
+          </a:effectRef>
+          <a:fontRef idx="minor">
+            <a:schemeClr val="tx1"/>
+          </a:fontRef>
+        </p:style>
+      </p:cxnSp>
+      <p:sp>
+        <p:nvSpPr>
+          <p:cNvPr id="2" name="TextBox 1">
+            <a:extLst>
+              <a:ext uri="{FF2B5EF4-FFF2-40B4-BE49-F238E27FC236}">
+                <a16:creationId xmlns:a16="http://schemas.microsoft.com/office/drawing/2014/main" id="{D3CF40E0-E070-1690-DA8C-8442AA63024D}"/>
+              </a:ext>
+            </a:extLst>
+          </p:cNvPr>
+          <p:cNvSpPr txBox="1"/>
+          <p:nvPr/>
+        </p:nvSpPr>
+        <p:spPr>
+          <a:xfrm>
+            <a:off x="1089403" y="2530937"/>
+            <a:ext cx="1239635" cy="276999"/>
+          </a:xfrm>
+          <a:prstGeom prst="rect">
+            <a:avLst/>
+          </a:prstGeom>
+          <a:noFill/>
+        </p:spPr>
+        <p:txBody>
+          <a:bodyPr wrap="none" rtlCol="0">
+            <a:spAutoFit/>
+          </a:bodyPr>
+          <a:lstStyle/>
+          <a:p>
+            <a:r>
+              <a:rPr lang="en-US" sz="1200" dirty="0" err="1">
+                <a:solidFill>
+                  <a:srgbClr val="0070C0"/>
+                </a:solidFill>
+              </a:rPr>
+              <a:t>wasGeneratedBy</a:t>
+            </a:r>
+            <a:endParaRPr lang="en-US" sz="1200" dirty="0">
+              <a:solidFill>
+                <a:srgbClr val="0070C0"/>
+              </a:solidFill>
+            </a:endParaRPr>
+          </a:p>
+        </p:txBody>
+      </p:sp>
+    </p:spTree>
+    <p:extLst>
+      <p:ext uri="{BB962C8B-B14F-4D97-AF65-F5344CB8AC3E}">
+        <p14:creationId xmlns:p14="http://schemas.microsoft.com/office/powerpoint/2010/main" val="293765943"/>
+      </p:ext>
+    </p:extLst>
+  </p:cSld>
+  <p:clrMapOvr>
+    <a:masterClrMapping/>
+  </p:clrMapOvr>
+</p:sld>
+</file>
+
+<file path=ppt/slides/slide2.xml><?xml version="1.0" encoding="utf-8"?>
+<p:sld xmlns:a="http://schemas.openxmlformats.org/drawingml/2006/main" xmlns:r="http://schemas.openxmlformats.org/officeDocument/2006/relationships" xmlns:p="http://schemas.openxmlformats.org/presentationml/2006/main">
+  <p:cSld>
+    <p:spTree>
+      <p:nvGrpSpPr>
+        <p:cNvPr id="1" name=""/>
+        <p:cNvGrpSpPr/>
+        <p:nvPr/>
+      </p:nvGrpSpPr>
+      <p:grpSpPr>
+        <a:xfrm>
+          <a:off x="0" y="0"/>
+          <a:ext cx="0" cy="0"/>
+          <a:chOff x="0" y="0"/>
+          <a:chExt cx="0" cy="0"/>
+        </a:xfrm>
+      </p:grpSpPr>
+      <p:sp>
+        <p:nvSpPr>
           <p:cNvPr id="197" name="Rectangle 196">
             <a:extLst>
               <a:ext uri="{FF2B5EF4-FFF2-40B4-BE49-F238E27FC236}">
@@ -3382,10 +6263,10 @@
       </p:sp>
       <p:sp>
         <p:nvSpPr>
-          <p:cNvPr id="188" name="Rounded Rectangle 187">
-            <a:extLst>
-              <a:ext uri="{FF2B5EF4-FFF2-40B4-BE49-F238E27FC236}">
-                <a16:creationId xmlns:a16="http://schemas.microsoft.com/office/drawing/2014/main" id="{138A0255-1E27-01B4-219F-D4A992576C1C}"/>
+          <p:cNvPr id="187" name="Rounded Rectangle 186">
+            <a:extLst>
+              <a:ext uri="{FF2B5EF4-FFF2-40B4-BE49-F238E27FC236}">
+                <a16:creationId xmlns:a16="http://schemas.microsoft.com/office/drawing/2014/main" id="{1AEE5641-6445-64F9-7A06-EF15B002BB40}"/>
               </a:ext>
             </a:extLst>
           </p:cNvPr>
@@ -3394,8 +6275,8 @@
         </p:nvSpPr>
         <p:spPr>
           <a:xfrm>
-            <a:off x="6963870" y="1861456"/>
-            <a:ext cx="4996571" cy="4693555"/>
+            <a:off x="2049041" y="2763078"/>
+            <a:ext cx="1847568" cy="3791934"/>
           </a:xfrm>
           <a:prstGeom prst="roundRect">
             <a:avLst/>
@@ -3437,10 +6318,10 @@
       </p:sp>
       <p:sp>
         <p:nvSpPr>
-          <p:cNvPr id="187" name="Rounded Rectangle 186">
-            <a:extLst>
-              <a:ext uri="{FF2B5EF4-FFF2-40B4-BE49-F238E27FC236}">
-                <a16:creationId xmlns:a16="http://schemas.microsoft.com/office/drawing/2014/main" id="{1AEE5641-6445-64F9-7A06-EF15B002BB40}"/>
+          <p:cNvPr id="4" name="Rounded Rectangle 3">
+            <a:extLst>
+              <a:ext uri="{FF2B5EF4-FFF2-40B4-BE49-F238E27FC236}">
+                <a16:creationId xmlns:a16="http://schemas.microsoft.com/office/drawing/2014/main" id="{5710B6DE-F74F-328B-9BA8-540A5A1566D2}"/>
               </a:ext>
             </a:extLst>
           </p:cNvPr>
@@ -3449,8 +6330,1195 @@
         </p:nvSpPr>
         <p:spPr>
           <a:xfrm>
-            <a:off x="2049041" y="2763078"/>
-            <a:ext cx="4437160" cy="3791934"/>
+            <a:off x="5366287" y="353222"/>
+            <a:ext cx="1397876" cy="735724"/>
+          </a:xfrm>
+          <a:prstGeom prst="roundRect">
+            <a:avLst/>
+          </a:prstGeom>
+          <a:solidFill>
+            <a:schemeClr val="tx2"/>
+          </a:solidFill>
+        </p:spPr>
+        <p:style>
+          <a:lnRef idx="2">
+            <a:schemeClr val="accent1">
+              <a:shade val="15000"/>
+            </a:schemeClr>
+          </a:lnRef>
+          <a:fillRef idx="1">
+            <a:schemeClr val="accent1"/>
+          </a:fillRef>
+          <a:effectRef idx="0">
+            <a:schemeClr val="accent1"/>
+          </a:effectRef>
+          <a:fontRef idx="minor">
+            <a:schemeClr val="lt1"/>
+          </a:fontRef>
+        </p:style>
+        <p:txBody>
+          <a:bodyPr rtlCol="0" anchor="ctr"/>
+          <a:lstStyle/>
+          <a:p>
+            <a:pPr algn="ctr"/>
+            <a:r>
+              <a:rPr lang="en-US" dirty="0"/>
+              <a:t>OBJECTIVE</a:t>
+            </a:r>
+          </a:p>
+        </p:txBody>
+      </p:sp>
+      <p:sp>
+        <p:nvSpPr>
+          <p:cNvPr id="5" name="Rounded Rectangle 4">
+            <a:extLst>
+              <a:ext uri="{FF2B5EF4-FFF2-40B4-BE49-F238E27FC236}">
+                <a16:creationId xmlns:a16="http://schemas.microsoft.com/office/drawing/2014/main" id="{F3417D14-E2F1-EEA0-6EFA-CA577FA0F7B6}"/>
+              </a:ext>
+            </a:extLst>
+          </p:cNvPr>
+          <p:cNvSpPr/>
+          <p:nvPr/>
+        </p:nvSpPr>
+        <p:spPr>
+          <a:xfrm>
+            <a:off x="380816" y="1646745"/>
+            <a:ext cx="1397876" cy="735724"/>
+          </a:xfrm>
+          <a:prstGeom prst="roundRect">
+            <a:avLst/>
+          </a:prstGeom>
+        </p:spPr>
+        <p:style>
+          <a:lnRef idx="2">
+            <a:schemeClr val="accent1">
+              <a:shade val="15000"/>
+            </a:schemeClr>
+          </a:lnRef>
+          <a:fillRef idx="1">
+            <a:schemeClr val="accent1"/>
+          </a:fillRef>
+          <a:effectRef idx="0">
+            <a:schemeClr val="accent1"/>
+          </a:effectRef>
+          <a:fontRef idx="minor">
+            <a:schemeClr val="lt1"/>
+          </a:fontRef>
+        </p:style>
+        <p:txBody>
+          <a:bodyPr rtlCol="0" anchor="ctr"/>
+          <a:lstStyle/>
+          <a:p>
+            <a:pPr algn="ctr"/>
+            <a:r>
+              <a:rPr lang="en-US" sz="1200" dirty="0"/>
+              <a:t>ACTIVITY :</a:t>
+            </a:r>
+          </a:p>
+          <a:p>
+            <a:pPr algn="ctr"/>
+            <a:r>
+              <a:rPr lang="en-US" sz="1200" dirty="0"/>
+              <a:t>Plan Development</a:t>
+            </a:r>
+          </a:p>
+        </p:txBody>
+      </p:sp>
+      <p:sp>
+        <p:nvSpPr>
+          <p:cNvPr id="10" name="Rounded Rectangle 9">
+            <a:extLst>
+              <a:ext uri="{FF2B5EF4-FFF2-40B4-BE49-F238E27FC236}">
+                <a16:creationId xmlns:a16="http://schemas.microsoft.com/office/drawing/2014/main" id="{CD539756-05B8-DF41-C9EA-FBE0F503283E}"/>
+              </a:ext>
+            </a:extLst>
+          </p:cNvPr>
+          <p:cNvSpPr/>
+          <p:nvPr/>
+        </p:nvSpPr>
+        <p:spPr>
+          <a:xfrm>
+            <a:off x="7176541" y="3861726"/>
+            <a:ext cx="1938574" cy="735724"/>
+          </a:xfrm>
+          <a:prstGeom prst="roundRect">
+            <a:avLst/>
+          </a:prstGeom>
+        </p:spPr>
+        <p:style>
+          <a:lnRef idx="2">
+            <a:schemeClr val="accent1">
+              <a:shade val="15000"/>
+            </a:schemeClr>
+          </a:lnRef>
+          <a:fillRef idx="1">
+            <a:schemeClr val="accent1"/>
+          </a:fillRef>
+          <a:effectRef idx="0">
+            <a:schemeClr val="accent1"/>
+          </a:effectRef>
+          <a:fontRef idx="minor">
+            <a:schemeClr val="lt1"/>
+          </a:fontRef>
+        </p:style>
+        <p:txBody>
+          <a:bodyPr rtlCol="0" anchor="ctr"/>
+          <a:lstStyle/>
+          <a:p>
+            <a:pPr algn="ctr"/>
+            <a:r>
+              <a:rPr lang="en-US" sz="1200" dirty="0"/>
+              <a:t>ACTIVITY:</a:t>
+            </a:r>
+          </a:p>
+          <a:p>
+            <a:pPr algn="ctr"/>
+            <a:r>
+              <a:rPr lang="en-US" sz="1200" dirty="0"/>
+              <a:t>Safety  Assessment</a:t>
+            </a:r>
+          </a:p>
+        </p:txBody>
+      </p:sp>
+      <p:sp>
+        <p:nvSpPr>
+          <p:cNvPr id="11" name="Rounded Rectangle 10">
+            <a:extLst>
+              <a:ext uri="{FF2B5EF4-FFF2-40B4-BE49-F238E27FC236}">
+                <a16:creationId xmlns:a16="http://schemas.microsoft.com/office/drawing/2014/main" id="{9F2E7B77-5535-15A2-8F20-6C184C8B5D6E}"/>
+              </a:ext>
+            </a:extLst>
+          </p:cNvPr>
+          <p:cNvSpPr/>
+          <p:nvPr/>
+        </p:nvSpPr>
+        <p:spPr>
+          <a:xfrm>
+            <a:off x="316061" y="3006708"/>
+            <a:ext cx="1515182" cy="735724"/>
+          </a:xfrm>
+          <a:prstGeom prst="roundRect">
+            <a:avLst/>
+          </a:prstGeom>
+        </p:spPr>
+        <p:style>
+          <a:lnRef idx="2">
+            <a:schemeClr val="accent1">
+              <a:shade val="15000"/>
+            </a:schemeClr>
+          </a:lnRef>
+          <a:fillRef idx="1">
+            <a:schemeClr val="accent1"/>
+          </a:fillRef>
+          <a:effectRef idx="0">
+            <a:schemeClr val="accent1"/>
+          </a:effectRef>
+          <a:fontRef idx="minor">
+            <a:schemeClr val="lt1"/>
+          </a:fontRef>
+        </p:style>
+        <p:txBody>
+          <a:bodyPr rtlCol="0" anchor="ctr"/>
+          <a:lstStyle/>
+          <a:p>
+            <a:pPr algn="ctr"/>
+            <a:r>
+              <a:rPr lang="en-US" sz="1200" dirty="0"/>
+              <a:t>PLAN: Process Plan</a:t>
+            </a:r>
+          </a:p>
+          <a:p>
+            <a:pPr algn="ctr"/>
+            <a:r>
+              <a:rPr lang="en-US" sz="1200" dirty="0"/>
+              <a:t>[Safety Program Plan]</a:t>
+            </a:r>
+          </a:p>
+        </p:txBody>
+      </p:sp>
+      <p:sp>
+        <p:nvSpPr>
+          <p:cNvPr id="16" name="Rounded Rectangle 15">
+            <a:extLst>
+              <a:ext uri="{FF2B5EF4-FFF2-40B4-BE49-F238E27FC236}">
+                <a16:creationId xmlns:a16="http://schemas.microsoft.com/office/drawing/2014/main" id="{70014B62-0E6A-0CE9-2074-F1852FD08CBD}"/>
+              </a:ext>
+            </a:extLst>
+          </p:cNvPr>
+          <p:cNvSpPr/>
+          <p:nvPr/>
+        </p:nvSpPr>
+        <p:spPr>
+          <a:xfrm>
+            <a:off x="7454480" y="5113851"/>
+            <a:ext cx="1397876" cy="735724"/>
+          </a:xfrm>
+          <a:prstGeom prst="roundRect">
+            <a:avLst/>
+          </a:prstGeom>
+          <a:solidFill>
+            <a:schemeClr val="tx2"/>
+          </a:solidFill>
+        </p:spPr>
+        <p:style>
+          <a:lnRef idx="2">
+            <a:schemeClr val="accent1">
+              <a:shade val="15000"/>
+            </a:schemeClr>
+          </a:lnRef>
+          <a:fillRef idx="1">
+            <a:schemeClr val="accent1"/>
+          </a:fillRef>
+          <a:effectRef idx="0">
+            <a:schemeClr val="accent1"/>
+          </a:effectRef>
+          <a:fontRef idx="minor">
+            <a:schemeClr val="lt1"/>
+          </a:fontRef>
+        </p:style>
+        <p:txBody>
+          <a:bodyPr rtlCol="0" anchor="ctr"/>
+          <a:lstStyle/>
+          <a:p>
+            <a:pPr algn="ctr"/>
+            <a:r>
+              <a:rPr lang="en-US" sz="1200" dirty="0"/>
+              <a:t>DOCUMENT: ASA/SSA</a:t>
+            </a:r>
+          </a:p>
+        </p:txBody>
+      </p:sp>
+      <p:cxnSp>
+        <p:nvCxnSpPr>
+          <p:cNvPr id="20" name="Elbow Connector 19">
+            <a:extLst>
+              <a:ext uri="{FF2B5EF4-FFF2-40B4-BE49-F238E27FC236}">
+                <a16:creationId xmlns:a16="http://schemas.microsoft.com/office/drawing/2014/main" id="{7165BBDC-932E-72FB-0F03-E59368C179A9}"/>
+              </a:ext>
+            </a:extLst>
+          </p:cNvPr>
+          <p:cNvCxnSpPr>
+            <a:cxnSpLocks/>
+            <a:stCxn id="4" idx="2"/>
+            <a:endCxn id="5" idx="0"/>
+          </p:cNvCxnSpPr>
+          <p:nvPr/>
+        </p:nvCxnSpPr>
+        <p:spPr>
+          <a:xfrm rot="5400000">
+            <a:off x="3293591" y="-1124890"/>
+            <a:ext cx="557799" cy="4985471"/>
+          </a:xfrm>
+          <a:prstGeom prst="bentConnector3">
+            <a:avLst>
+              <a:gd name="adj1" fmla="val 50000"/>
+            </a:avLst>
+          </a:prstGeom>
+          <a:ln w="19050">
+            <a:solidFill>
+              <a:schemeClr val="tx1"/>
+            </a:solidFill>
+            <a:tailEnd type="triangle"/>
+          </a:ln>
+        </p:spPr>
+        <p:style>
+          <a:lnRef idx="1">
+            <a:schemeClr val="accent1"/>
+          </a:lnRef>
+          <a:fillRef idx="0">
+            <a:schemeClr val="accent1"/>
+          </a:fillRef>
+          <a:effectRef idx="0">
+            <a:schemeClr val="accent1"/>
+          </a:effectRef>
+          <a:fontRef idx="minor">
+            <a:schemeClr val="tx1"/>
+          </a:fontRef>
+        </p:style>
+      </p:cxnSp>
+      <p:cxnSp>
+        <p:nvCxnSpPr>
+          <p:cNvPr id="31" name="Elbow Connector 30">
+            <a:extLst>
+              <a:ext uri="{FF2B5EF4-FFF2-40B4-BE49-F238E27FC236}">
+                <a16:creationId xmlns:a16="http://schemas.microsoft.com/office/drawing/2014/main" id="{80076623-5A86-3B78-51C7-DE4F42582C74}"/>
+              </a:ext>
+            </a:extLst>
+          </p:cNvPr>
+          <p:cNvCxnSpPr>
+            <a:cxnSpLocks/>
+            <a:stCxn id="4" idx="2"/>
+          </p:cNvCxnSpPr>
+          <p:nvPr/>
+        </p:nvCxnSpPr>
+        <p:spPr>
+          <a:xfrm rot="16200000" flipH="1">
+            <a:off x="5532483" y="1621687"/>
+            <a:ext cx="2772782" cy="1707299"/>
+          </a:xfrm>
+          <a:prstGeom prst="bentConnector3">
+            <a:avLst>
+              <a:gd name="adj1" fmla="val 50000"/>
+            </a:avLst>
+          </a:prstGeom>
+          <a:ln w="19050">
+            <a:solidFill>
+              <a:schemeClr val="tx1"/>
+            </a:solidFill>
+            <a:tailEnd type="triangle"/>
+          </a:ln>
+        </p:spPr>
+        <p:style>
+          <a:lnRef idx="1">
+            <a:schemeClr val="accent1"/>
+          </a:lnRef>
+          <a:fillRef idx="0">
+            <a:schemeClr val="accent1"/>
+          </a:fillRef>
+          <a:effectRef idx="0">
+            <a:schemeClr val="accent1"/>
+          </a:effectRef>
+          <a:fontRef idx="minor">
+            <a:schemeClr val="tx1"/>
+          </a:fontRef>
+        </p:style>
+      </p:cxnSp>
+      <p:cxnSp>
+        <p:nvCxnSpPr>
+          <p:cNvPr id="46" name="Straight Arrow Connector 45">
+            <a:extLst>
+              <a:ext uri="{FF2B5EF4-FFF2-40B4-BE49-F238E27FC236}">
+                <a16:creationId xmlns:a16="http://schemas.microsoft.com/office/drawing/2014/main" id="{CACB441C-D2F1-98A0-8DED-43F997610525}"/>
+              </a:ext>
+            </a:extLst>
+          </p:cNvPr>
+          <p:cNvCxnSpPr>
+            <a:cxnSpLocks/>
+            <a:stCxn id="11" idx="0"/>
+            <a:endCxn id="5" idx="2"/>
+          </p:cNvCxnSpPr>
+          <p:nvPr/>
+        </p:nvCxnSpPr>
+        <p:spPr>
+          <a:xfrm flipV="1">
+            <a:off x="1073652" y="2382469"/>
+            <a:ext cx="6102" cy="624239"/>
+          </a:xfrm>
+          <a:prstGeom prst="straightConnector1">
+            <a:avLst/>
+          </a:prstGeom>
+          <a:ln w="19050">
+            <a:solidFill>
+              <a:schemeClr val="accent1">
+                <a:lumMod val="75000"/>
+              </a:schemeClr>
+            </a:solidFill>
+            <a:tailEnd type="triangle"/>
+          </a:ln>
+        </p:spPr>
+        <p:style>
+          <a:lnRef idx="1">
+            <a:schemeClr val="accent1"/>
+          </a:lnRef>
+          <a:fillRef idx="0">
+            <a:schemeClr val="accent1"/>
+          </a:fillRef>
+          <a:effectRef idx="0">
+            <a:schemeClr val="accent1"/>
+          </a:effectRef>
+          <a:fontRef idx="minor">
+            <a:schemeClr val="tx1"/>
+          </a:fontRef>
+        </p:style>
+      </p:cxnSp>
+      <p:cxnSp>
+        <p:nvCxnSpPr>
+          <p:cNvPr id="54" name="Straight Arrow Connector 53">
+            <a:extLst>
+              <a:ext uri="{FF2B5EF4-FFF2-40B4-BE49-F238E27FC236}">
+                <a16:creationId xmlns:a16="http://schemas.microsoft.com/office/drawing/2014/main" id="{281C60FD-BF0B-20C7-D003-900AC3F16A86}"/>
+              </a:ext>
+            </a:extLst>
+          </p:cNvPr>
+          <p:cNvCxnSpPr>
+            <a:cxnSpLocks/>
+            <a:stCxn id="16" idx="0"/>
+            <a:endCxn id="10" idx="2"/>
+          </p:cNvCxnSpPr>
+          <p:nvPr/>
+        </p:nvCxnSpPr>
+        <p:spPr>
+          <a:xfrm flipH="1" flipV="1">
+            <a:off x="8145828" y="4597450"/>
+            <a:ext cx="7590" cy="516401"/>
+          </a:xfrm>
+          <a:prstGeom prst="straightConnector1">
+            <a:avLst/>
+          </a:prstGeom>
+          <a:ln w="19050">
+            <a:solidFill>
+              <a:schemeClr val="accent1">
+                <a:lumMod val="75000"/>
+              </a:schemeClr>
+            </a:solidFill>
+            <a:tailEnd type="triangle"/>
+          </a:ln>
+        </p:spPr>
+        <p:style>
+          <a:lnRef idx="1">
+            <a:schemeClr val="accent1"/>
+          </a:lnRef>
+          <a:fillRef idx="0">
+            <a:schemeClr val="accent1"/>
+          </a:fillRef>
+          <a:effectRef idx="0">
+            <a:schemeClr val="accent1"/>
+          </a:effectRef>
+          <a:fontRef idx="minor">
+            <a:schemeClr val="tx1"/>
+          </a:fontRef>
+        </p:style>
+      </p:cxnSp>
+      <p:cxnSp>
+        <p:nvCxnSpPr>
+          <p:cNvPr id="101" name="Elbow Connector 100">
+            <a:extLst>
+              <a:ext uri="{FF2B5EF4-FFF2-40B4-BE49-F238E27FC236}">
+                <a16:creationId xmlns:a16="http://schemas.microsoft.com/office/drawing/2014/main" id="{892B7871-6783-252A-89AC-B94861A87E86}"/>
+              </a:ext>
+            </a:extLst>
+          </p:cNvPr>
+          <p:cNvCxnSpPr>
+            <a:cxnSpLocks/>
+            <a:stCxn id="10" idx="0"/>
+            <a:endCxn id="11" idx="3"/>
+          </p:cNvCxnSpPr>
+          <p:nvPr/>
+        </p:nvCxnSpPr>
+        <p:spPr>
+          <a:xfrm rot="16200000" flipV="1">
+            <a:off x="4744958" y="460855"/>
+            <a:ext cx="487156" cy="6314585"/>
+          </a:xfrm>
+          <a:prstGeom prst="bentConnector2">
+            <a:avLst/>
+          </a:prstGeom>
+          <a:ln w="22225">
+            <a:solidFill>
+              <a:schemeClr val="accent1">
+                <a:lumMod val="75000"/>
+              </a:schemeClr>
+            </a:solidFill>
+            <a:tailEnd type="triangle"/>
+          </a:ln>
+        </p:spPr>
+        <p:style>
+          <a:lnRef idx="1">
+            <a:schemeClr val="accent1"/>
+          </a:lnRef>
+          <a:fillRef idx="0">
+            <a:schemeClr val="accent1"/>
+          </a:fillRef>
+          <a:effectRef idx="0">
+            <a:schemeClr val="accent1"/>
+          </a:effectRef>
+          <a:fontRef idx="minor">
+            <a:schemeClr val="tx1"/>
+          </a:fontRef>
+        </p:style>
+      </p:cxnSp>
+      <p:sp>
+        <p:nvSpPr>
+          <p:cNvPr id="129" name="TextBox 128">
+            <a:extLst>
+              <a:ext uri="{FF2B5EF4-FFF2-40B4-BE49-F238E27FC236}">
+                <a16:creationId xmlns:a16="http://schemas.microsoft.com/office/drawing/2014/main" id="{DD3DA6B1-AB76-E372-2C32-A76BD9313583}"/>
+              </a:ext>
+            </a:extLst>
+          </p:cNvPr>
+          <p:cNvSpPr txBox="1"/>
+          <p:nvPr/>
+        </p:nvSpPr>
+        <p:spPr>
+          <a:xfrm>
+            <a:off x="2279724" y="6050979"/>
+            <a:ext cx="1304844" cy="338554"/>
+          </a:xfrm>
+          <a:prstGeom prst="rect">
+            <a:avLst/>
+          </a:prstGeom>
+          <a:noFill/>
+          <a:ln>
+            <a:noFill/>
+          </a:ln>
+        </p:spPr>
+        <p:txBody>
+          <a:bodyPr wrap="none" rtlCol="0">
+            <a:spAutoFit/>
+          </a:bodyPr>
+          <a:lstStyle/>
+          <a:p>
+            <a:r>
+              <a:rPr lang="en-US" sz="1600" b="1" dirty="0"/>
+              <a:t>Objective 3.1</a:t>
+            </a:r>
+          </a:p>
+        </p:txBody>
+      </p:sp>
+      <p:sp>
+        <p:nvSpPr>
+          <p:cNvPr id="133" name="TextBox 132">
+            <a:extLst>
+              <a:ext uri="{FF2B5EF4-FFF2-40B4-BE49-F238E27FC236}">
+                <a16:creationId xmlns:a16="http://schemas.microsoft.com/office/drawing/2014/main" id="{EAEF1D89-F27D-2091-F941-4E46881152D1}"/>
+              </a:ext>
+            </a:extLst>
+          </p:cNvPr>
+          <p:cNvSpPr txBox="1"/>
+          <p:nvPr/>
+        </p:nvSpPr>
+        <p:spPr>
+          <a:xfrm>
+            <a:off x="7817262" y="481227"/>
+            <a:ext cx="3436325" cy="461665"/>
+          </a:xfrm>
+          <a:prstGeom prst="rect">
+            <a:avLst/>
+          </a:prstGeom>
+          <a:noFill/>
+          <a:ln>
+            <a:solidFill>
+              <a:schemeClr val="tx1"/>
+            </a:solidFill>
+          </a:ln>
+        </p:spPr>
+        <p:txBody>
+          <a:bodyPr wrap="none" rtlCol="0">
+            <a:spAutoFit/>
+          </a:bodyPr>
+          <a:lstStyle/>
+          <a:p>
+            <a:r>
+              <a:rPr lang="en-US" sz="2400" b="1" dirty="0"/>
+              <a:t>4754A Safety Assessment</a:t>
+            </a:r>
+          </a:p>
+        </p:txBody>
+      </p:sp>
+      <p:sp>
+        <p:nvSpPr>
+          <p:cNvPr id="24" name="Rounded Rectangle 23">
+            <a:extLst>
+              <a:ext uri="{FF2B5EF4-FFF2-40B4-BE49-F238E27FC236}">
+                <a16:creationId xmlns:a16="http://schemas.microsoft.com/office/drawing/2014/main" id="{ACC5BD7C-E94A-97A0-9ED0-655C2D6058F5}"/>
+              </a:ext>
+            </a:extLst>
+          </p:cNvPr>
+          <p:cNvSpPr/>
+          <p:nvPr/>
+        </p:nvSpPr>
+        <p:spPr>
+          <a:xfrm>
+            <a:off x="2178852" y="5113851"/>
+            <a:ext cx="1537664" cy="735724"/>
+          </a:xfrm>
+          <a:prstGeom prst="roundRect">
+            <a:avLst/>
+          </a:prstGeom>
+          <a:solidFill>
+            <a:schemeClr val="tx2"/>
+          </a:solidFill>
+        </p:spPr>
+        <p:style>
+          <a:lnRef idx="2">
+            <a:schemeClr val="accent1">
+              <a:shade val="15000"/>
+            </a:schemeClr>
+          </a:lnRef>
+          <a:fillRef idx="1">
+            <a:schemeClr val="accent1"/>
+          </a:fillRef>
+          <a:effectRef idx="0">
+            <a:schemeClr val="accent1"/>
+          </a:effectRef>
+          <a:fontRef idx="minor">
+            <a:schemeClr val="lt1"/>
+          </a:fontRef>
+        </p:style>
+        <p:txBody>
+          <a:bodyPr rtlCol="0" anchor="ctr"/>
+          <a:lstStyle/>
+          <a:p>
+            <a:pPr algn="ctr"/>
+            <a:r>
+              <a:rPr lang="en-US" sz="1200" dirty="0"/>
+              <a:t>HAZARD</a:t>
+            </a:r>
+          </a:p>
+        </p:txBody>
+      </p:sp>
+      <p:cxnSp>
+        <p:nvCxnSpPr>
+          <p:cNvPr id="25" name="Straight Arrow Connector 24">
+            <a:extLst>
+              <a:ext uri="{FF2B5EF4-FFF2-40B4-BE49-F238E27FC236}">
+                <a16:creationId xmlns:a16="http://schemas.microsoft.com/office/drawing/2014/main" id="{C5B15FDB-6655-7F20-F28F-9F89B322164E}"/>
+              </a:ext>
+            </a:extLst>
+          </p:cNvPr>
+          <p:cNvCxnSpPr>
+            <a:cxnSpLocks/>
+            <a:stCxn id="24" idx="0"/>
+            <a:endCxn id="23" idx="2"/>
+          </p:cNvCxnSpPr>
+          <p:nvPr/>
+        </p:nvCxnSpPr>
+        <p:spPr>
+          <a:xfrm flipV="1">
+            <a:off x="2947684" y="4589935"/>
+            <a:ext cx="0" cy="523916"/>
+          </a:xfrm>
+          <a:prstGeom prst="straightConnector1">
+            <a:avLst/>
+          </a:prstGeom>
+          <a:ln w="19050">
+            <a:solidFill>
+              <a:schemeClr val="accent1">
+                <a:lumMod val="75000"/>
+              </a:schemeClr>
+            </a:solidFill>
+            <a:tailEnd type="triangle"/>
+          </a:ln>
+        </p:spPr>
+        <p:style>
+          <a:lnRef idx="1">
+            <a:schemeClr val="accent1"/>
+          </a:lnRef>
+          <a:fillRef idx="0">
+            <a:schemeClr val="accent1"/>
+          </a:fillRef>
+          <a:effectRef idx="0">
+            <a:schemeClr val="accent1"/>
+          </a:effectRef>
+          <a:fontRef idx="minor">
+            <a:schemeClr val="tx1"/>
+          </a:fontRef>
+        </p:style>
+      </p:cxnSp>
+      <p:cxnSp>
+        <p:nvCxnSpPr>
+          <p:cNvPr id="39" name="Elbow Connector 38">
+            <a:extLst>
+              <a:ext uri="{FF2B5EF4-FFF2-40B4-BE49-F238E27FC236}">
+                <a16:creationId xmlns:a16="http://schemas.microsoft.com/office/drawing/2014/main" id="{44F69576-F551-FEEC-507C-4E689FC3FC7F}"/>
+              </a:ext>
+            </a:extLst>
+          </p:cNvPr>
+          <p:cNvCxnSpPr>
+            <a:cxnSpLocks/>
+            <a:stCxn id="4" idx="2"/>
+            <a:endCxn id="23" idx="0"/>
+          </p:cNvCxnSpPr>
+          <p:nvPr/>
+        </p:nvCxnSpPr>
+        <p:spPr>
+          <a:xfrm rot="5400000">
+            <a:off x="3123823" y="912808"/>
+            <a:ext cx="2765265" cy="3117541"/>
+          </a:xfrm>
+          <a:prstGeom prst="bentConnector3">
+            <a:avLst>
+              <a:gd name="adj1" fmla="val 50000"/>
+            </a:avLst>
+          </a:prstGeom>
+          <a:ln w="19050">
+            <a:solidFill>
+              <a:schemeClr val="tx1"/>
+            </a:solidFill>
+            <a:tailEnd type="triangle"/>
+          </a:ln>
+        </p:spPr>
+        <p:style>
+          <a:lnRef idx="1">
+            <a:schemeClr val="accent1"/>
+          </a:lnRef>
+          <a:fillRef idx="0">
+            <a:schemeClr val="accent1"/>
+          </a:fillRef>
+          <a:effectRef idx="0">
+            <a:schemeClr val="accent1"/>
+          </a:effectRef>
+          <a:fontRef idx="minor">
+            <a:schemeClr val="tx1"/>
+          </a:fontRef>
+        </p:style>
+      </p:cxnSp>
+      <p:sp>
+        <p:nvSpPr>
+          <p:cNvPr id="85" name="TextBox 84">
+            <a:extLst>
+              <a:ext uri="{FF2B5EF4-FFF2-40B4-BE49-F238E27FC236}">
+                <a16:creationId xmlns:a16="http://schemas.microsoft.com/office/drawing/2014/main" id="{2B121791-305F-59C7-AAEF-E4FB13DBC62B}"/>
+              </a:ext>
+            </a:extLst>
+          </p:cNvPr>
+          <p:cNvSpPr txBox="1"/>
+          <p:nvPr/>
+        </p:nvSpPr>
+        <p:spPr>
+          <a:xfrm>
+            <a:off x="458862" y="2584049"/>
+            <a:ext cx="1239635" cy="276999"/>
+          </a:xfrm>
+          <a:prstGeom prst="rect">
+            <a:avLst/>
+          </a:prstGeom>
+          <a:solidFill>
+            <a:schemeClr val="bg1"/>
+          </a:solidFill>
+        </p:spPr>
+        <p:txBody>
+          <a:bodyPr wrap="none" rtlCol="0">
+            <a:spAutoFit/>
+          </a:bodyPr>
+          <a:lstStyle/>
+          <a:p>
+            <a:r>
+              <a:rPr lang="en-US" sz="1200" dirty="0" err="1">
+                <a:solidFill>
+                  <a:srgbClr val="0070C0"/>
+                </a:solidFill>
+              </a:rPr>
+              <a:t>wasGeneratedBy</a:t>
+            </a:r>
+            <a:endParaRPr lang="en-US" sz="1200" dirty="0">
+              <a:solidFill>
+                <a:srgbClr val="0070C0"/>
+              </a:solidFill>
+            </a:endParaRPr>
+          </a:p>
+        </p:txBody>
+      </p:sp>
+      <p:sp>
+        <p:nvSpPr>
+          <p:cNvPr id="86" name="Rounded Rectangle 85">
+            <a:extLst>
+              <a:ext uri="{FF2B5EF4-FFF2-40B4-BE49-F238E27FC236}">
+                <a16:creationId xmlns:a16="http://schemas.microsoft.com/office/drawing/2014/main" id="{D603C04E-A81D-B775-14E5-D53A2B23BE9E}"/>
+              </a:ext>
+            </a:extLst>
+          </p:cNvPr>
+          <p:cNvSpPr/>
+          <p:nvPr/>
+        </p:nvSpPr>
+        <p:spPr>
+          <a:xfrm>
+            <a:off x="4312499" y="3859850"/>
+            <a:ext cx="1898254" cy="735724"/>
+          </a:xfrm>
+          <a:prstGeom prst="roundRect">
+            <a:avLst/>
+          </a:prstGeom>
+          <a:solidFill>
+            <a:schemeClr val="accent1"/>
+          </a:solidFill>
+        </p:spPr>
+        <p:style>
+          <a:lnRef idx="2">
+            <a:schemeClr val="accent1">
+              <a:shade val="15000"/>
+            </a:schemeClr>
+          </a:lnRef>
+          <a:fillRef idx="1">
+            <a:schemeClr val="accent1"/>
+          </a:fillRef>
+          <a:effectRef idx="0">
+            <a:schemeClr val="accent1"/>
+          </a:effectRef>
+          <a:fontRef idx="minor">
+            <a:schemeClr val="lt1"/>
+          </a:fontRef>
+        </p:style>
+        <p:txBody>
+          <a:bodyPr rtlCol="0" anchor="ctr"/>
+          <a:lstStyle/>
+          <a:p>
+            <a:pPr algn="ctr"/>
+            <a:r>
+              <a:rPr lang="en-US" sz="1200" dirty="0"/>
+              <a:t>ACTIVITY:</a:t>
+            </a:r>
+          </a:p>
+          <a:p>
+            <a:pPr algn="ctr"/>
+            <a:r>
+              <a:rPr lang="en-US" sz="1200" dirty="0"/>
+              <a:t>Preliminary Safety  Assessment</a:t>
+            </a:r>
+          </a:p>
+        </p:txBody>
+      </p:sp>
+      <p:sp>
+        <p:nvSpPr>
+          <p:cNvPr id="87" name="Rounded Rectangle 86">
+            <a:extLst>
+              <a:ext uri="{FF2B5EF4-FFF2-40B4-BE49-F238E27FC236}">
+                <a16:creationId xmlns:a16="http://schemas.microsoft.com/office/drawing/2014/main" id="{7628502F-22C2-33EA-F76A-5B35315A4A83}"/>
+              </a:ext>
+            </a:extLst>
+          </p:cNvPr>
+          <p:cNvSpPr/>
+          <p:nvPr/>
+        </p:nvSpPr>
+        <p:spPr>
+          <a:xfrm>
+            <a:off x="4312494" y="5113851"/>
+            <a:ext cx="1898249" cy="735724"/>
+          </a:xfrm>
+          <a:prstGeom prst="roundRect">
+            <a:avLst/>
+          </a:prstGeom>
+          <a:solidFill>
+            <a:schemeClr val="tx2"/>
+          </a:solidFill>
+        </p:spPr>
+        <p:style>
+          <a:lnRef idx="2">
+            <a:schemeClr val="accent1">
+              <a:shade val="15000"/>
+            </a:schemeClr>
+          </a:lnRef>
+          <a:fillRef idx="1">
+            <a:schemeClr val="accent1"/>
+          </a:fillRef>
+          <a:effectRef idx="0">
+            <a:schemeClr val="accent1"/>
+          </a:effectRef>
+          <a:fontRef idx="minor">
+            <a:schemeClr val="lt1"/>
+          </a:fontRef>
+        </p:style>
+        <p:txBody>
+          <a:bodyPr rtlCol="0" anchor="ctr"/>
+          <a:lstStyle/>
+          <a:p>
+            <a:pPr algn="ctr"/>
+            <a:r>
+              <a:rPr lang="en-US" sz="1200" dirty="0"/>
+              <a:t>DOCUMENT:</a:t>
+            </a:r>
+          </a:p>
+          <a:p>
+            <a:pPr algn="ctr"/>
+            <a:r>
+              <a:rPr lang="en-US" sz="1200" dirty="0"/>
+              <a:t>PASA/PSSA</a:t>
+            </a:r>
+          </a:p>
+        </p:txBody>
+      </p:sp>
+      <p:cxnSp>
+        <p:nvCxnSpPr>
+          <p:cNvPr id="88" name="Straight Arrow Connector 87">
+            <a:extLst>
+              <a:ext uri="{FF2B5EF4-FFF2-40B4-BE49-F238E27FC236}">
+                <a16:creationId xmlns:a16="http://schemas.microsoft.com/office/drawing/2014/main" id="{301DEA18-ED5D-CC8A-962A-02C44C0116FC}"/>
+              </a:ext>
+            </a:extLst>
+          </p:cNvPr>
+          <p:cNvCxnSpPr>
+            <a:cxnSpLocks/>
+            <a:stCxn id="87" idx="0"/>
+            <a:endCxn id="86" idx="2"/>
+          </p:cNvCxnSpPr>
+          <p:nvPr/>
+        </p:nvCxnSpPr>
+        <p:spPr>
+          <a:xfrm flipV="1">
+            <a:off x="5261619" y="4595574"/>
+            <a:ext cx="7" cy="518277"/>
+          </a:xfrm>
+          <a:prstGeom prst="straightConnector1">
+            <a:avLst/>
+          </a:prstGeom>
+          <a:ln w="19050">
+            <a:solidFill>
+              <a:schemeClr val="accent1">
+                <a:lumMod val="75000"/>
+              </a:schemeClr>
+            </a:solidFill>
+            <a:tailEnd type="triangle"/>
+          </a:ln>
+        </p:spPr>
+        <p:style>
+          <a:lnRef idx="1">
+            <a:schemeClr val="accent1"/>
+          </a:lnRef>
+          <a:fillRef idx="0">
+            <a:schemeClr val="accent1"/>
+          </a:fillRef>
+          <a:effectRef idx="0">
+            <a:schemeClr val="accent1"/>
+          </a:effectRef>
+          <a:fontRef idx="minor">
+            <a:schemeClr val="tx1"/>
+          </a:fontRef>
+        </p:style>
+      </p:cxnSp>
+      <p:sp>
+        <p:nvSpPr>
+          <p:cNvPr id="97" name="Rounded Rectangle 96">
+            <a:extLst>
+              <a:ext uri="{FF2B5EF4-FFF2-40B4-BE49-F238E27FC236}">
+                <a16:creationId xmlns:a16="http://schemas.microsoft.com/office/drawing/2014/main" id="{A1E0C440-D78A-F4D5-F3C4-A055ACC47966}"/>
+              </a:ext>
+            </a:extLst>
+          </p:cNvPr>
+          <p:cNvSpPr/>
+          <p:nvPr/>
+        </p:nvSpPr>
+        <p:spPr>
+          <a:xfrm>
+            <a:off x="9799746" y="3861726"/>
+            <a:ext cx="1397876" cy="735724"/>
+          </a:xfrm>
+          <a:prstGeom prst="roundRect">
+            <a:avLst/>
+          </a:prstGeom>
+          <a:solidFill>
+            <a:schemeClr val="tx2"/>
+          </a:solidFill>
+        </p:spPr>
+        <p:style>
+          <a:lnRef idx="2">
+            <a:schemeClr val="accent1">
+              <a:shade val="15000"/>
+            </a:schemeClr>
+          </a:lnRef>
+          <a:fillRef idx="1">
+            <a:schemeClr val="accent1"/>
+          </a:fillRef>
+          <a:effectRef idx="0">
+            <a:schemeClr val="accent1"/>
+          </a:effectRef>
+          <a:fontRef idx="minor">
+            <a:schemeClr val="lt1"/>
+          </a:fontRef>
+        </p:style>
+        <p:txBody>
+          <a:bodyPr rtlCol="0" anchor="ctr"/>
+          <a:lstStyle/>
+          <a:p>
+            <a:pPr algn="ctr"/>
+            <a:r>
+              <a:rPr lang="en-US" sz="1200" dirty="0"/>
+              <a:t>REQUIREMENTS DEVELOPMENT</a:t>
+            </a:r>
+          </a:p>
+        </p:txBody>
+      </p:sp>
+      <p:sp>
+        <p:nvSpPr>
+          <p:cNvPr id="98" name="Rounded Rectangle 97">
+            <a:extLst>
+              <a:ext uri="{FF2B5EF4-FFF2-40B4-BE49-F238E27FC236}">
+                <a16:creationId xmlns:a16="http://schemas.microsoft.com/office/drawing/2014/main" id="{20F7A2A7-75FC-C1E5-2AB5-EAB8D5223366}"/>
+              </a:ext>
+            </a:extLst>
+          </p:cNvPr>
+          <p:cNvSpPr/>
+          <p:nvPr/>
+        </p:nvSpPr>
+        <p:spPr>
+          <a:xfrm>
+            <a:off x="9800716" y="5113851"/>
+            <a:ext cx="1397876" cy="735724"/>
+          </a:xfrm>
+          <a:prstGeom prst="roundRect">
+            <a:avLst/>
+          </a:prstGeom>
+          <a:solidFill>
+            <a:schemeClr val="tx2"/>
+          </a:solidFill>
+        </p:spPr>
+        <p:style>
+          <a:lnRef idx="2">
+            <a:schemeClr val="accent1">
+              <a:shade val="15000"/>
+            </a:schemeClr>
+          </a:lnRef>
+          <a:fillRef idx="1">
+            <a:schemeClr val="accent1"/>
+          </a:fillRef>
+          <a:effectRef idx="0">
+            <a:schemeClr val="accent1"/>
+          </a:effectRef>
+          <a:fontRef idx="minor">
+            <a:schemeClr val="lt1"/>
+          </a:fontRef>
+        </p:style>
+        <p:txBody>
+          <a:bodyPr rtlCol="0" anchor="ctr"/>
+          <a:lstStyle/>
+          <a:p>
+            <a:pPr algn="ctr"/>
+            <a:r>
+              <a:rPr lang="en-US" sz="1200" dirty="0"/>
+              <a:t>REQUIREMENT</a:t>
+            </a:r>
+          </a:p>
+        </p:txBody>
+      </p:sp>
+      <p:cxnSp>
+        <p:nvCxnSpPr>
+          <p:cNvPr id="104" name="Straight Arrow Connector 103">
+            <a:extLst>
+              <a:ext uri="{FF2B5EF4-FFF2-40B4-BE49-F238E27FC236}">
+                <a16:creationId xmlns:a16="http://schemas.microsoft.com/office/drawing/2014/main" id="{E5E1CC80-6618-13F0-6592-B9105C2A1CB9}"/>
+              </a:ext>
+            </a:extLst>
+          </p:cNvPr>
+          <p:cNvCxnSpPr>
+            <a:cxnSpLocks/>
+            <a:stCxn id="97" idx="2"/>
+            <a:endCxn id="98" idx="0"/>
+          </p:cNvCxnSpPr>
+          <p:nvPr/>
+        </p:nvCxnSpPr>
+        <p:spPr>
+          <a:xfrm>
+            <a:off x="10498684" y="4597450"/>
+            <a:ext cx="970" cy="516401"/>
+          </a:xfrm>
+          <a:prstGeom prst="straightConnector1">
+            <a:avLst/>
+          </a:prstGeom>
+          <a:ln w="19050">
+            <a:solidFill>
+              <a:schemeClr val="accent1">
+                <a:lumMod val="75000"/>
+              </a:schemeClr>
+            </a:solidFill>
+            <a:tailEnd type="triangle"/>
+          </a:ln>
+        </p:spPr>
+        <p:style>
+          <a:lnRef idx="1">
+            <a:schemeClr val="accent1"/>
+          </a:lnRef>
+          <a:fillRef idx="0">
+            <a:schemeClr val="accent1"/>
+          </a:fillRef>
+          <a:effectRef idx="0">
+            <a:schemeClr val="accent1"/>
+          </a:effectRef>
+          <a:fontRef idx="minor">
+            <a:schemeClr val="tx1"/>
+          </a:fontRef>
+        </p:style>
+      </p:cxnSp>
+      <p:sp>
+        <p:nvSpPr>
+          <p:cNvPr id="182" name="TextBox 181">
+            <a:extLst>
+              <a:ext uri="{FF2B5EF4-FFF2-40B4-BE49-F238E27FC236}">
+                <a16:creationId xmlns:a16="http://schemas.microsoft.com/office/drawing/2014/main" id="{0CB04DDF-36B2-8E78-695B-592653DFA804}"/>
+              </a:ext>
+            </a:extLst>
+          </p:cNvPr>
+          <p:cNvSpPr txBox="1"/>
+          <p:nvPr/>
+        </p:nvSpPr>
+        <p:spPr>
+          <a:xfrm>
+            <a:off x="2279724" y="4710032"/>
+            <a:ext cx="1239634" cy="276999"/>
+          </a:xfrm>
+          <a:prstGeom prst="rect">
+            <a:avLst/>
+          </a:prstGeom>
+          <a:solidFill>
+            <a:schemeClr val="bg1"/>
+          </a:solidFill>
+        </p:spPr>
+        <p:txBody>
+          <a:bodyPr wrap="none" rtlCol="0">
+            <a:spAutoFit/>
+          </a:bodyPr>
+          <a:lstStyle/>
+          <a:p>
+            <a:pPr algn="ctr"/>
+            <a:r>
+              <a:rPr lang="en-US" sz="1200" dirty="0" err="1"/>
+              <a:t>wasGeneratedBy</a:t>
+            </a:r>
+            <a:endParaRPr lang="en-US" sz="1200" dirty="0"/>
+          </a:p>
+        </p:txBody>
+      </p:sp>
+      <p:cxnSp>
+        <p:nvCxnSpPr>
+          <p:cNvPr id="183" name="Elbow Connector 182">
+            <a:extLst>
+              <a:ext uri="{FF2B5EF4-FFF2-40B4-BE49-F238E27FC236}">
+                <a16:creationId xmlns:a16="http://schemas.microsoft.com/office/drawing/2014/main" id="{0747BE68-B5F0-4B82-5F73-6D38742063C0}"/>
+              </a:ext>
+            </a:extLst>
+          </p:cNvPr>
+          <p:cNvCxnSpPr>
+            <a:cxnSpLocks/>
+            <a:endCxn id="11" idx="3"/>
+          </p:cNvCxnSpPr>
+          <p:nvPr/>
+        </p:nvCxnSpPr>
+        <p:spPr>
+          <a:xfrm rot="16200000" flipV="1">
+            <a:off x="1779009" y="3426805"/>
+            <a:ext cx="853141" cy="748671"/>
+          </a:xfrm>
+          <a:prstGeom prst="bentConnector2">
+            <a:avLst/>
+          </a:prstGeom>
+          <a:ln w="22225">
+            <a:solidFill>
+              <a:schemeClr val="accent1">
+                <a:lumMod val="75000"/>
+              </a:schemeClr>
+            </a:solidFill>
+            <a:tailEnd type="triangle"/>
+          </a:ln>
+        </p:spPr>
+        <p:style>
+          <a:lnRef idx="1">
+            <a:schemeClr val="accent1"/>
+          </a:lnRef>
+          <a:fillRef idx="0">
+            <a:schemeClr val="accent1"/>
+          </a:fillRef>
+          <a:effectRef idx="0">
+            <a:schemeClr val="accent1"/>
+          </a:effectRef>
+          <a:fontRef idx="minor">
+            <a:schemeClr val="tx1"/>
+          </a:fontRef>
+        </p:style>
+      </p:cxnSp>
+      <p:sp>
+        <p:nvSpPr>
+          <p:cNvPr id="190" name="Rounded Rectangle 189">
+            <a:extLst>
+              <a:ext uri="{FF2B5EF4-FFF2-40B4-BE49-F238E27FC236}">
+                <a16:creationId xmlns:a16="http://schemas.microsoft.com/office/drawing/2014/main" id="{95819C79-84CA-3C1B-AF1E-43EE644CD5B8}"/>
+              </a:ext>
+            </a:extLst>
+          </p:cNvPr>
+          <p:cNvSpPr/>
+          <p:nvPr/>
+        </p:nvSpPr>
+        <p:spPr>
+          <a:xfrm>
+            <a:off x="231559" y="751113"/>
+            <a:ext cx="1737672" cy="3293315"/>
           </a:xfrm>
           <a:prstGeom prst="roundRect">
             <a:avLst/>
@@ -3492,10 +7560,48 @@
       </p:sp>
       <p:sp>
         <p:nvSpPr>
-          <p:cNvPr id="4" name="Rounded Rectangle 3">
-            <a:extLst>
-              <a:ext uri="{FF2B5EF4-FFF2-40B4-BE49-F238E27FC236}">
-                <a16:creationId xmlns:a16="http://schemas.microsoft.com/office/drawing/2014/main" id="{5710B6DE-F74F-328B-9BA8-540A5A1566D2}"/>
+          <p:cNvPr id="191" name="TextBox 190">
+            <a:extLst>
+              <a:ext uri="{FF2B5EF4-FFF2-40B4-BE49-F238E27FC236}">
+                <a16:creationId xmlns:a16="http://schemas.microsoft.com/office/drawing/2014/main" id="{71146160-9659-1249-BF08-7C4C6C8EC58F}"/>
+              </a:ext>
+            </a:extLst>
+          </p:cNvPr>
+          <p:cNvSpPr txBox="1"/>
+          <p:nvPr/>
+        </p:nvSpPr>
+        <p:spPr>
+          <a:xfrm>
+            <a:off x="415124" y="850534"/>
+            <a:ext cx="1304844" cy="338554"/>
+          </a:xfrm>
+          <a:prstGeom prst="rect">
+            <a:avLst/>
+          </a:prstGeom>
+          <a:noFill/>
+          <a:ln>
+            <a:noFill/>
+          </a:ln>
+        </p:spPr>
+        <p:txBody>
+          <a:bodyPr wrap="none" rtlCol="0">
+            <a:spAutoFit/>
+          </a:bodyPr>
+          <a:lstStyle/>
+          <a:p>
+            <a:r>
+              <a:rPr lang="en-US" sz="1600" b="1" dirty="0"/>
+              <a:t>Objective 1.1</a:t>
+            </a:r>
+          </a:p>
+        </p:txBody>
+      </p:sp>
+      <p:sp>
+        <p:nvSpPr>
+          <p:cNvPr id="193" name="Rounded Rectangle 192">
+            <a:extLst>
+              <a:ext uri="{FF2B5EF4-FFF2-40B4-BE49-F238E27FC236}">
+                <a16:creationId xmlns:a16="http://schemas.microsoft.com/office/drawing/2014/main" id="{215EBCB7-77B5-CA5C-1216-EACBF214BD98}"/>
               </a:ext>
             </a:extLst>
           </p:cNvPr>
@@ -3504,8 +7610,8 @@
         </p:nvSpPr>
         <p:spPr>
           <a:xfrm>
-            <a:off x="5366287" y="353222"/>
-            <a:ext cx="1397876" cy="735724"/>
+            <a:off x="1390520" y="5838687"/>
+            <a:ext cx="120378" cy="131058"/>
           </a:xfrm>
           <a:prstGeom prst="roundRect">
             <a:avLst/>
@@ -3535,19 +7641,16 @@
           <a:lstStyle/>
           <a:p>
             <a:pPr algn="ctr"/>
-            <a:r>
-              <a:rPr lang="en-US" dirty="0"/>
-              <a:t>OBJECTIVE</a:t>
-            </a:r>
-          </a:p>
-        </p:txBody>
-      </p:sp>
-      <p:sp>
-        <p:nvSpPr>
-          <p:cNvPr id="5" name="Rounded Rectangle 4">
-            <a:extLst>
-              <a:ext uri="{FF2B5EF4-FFF2-40B4-BE49-F238E27FC236}">
-                <a16:creationId xmlns:a16="http://schemas.microsoft.com/office/drawing/2014/main" id="{F3417D14-E2F1-EEA0-6EFA-CA577FA0F7B6}"/>
+            <a:endParaRPr lang="en-US" dirty="0"/>
+          </a:p>
+        </p:txBody>
+      </p:sp>
+      <p:sp>
+        <p:nvSpPr>
+          <p:cNvPr id="194" name="Rounded Rectangle 193">
+            <a:extLst>
+              <a:ext uri="{FF2B5EF4-FFF2-40B4-BE49-F238E27FC236}">
+                <a16:creationId xmlns:a16="http://schemas.microsoft.com/office/drawing/2014/main" id="{086D070C-FCB5-71FE-C775-C97407EABFE1}"/>
               </a:ext>
             </a:extLst>
           </p:cNvPr>
@@ -3556,12 +7659,15 @@
         </p:nvSpPr>
         <p:spPr>
           <a:xfrm>
-            <a:off x="380816" y="1646745"/>
-            <a:ext cx="1397876" cy="735724"/>
+            <a:off x="1390520" y="5264466"/>
+            <a:ext cx="120378" cy="131058"/>
           </a:xfrm>
           <a:prstGeom prst="roundRect">
             <a:avLst/>
           </a:prstGeom>
+          <a:solidFill>
+            <a:schemeClr val="accent1"/>
+          </a:solidFill>
         </p:spPr>
         <p:style>
           <a:lnRef idx="2">
@@ -3584,211 +7690,117 @@
           <a:lstStyle/>
           <a:p>
             <a:pPr algn="ctr"/>
-            <a:r>
-              <a:rPr lang="en-US" sz="1200" dirty="0"/>
-              <a:t>ACTIVITY :</a:t>
-            </a:r>
-          </a:p>
-          <a:p>
-            <a:pPr algn="ctr"/>
-            <a:r>
-              <a:rPr lang="en-US" sz="1200" dirty="0"/>
-              <a:t>Plan Development</a:t>
-            </a:r>
-          </a:p>
-        </p:txBody>
-      </p:sp>
-      <p:sp>
-        <p:nvSpPr>
-          <p:cNvPr id="10" name="Rounded Rectangle 9">
-            <a:extLst>
-              <a:ext uri="{FF2B5EF4-FFF2-40B4-BE49-F238E27FC236}">
-                <a16:creationId xmlns:a16="http://schemas.microsoft.com/office/drawing/2014/main" id="{CD539756-05B8-DF41-C9EA-FBE0F503283E}"/>
-              </a:ext>
-            </a:extLst>
-          </p:cNvPr>
-          <p:cNvSpPr/>
-          <p:nvPr/>
-        </p:nvSpPr>
-        <p:spPr>
-          <a:xfrm>
-            <a:off x="7176541" y="3861726"/>
-            <a:ext cx="1938574" cy="735724"/>
-          </a:xfrm>
-          <a:prstGeom prst="roundRect">
+            <a:endParaRPr lang="en-US" dirty="0"/>
+          </a:p>
+        </p:txBody>
+      </p:sp>
+      <p:sp>
+        <p:nvSpPr>
+          <p:cNvPr id="195" name="TextBox 194">
+            <a:extLst>
+              <a:ext uri="{FF2B5EF4-FFF2-40B4-BE49-F238E27FC236}">
+                <a16:creationId xmlns:a16="http://schemas.microsoft.com/office/drawing/2014/main" id="{F567F5D7-0A82-8A80-F33C-250B965DB0B3}"/>
+              </a:ext>
+            </a:extLst>
+          </p:cNvPr>
+          <p:cNvSpPr txBox="1"/>
+          <p:nvPr/>
+        </p:nvSpPr>
+        <p:spPr>
+          <a:xfrm>
+            <a:off x="321459" y="5057286"/>
+            <a:ext cx="1024342" cy="523220"/>
+          </a:xfrm>
+          <a:prstGeom prst="rect">
             <a:avLst/>
           </a:prstGeom>
-        </p:spPr>
-        <p:style>
-          <a:lnRef idx="2">
-            <a:schemeClr val="accent1">
-              <a:shade val="15000"/>
-            </a:schemeClr>
-          </a:lnRef>
-          <a:fillRef idx="1">
-            <a:schemeClr val="accent1"/>
-          </a:fillRef>
-          <a:effectRef idx="0">
-            <a:schemeClr val="accent1"/>
-          </a:effectRef>
-          <a:fontRef idx="minor">
-            <a:schemeClr val="lt1"/>
-          </a:fontRef>
-        </p:style>
-        <p:txBody>
-          <a:bodyPr rtlCol="0" anchor="ctr"/>
-          <a:lstStyle/>
-          <a:p>
-            <a:pPr algn="ctr"/>
-            <a:r>
-              <a:rPr lang="en-US" sz="1200" dirty="0"/>
-              <a:t>TEST EXECUTION: </a:t>
-            </a:r>
-          </a:p>
-          <a:p>
-            <a:pPr algn="ctr"/>
-            <a:r>
-              <a:rPr lang="en-US" sz="1200" dirty="0"/>
-              <a:t>Safety Assessment Execution</a:t>
-            </a:r>
-          </a:p>
-        </p:txBody>
-      </p:sp>
-      <p:sp>
-        <p:nvSpPr>
-          <p:cNvPr id="11" name="Rounded Rectangle 10">
-            <a:extLst>
-              <a:ext uri="{FF2B5EF4-FFF2-40B4-BE49-F238E27FC236}">
-                <a16:creationId xmlns:a16="http://schemas.microsoft.com/office/drawing/2014/main" id="{9F2E7B77-5535-15A2-8F20-6C184C8B5D6E}"/>
-              </a:ext>
-            </a:extLst>
-          </p:cNvPr>
-          <p:cNvSpPr/>
-          <p:nvPr/>
-        </p:nvSpPr>
-        <p:spPr>
-          <a:xfrm>
-            <a:off x="316061" y="3006708"/>
-            <a:ext cx="1515182" cy="735724"/>
-          </a:xfrm>
-          <a:prstGeom prst="roundRect">
+          <a:noFill/>
+          <a:ln>
+            <a:noFill/>
+          </a:ln>
+        </p:spPr>
+        <p:txBody>
+          <a:bodyPr wrap="square" rtlCol="0">
+            <a:spAutoFit/>
+          </a:bodyPr>
+          <a:lstStyle/>
+          <a:p>
+            <a:r>
+              <a:rPr lang="en-US" sz="1400" b="1" dirty="0"/>
+              <a:t>ARP-4754A</a:t>
+            </a:r>
+          </a:p>
+          <a:p>
+            <a:r>
+              <a:rPr lang="en-US" sz="1400" b="1" dirty="0"/>
+              <a:t>ontology</a:t>
+            </a:r>
+          </a:p>
+        </p:txBody>
+      </p:sp>
+      <p:sp>
+        <p:nvSpPr>
+          <p:cNvPr id="196" name="TextBox 195">
+            <a:extLst>
+              <a:ext uri="{FF2B5EF4-FFF2-40B4-BE49-F238E27FC236}">
+                <a16:creationId xmlns:a16="http://schemas.microsoft.com/office/drawing/2014/main" id="{55467EB9-6EBB-A5B2-117F-84727063175C}"/>
+              </a:ext>
+            </a:extLst>
+          </p:cNvPr>
+          <p:cNvSpPr txBox="1"/>
+          <p:nvPr/>
+        </p:nvSpPr>
+        <p:spPr>
+          <a:xfrm>
+            <a:off x="376782" y="5653492"/>
+            <a:ext cx="936389" cy="523220"/>
+          </a:xfrm>
+          <a:prstGeom prst="rect">
             <a:avLst/>
           </a:prstGeom>
-        </p:spPr>
-        <p:style>
-          <a:lnRef idx="2">
-            <a:schemeClr val="accent1">
-              <a:shade val="15000"/>
-            </a:schemeClr>
-          </a:lnRef>
-          <a:fillRef idx="1">
-            <a:schemeClr val="accent1"/>
-          </a:fillRef>
-          <a:effectRef idx="0">
-            <a:schemeClr val="accent1"/>
-          </a:effectRef>
-          <a:fontRef idx="minor">
-            <a:schemeClr val="lt1"/>
-          </a:fontRef>
-        </p:style>
-        <p:txBody>
-          <a:bodyPr rtlCol="0" anchor="ctr"/>
-          <a:lstStyle/>
-          <a:p>
-            <a:pPr algn="ctr"/>
-            <a:r>
-              <a:rPr lang="en-US" sz="1200" dirty="0"/>
-              <a:t>PLAN: ARP4754_Plan</a:t>
-            </a:r>
-          </a:p>
-          <a:p>
-            <a:pPr algn="ctr"/>
-            <a:r>
-              <a:rPr lang="en-US" sz="1200" dirty="0"/>
-              <a:t>Safety Program Plan</a:t>
-            </a:r>
-          </a:p>
-        </p:txBody>
-      </p:sp>
-      <p:sp>
-        <p:nvSpPr>
-          <p:cNvPr id="16" name="Rounded Rectangle 15">
-            <a:extLst>
-              <a:ext uri="{FF2B5EF4-FFF2-40B4-BE49-F238E27FC236}">
-                <a16:creationId xmlns:a16="http://schemas.microsoft.com/office/drawing/2014/main" id="{70014B62-0E6A-0CE9-2074-F1852FD08CBD}"/>
-              </a:ext>
-            </a:extLst>
-          </p:cNvPr>
-          <p:cNvSpPr/>
-          <p:nvPr/>
-        </p:nvSpPr>
-        <p:spPr>
-          <a:xfrm>
-            <a:off x="7454480" y="5113851"/>
-            <a:ext cx="1397876" cy="735724"/>
-          </a:xfrm>
-          <a:prstGeom prst="roundRect">
-            <a:avLst/>
-          </a:prstGeom>
-          <a:solidFill>
-            <a:schemeClr val="tx2"/>
-          </a:solidFill>
-        </p:spPr>
-        <p:style>
-          <a:lnRef idx="2">
-            <a:schemeClr val="accent1">
-              <a:shade val="15000"/>
-            </a:schemeClr>
-          </a:lnRef>
-          <a:fillRef idx="1">
-            <a:schemeClr val="accent1"/>
-          </a:fillRef>
-          <a:effectRef idx="0">
-            <a:schemeClr val="accent1"/>
-          </a:effectRef>
-          <a:fontRef idx="minor">
-            <a:schemeClr val="lt1"/>
-          </a:fontRef>
-        </p:style>
-        <p:txBody>
-          <a:bodyPr rtlCol="0" anchor="ctr"/>
-          <a:lstStyle/>
-          <a:p>
-            <a:pPr algn="ctr"/>
-            <a:r>
-              <a:rPr lang="en-US" sz="1200" dirty="0"/>
-              <a:t>TEST RESULT:</a:t>
-            </a:r>
-          </a:p>
-          <a:p>
-            <a:pPr algn="ctr"/>
-            <a:r>
-              <a:rPr lang="en-US" sz="1200" dirty="0"/>
-              <a:t>Verification Results</a:t>
+          <a:noFill/>
+          <a:ln>
+            <a:noFill/>
+          </a:ln>
+        </p:spPr>
+        <p:txBody>
+          <a:bodyPr wrap="square" rtlCol="0">
+            <a:spAutoFit/>
+          </a:bodyPr>
+          <a:lstStyle/>
+          <a:p>
+            <a:r>
+              <a:rPr lang="en-US" sz="1400" b="1" dirty="0"/>
+              <a:t>RACK</a:t>
+            </a:r>
+          </a:p>
+          <a:p>
+            <a:r>
+              <a:rPr lang="en-US" sz="1400" b="1" dirty="0"/>
+              <a:t>ontology</a:t>
             </a:r>
           </a:p>
         </p:txBody>
       </p:sp>
       <p:cxnSp>
         <p:nvCxnSpPr>
-          <p:cNvPr id="20" name="Elbow Connector 19">
-            <a:extLst>
-              <a:ext uri="{FF2B5EF4-FFF2-40B4-BE49-F238E27FC236}">
-                <a16:creationId xmlns:a16="http://schemas.microsoft.com/office/drawing/2014/main" id="{7165BBDC-932E-72FB-0F03-E59368C179A9}"/>
+          <p:cNvPr id="198" name="Elbow Connector 197">
+            <a:extLst>
+              <a:ext uri="{FF2B5EF4-FFF2-40B4-BE49-F238E27FC236}">
+                <a16:creationId xmlns:a16="http://schemas.microsoft.com/office/drawing/2014/main" id="{8CA44BF8-F123-6C1C-1708-AF117653A6CB}"/>
               </a:ext>
             </a:extLst>
           </p:cNvPr>
           <p:cNvCxnSpPr>
             <a:cxnSpLocks/>
             <a:stCxn id="4" idx="2"/>
-            <a:endCxn id="5" idx="0"/>
           </p:cNvCxnSpPr>
           <p:nvPr/>
         </p:nvCxnSpPr>
         <p:spPr>
           <a:xfrm rot="5400000">
-            <a:off x="3293591" y="-1124890"/>
-            <a:ext cx="557799" cy="4985471"/>
+            <a:off x="4489411" y="2285912"/>
+            <a:ext cx="2772780" cy="378849"/>
           </a:xfrm>
           <a:prstGeom prst="bentConnector3">
             <a:avLst>
@@ -3819,33 +7831,33 @@
       </p:cxnSp>
       <p:cxnSp>
         <p:nvCxnSpPr>
-          <p:cNvPr id="31" name="Elbow Connector 30">
-            <a:extLst>
-              <a:ext uri="{FF2B5EF4-FFF2-40B4-BE49-F238E27FC236}">
-                <a16:creationId xmlns:a16="http://schemas.microsoft.com/office/drawing/2014/main" id="{80076623-5A86-3B78-51C7-DE4F42582C74}"/>
+          <p:cNvPr id="2" name="Elbow Connector 1">
+            <a:extLst>
+              <a:ext uri="{FF2B5EF4-FFF2-40B4-BE49-F238E27FC236}">
+                <a16:creationId xmlns:a16="http://schemas.microsoft.com/office/drawing/2014/main" id="{543615EA-0699-A0C5-9731-97E70F294EF8}"/>
               </a:ext>
             </a:extLst>
           </p:cNvPr>
           <p:cNvCxnSpPr>
             <a:cxnSpLocks/>
-            <a:stCxn id="4" idx="2"/>
-            <a:endCxn id="10" idx="0"/>
+            <a:stCxn id="86" idx="0"/>
+            <a:endCxn id="11" idx="3"/>
           </p:cNvCxnSpPr>
           <p:nvPr/>
         </p:nvCxnSpPr>
         <p:spPr>
-          <a:xfrm rot="16200000" flipH="1">
-            <a:off x="5719136" y="1435034"/>
-            <a:ext cx="2772780" cy="2080603"/>
-          </a:xfrm>
-          <a:prstGeom prst="bentConnector3">
-            <a:avLst>
-              <a:gd name="adj1" fmla="val 50000"/>
-            </a:avLst>
-          </a:prstGeom>
-          <a:ln w="19050">
+          <a:xfrm rot="16200000" flipV="1">
+            <a:off x="3303795" y="1902018"/>
+            <a:ext cx="485280" cy="3430383"/>
+          </a:xfrm>
+          <a:prstGeom prst="bentConnector2">
+            <a:avLst/>
+          </a:prstGeom>
+          <a:ln w="22225">
             <a:solidFill>
-              <a:schemeClr val="tx1"/>
+              <a:schemeClr val="accent1">
+                <a:lumMod val="75000"/>
+              </a:schemeClr>
             </a:solidFill>
             <a:tailEnd type="triangle"/>
           </a:ln>
@@ -3867,10 +7879,10 @@
       </p:cxnSp>
       <p:sp>
         <p:nvSpPr>
-          <p:cNvPr id="40" name="TextBox 39">
-            <a:extLst>
-              <a:ext uri="{FF2B5EF4-FFF2-40B4-BE49-F238E27FC236}">
-                <a16:creationId xmlns:a16="http://schemas.microsoft.com/office/drawing/2014/main" id="{A561AFEB-4655-426E-F893-59DC461A78C7}"/>
+          <p:cNvPr id="7" name="TextBox 6">
+            <a:extLst>
+              <a:ext uri="{FF2B5EF4-FFF2-40B4-BE49-F238E27FC236}">
+                <a16:creationId xmlns:a16="http://schemas.microsoft.com/office/drawing/2014/main" id="{57791248-C2B4-372A-E29E-3C82EC6DD791}"/>
               </a:ext>
             </a:extLst>
           </p:cNvPr>
@@ -3879,13 +7891,15 @@
         </p:nvSpPr>
         <p:spPr>
           <a:xfrm>
-            <a:off x="6070049" y="1195939"/>
-            <a:ext cx="969881" cy="307777"/>
+            <a:off x="2325596" y="3465108"/>
+            <a:ext cx="482824" cy="276999"/>
           </a:xfrm>
           <a:prstGeom prst="rect">
             <a:avLst/>
           </a:prstGeom>
-          <a:noFill/>
+          <a:solidFill>
+            <a:schemeClr val="bg1"/>
+          </a:solidFill>
         </p:spPr>
         <p:txBody>
           <a:bodyPr wrap="none" rtlCol="0">
@@ -3893,41 +7907,43 @@
           </a:bodyPr>
           <a:lstStyle/>
           <a:p>
-            <a:r>
-              <a:rPr lang="en-US" sz="1400" dirty="0" err="1"/>
-              <a:t>satisfiedBy</a:t>
-            </a:r>
-            <a:endParaRPr lang="en-US" sz="1400" dirty="0"/>
+            <a:pPr algn="ctr"/>
+            <a:r>
+              <a:rPr lang="en-US" sz="1200" dirty="0"/>
+              <a:t>used</a:t>
+            </a:r>
           </a:p>
         </p:txBody>
       </p:sp>
       <p:cxnSp>
         <p:nvCxnSpPr>
-          <p:cNvPr id="46" name="Straight Arrow Connector 45">
-            <a:extLst>
-              <a:ext uri="{FF2B5EF4-FFF2-40B4-BE49-F238E27FC236}">
-                <a16:creationId xmlns:a16="http://schemas.microsoft.com/office/drawing/2014/main" id="{CACB441C-D2F1-98A0-8DED-43F997610525}"/>
+          <p:cNvPr id="6" name="Elbow Connector 5">
+            <a:extLst>
+              <a:ext uri="{FF2B5EF4-FFF2-40B4-BE49-F238E27FC236}">
+                <a16:creationId xmlns:a16="http://schemas.microsoft.com/office/drawing/2014/main" id="{F657B808-3D87-9602-9526-070CE4A43419}"/>
               </a:ext>
             </a:extLst>
           </p:cNvPr>
           <p:cNvCxnSpPr>
             <a:cxnSpLocks/>
-            <a:stCxn id="11" idx="0"/>
-            <a:endCxn id="5" idx="2"/>
+            <a:stCxn id="86" idx="1"/>
+            <a:endCxn id="24" idx="3"/>
           </p:cNvCxnSpPr>
           <p:nvPr/>
         </p:nvCxnSpPr>
         <p:spPr>
-          <a:xfrm flipV="1">
-            <a:off x="1073652" y="2382469"/>
-            <a:ext cx="6102" cy="624239"/>
-          </a:xfrm>
-          <a:prstGeom prst="straightConnector1">
-            <a:avLst/>
-          </a:prstGeom>
-          <a:ln w="19050">
+          <a:xfrm rot="10800000" flipV="1">
+            <a:off x="3716517" y="4227711"/>
+            <a:ext cx="595983" cy="1254001"/>
+          </a:xfrm>
+          <a:prstGeom prst="bentConnector3">
+            <a:avLst>
+              <a:gd name="adj1" fmla="val 50000"/>
+            </a:avLst>
+          </a:prstGeom>
+          <a:ln w="22225">
             <a:solidFill>
-              <a:schemeClr val="accent5">
+              <a:schemeClr val="accent1">
                 <a:lumMod val="75000"/>
               </a:schemeClr>
             </a:solidFill>
@@ -3951,29 +7967,31 @@
       </p:cxnSp>
       <p:cxnSp>
         <p:nvCxnSpPr>
-          <p:cNvPr id="54" name="Straight Arrow Connector 53">
-            <a:extLst>
-              <a:ext uri="{FF2B5EF4-FFF2-40B4-BE49-F238E27FC236}">
-                <a16:creationId xmlns:a16="http://schemas.microsoft.com/office/drawing/2014/main" id="{281C60FD-BF0B-20C7-D003-900AC3F16A86}"/>
+          <p:cNvPr id="15" name="Elbow Connector 14">
+            <a:extLst>
+              <a:ext uri="{FF2B5EF4-FFF2-40B4-BE49-F238E27FC236}">
+                <a16:creationId xmlns:a16="http://schemas.microsoft.com/office/drawing/2014/main" id="{43255563-398A-DFF1-F5D2-381FC858DD46}"/>
               </a:ext>
             </a:extLst>
           </p:cNvPr>
           <p:cNvCxnSpPr>
             <a:cxnSpLocks/>
-            <a:stCxn id="16" idx="0"/>
-            <a:endCxn id="10" idx="2"/>
+            <a:stCxn id="10" idx="1"/>
+            <a:endCxn id="87" idx="3"/>
           </p:cNvCxnSpPr>
           <p:nvPr/>
         </p:nvCxnSpPr>
         <p:spPr>
-          <a:xfrm flipH="1" flipV="1">
-            <a:off x="8145828" y="4597450"/>
-            <a:ext cx="7590" cy="516401"/>
-          </a:xfrm>
-          <a:prstGeom prst="straightConnector1">
-            <a:avLst/>
-          </a:prstGeom>
-          <a:ln w="19050">
+          <a:xfrm rot="10800000" flipV="1">
+            <a:off x="6210743" y="4229587"/>
+            <a:ext cx="965798" cy="1252125"/>
+          </a:xfrm>
+          <a:prstGeom prst="bentConnector3">
+            <a:avLst>
+              <a:gd name="adj1" fmla="val 50000"/>
+            </a:avLst>
+          </a:prstGeom>
+          <a:ln w="22225">
             <a:solidFill>
               <a:schemeClr val="accent1">
                 <a:lumMod val="75000"/>
@@ -3999,10 +8017,10 @@
       </p:cxnSp>
       <p:sp>
         <p:nvSpPr>
-          <p:cNvPr id="63" name="TextBox 62">
-            <a:extLst>
-              <a:ext uri="{FF2B5EF4-FFF2-40B4-BE49-F238E27FC236}">
-                <a16:creationId xmlns:a16="http://schemas.microsoft.com/office/drawing/2014/main" id="{3CEE2EAB-6AE6-2DAE-A1FE-F2A68C5D38AA}"/>
+          <p:cNvPr id="22" name="TextBox 21">
+            <a:extLst>
+              <a:ext uri="{FF2B5EF4-FFF2-40B4-BE49-F238E27FC236}">
+                <a16:creationId xmlns:a16="http://schemas.microsoft.com/office/drawing/2014/main" id="{D126DAE4-191A-ED53-DBC7-2D7448C9357E}"/>
               </a:ext>
             </a:extLst>
           </p:cNvPr>
@@ -4011,13 +8029,15 @@
         </p:nvSpPr>
         <p:spPr>
           <a:xfrm>
-            <a:off x="5277794" y="4638774"/>
-            <a:ext cx="1363599" cy="276999"/>
+            <a:off x="4714338" y="4710032"/>
+            <a:ext cx="1239634" cy="276999"/>
           </a:xfrm>
           <a:prstGeom prst="rect">
             <a:avLst/>
           </a:prstGeom>
-          <a:noFill/>
+          <a:solidFill>
+            <a:schemeClr val="bg1"/>
+          </a:solidFill>
         </p:spPr>
         <p:txBody>
           <a:bodyPr wrap="none" rtlCol="0">
@@ -4025,28 +8045,21 @@
           </a:bodyPr>
           <a:lstStyle/>
           <a:p>
-            <a:r>
-              <a:rPr lang="en-US" sz="1200" dirty="0" err="1">
-                <a:solidFill>
-                  <a:srgbClr val="0070C0"/>
-                </a:solidFill>
-              </a:rPr>
+            <a:pPr algn="ctr"/>
+            <a:r>
+              <a:rPr lang="en-US" sz="1200" dirty="0" err="1"/>
               <a:t>wasGeneratedBy</a:t>
             </a:r>
-            <a:endParaRPr lang="en-US" sz="1200" dirty="0">
-              <a:solidFill>
-                <a:srgbClr val="0070C0"/>
-              </a:solidFill>
-            </a:endParaRPr>
-          </a:p>
-        </p:txBody>
-      </p:sp>
-      <p:sp>
-        <p:nvSpPr>
-          <p:cNvPr id="79" name="TextBox 78">
-            <a:extLst>
-              <a:ext uri="{FF2B5EF4-FFF2-40B4-BE49-F238E27FC236}">
-                <a16:creationId xmlns:a16="http://schemas.microsoft.com/office/drawing/2014/main" id="{7AA79D54-5DA2-41E6-DA52-5F8B22C07990}"/>
+            <a:endParaRPr lang="en-US" sz="1200" dirty="0"/>
+          </a:p>
+        </p:txBody>
+      </p:sp>
+      <p:sp>
+        <p:nvSpPr>
+          <p:cNvPr id="26" name="TextBox 25">
+            <a:extLst>
+              <a:ext uri="{FF2B5EF4-FFF2-40B4-BE49-F238E27FC236}">
+                <a16:creationId xmlns:a16="http://schemas.microsoft.com/office/drawing/2014/main" id="{7D77FFD6-BBDA-E23E-7D0A-F1EFB262A5F0}"/>
               </a:ext>
             </a:extLst>
           </p:cNvPr>
@@ -4055,13 +8068,15 @@
         </p:nvSpPr>
         <p:spPr>
           <a:xfrm>
-            <a:off x="2042126" y="3073911"/>
-            <a:ext cx="922176" cy="276999"/>
+            <a:off x="9878867" y="4710032"/>
+            <a:ext cx="1239634" cy="276999"/>
           </a:xfrm>
           <a:prstGeom prst="rect">
             <a:avLst/>
           </a:prstGeom>
-          <a:noFill/>
+          <a:solidFill>
+            <a:schemeClr val="bg1"/>
+          </a:solidFill>
         </p:spPr>
         <p:txBody>
           <a:bodyPr wrap="none" rtlCol="0">
@@ -4069,28 +8084,21 @@
           </a:bodyPr>
           <a:lstStyle/>
           <a:p>
-            <a:r>
-              <a:rPr lang="en-US" sz="1200" dirty="0" err="1">
-                <a:solidFill>
-                  <a:srgbClr val="C00000"/>
-                </a:solidFill>
-              </a:rPr>
-              <a:t>governedBy</a:t>
-            </a:r>
-            <a:endParaRPr lang="en-US" sz="1200" dirty="0">
-              <a:solidFill>
-                <a:srgbClr val="C00000"/>
-              </a:solidFill>
-            </a:endParaRPr>
-          </a:p>
-        </p:txBody>
-      </p:sp>
-      <p:sp>
-        <p:nvSpPr>
-          <p:cNvPr id="80" name="TextBox 79">
-            <a:extLst>
-              <a:ext uri="{FF2B5EF4-FFF2-40B4-BE49-F238E27FC236}">
-                <a16:creationId xmlns:a16="http://schemas.microsoft.com/office/drawing/2014/main" id="{62D35BDA-C21D-8C39-BFDA-AD1E88162E22}"/>
+            <a:pPr algn="ctr"/>
+            <a:r>
+              <a:rPr lang="en-US" sz="1200" dirty="0" err="1"/>
+              <a:t>wasGeneratedBy</a:t>
+            </a:r>
+            <a:endParaRPr lang="en-US" sz="1200" dirty="0"/>
+          </a:p>
+        </p:txBody>
+      </p:sp>
+      <p:sp>
+        <p:nvSpPr>
+          <p:cNvPr id="27" name="TextBox 26">
+            <a:extLst>
+              <a:ext uri="{FF2B5EF4-FFF2-40B4-BE49-F238E27FC236}">
+                <a16:creationId xmlns:a16="http://schemas.microsoft.com/office/drawing/2014/main" id="{66659E11-8899-D58D-EB47-4A581768B18A}"/>
               </a:ext>
             </a:extLst>
           </p:cNvPr>
@@ -4099,8 +8107,8 @@
         </p:nvSpPr>
         <p:spPr>
           <a:xfrm>
-            <a:off x="3669266" y="5527145"/>
-            <a:ext cx="700525" cy="276999"/>
+            <a:off x="7461202" y="4710032"/>
+            <a:ext cx="1239634" cy="276999"/>
           </a:xfrm>
           <a:prstGeom prst="rect">
             <a:avLst/>
@@ -4115,42 +8123,44 @@
           </a:bodyPr>
           <a:lstStyle/>
           <a:p>
-            <a:r>
-              <a:rPr lang="en-US" sz="1200" dirty="0"/>
-              <a:t>verifies</a:t>
-            </a:r>
+            <a:pPr algn="ctr"/>
+            <a:r>
+              <a:rPr lang="en-US" sz="1200" dirty="0" err="1"/>
+              <a:t>wasGeneratedBy</a:t>
+            </a:r>
+            <a:endParaRPr lang="en-US" sz="1200" dirty="0"/>
           </a:p>
         </p:txBody>
       </p:sp>
       <p:cxnSp>
         <p:nvCxnSpPr>
-          <p:cNvPr id="101" name="Elbow Connector 100">
-            <a:extLst>
-              <a:ext uri="{FF2B5EF4-FFF2-40B4-BE49-F238E27FC236}">
-                <a16:creationId xmlns:a16="http://schemas.microsoft.com/office/drawing/2014/main" id="{892B7871-6783-252A-89AC-B94861A87E86}"/>
+          <p:cNvPr id="28" name="Elbow Connector 27">
+            <a:extLst>
+              <a:ext uri="{FF2B5EF4-FFF2-40B4-BE49-F238E27FC236}">
+                <a16:creationId xmlns:a16="http://schemas.microsoft.com/office/drawing/2014/main" id="{13D1A1DC-4E69-E925-60E1-D5B816C48190}"/>
               </a:ext>
             </a:extLst>
           </p:cNvPr>
           <p:cNvCxnSpPr>
             <a:cxnSpLocks/>
-            <a:stCxn id="10" idx="1"/>
-            <a:endCxn id="11" idx="3"/>
+            <a:stCxn id="97" idx="1"/>
+            <a:endCxn id="16" idx="3"/>
           </p:cNvCxnSpPr>
           <p:nvPr/>
         </p:nvCxnSpPr>
         <p:spPr>
-          <a:xfrm rot="10800000">
-            <a:off x="1831243" y="3374570"/>
-            <a:ext cx="5345298" cy="855018"/>
+          <a:xfrm rot="10800000" flipV="1">
+            <a:off x="8852356" y="4229587"/>
+            <a:ext cx="947390" cy="1252125"/>
           </a:xfrm>
           <a:prstGeom prst="bentConnector3">
             <a:avLst>
-              <a:gd name="adj1" fmla="val 8659"/>
+              <a:gd name="adj1" fmla="val 50000"/>
             </a:avLst>
           </a:prstGeom>
           <a:ln w="19050">
             <a:solidFill>
-              <a:srgbClr val="C00000"/>
+              <a:schemeClr val="tx1"/>
             </a:solidFill>
             <a:tailEnd type="triangle"/>
           </a:ln>
@@ -4172,88 +8182,10 @@
       </p:cxnSp>
       <p:sp>
         <p:nvSpPr>
-          <p:cNvPr id="129" name="TextBox 128">
-            <a:extLst>
-              <a:ext uri="{FF2B5EF4-FFF2-40B4-BE49-F238E27FC236}">
-                <a16:creationId xmlns:a16="http://schemas.microsoft.com/office/drawing/2014/main" id="{DD3DA6B1-AB76-E372-2C32-A76BD9313583}"/>
-              </a:ext>
-            </a:extLst>
-          </p:cNvPr>
-          <p:cNvSpPr txBox="1"/>
-          <p:nvPr/>
-        </p:nvSpPr>
-        <p:spPr>
-          <a:xfrm>
-            <a:off x="2604680" y="6119645"/>
-            <a:ext cx="1886735" cy="338554"/>
-          </a:xfrm>
-          <a:prstGeom prst="rect">
-            <a:avLst/>
-          </a:prstGeom>
-          <a:noFill/>
-          <a:ln>
-            <a:noFill/>
-          </a:ln>
-        </p:spPr>
-        <p:txBody>
-          <a:bodyPr wrap="none" rtlCol="0">
-            <a:spAutoFit/>
-          </a:bodyPr>
-          <a:lstStyle/>
-          <a:p>
-            <a:r>
-              <a:rPr lang="en-US" sz="1600" b="1" dirty="0"/>
-              <a:t>Objectives 3.5 &amp; 3.6</a:t>
-            </a:r>
-          </a:p>
-        </p:txBody>
-      </p:sp>
-      <p:sp>
-        <p:nvSpPr>
-          <p:cNvPr id="133" name="TextBox 132">
-            <a:extLst>
-              <a:ext uri="{FF2B5EF4-FFF2-40B4-BE49-F238E27FC236}">
-                <a16:creationId xmlns:a16="http://schemas.microsoft.com/office/drawing/2014/main" id="{EAEF1D89-F27D-2091-F941-4E46881152D1}"/>
-              </a:ext>
-            </a:extLst>
-          </p:cNvPr>
-          <p:cNvSpPr txBox="1"/>
-          <p:nvPr/>
-        </p:nvSpPr>
-        <p:spPr>
-          <a:xfrm>
-            <a:off x="7817262" y="481227"/>
-            <a:ext cx="3436325" cy="461665"/>
-          </a:xfrm>
-          <a:prstGeom prst="rect">
-            <a:avLst/>
-          </a:prstGeom>
-          <a:noFill/>
-          <a:ln>
-            <a:solidFill>
-              <a:schemeClr val="tx1"/>
-            </a:solidFill>
-          </a:ln>
-        </p:spPr>
-        <p:txBody>
-          <a:bodyPr wrap="none" rtlCol="0">
-            <a:spAutoFit/>
-          </a:bodyPr>
-          <a:lstStyle/>
-          <a:p>
-            <a:r>
-              <a:rPr lang="en-US" sz="2400" b="1" dirty="0"/>
-              <a:t>4754A Safety Assessment</a:t>
-            </a:r>
-          </a:p>
-        </p:txBody>
-      </p:sp>
-      <p:sp>
-        <p:nvSpPr>
-          <p:cNvPr id="23" name="Rounded Rectangle 22">
-            <a:extLst>
-              <a:ext uri="{FF2B5EF4-FFF2-40B4-BE49-F238E27FC236}">
-                <a16:creationId xmlns:a16="http://schemas.microsoft.com/office/drawing/2014/main" id="{D1914E7B-706B-E3C5-1097-7F156FF6EF35}"/>
+          <p:cNvPr id="33" name="Rounded Rectangle 32">
+            <a:extLst>
+              <a:ext uri="{FF2B5EF4-FFF2-40B4-BE49-F238E27FC236}">
+                <a16:creationId xmlns:a16="http://schemas.microsoft.com/office/drawing/2014/main" id="{74B10F31-8836-7EC0-EE21-BE35690A8356}"/>
               </a:ext>
             </a:extLst>
           </p:cNvPr>
@@ -4262,1171 +8194,8 @@
         </p:nvSpPr>
         <p:spPr>
           <a:xfrm>
-            <a:off x="2178852" y="3854211"/>
-            <a:ext cx="1537664" cy="735724"/>
-          </a:xfrm>
-          <a:prstGeom prst="roundRect">
-            <a:avLst/>
-          </a:prstGeom>
-          <a:solidFill>
-            <a:schemeClr val="tx2"/>
-          </a:solidFill>
-        </p:spPr>
-        <p:style>
-          <a:lnRef idx="2">
-            <a:schemeClr val="accent1">
-              <a:shade val="15000"/>
-            </a:schemeClr>
-          </a:lnRef>
-          <a:fillRef idx="1">
-            <a:schemeClr val="accent1"/>
-          </a:fillRef>
-          <a:effectRef idx="0">
-            <a:schemeClr val="accent1"/>
-          </a:effectRef>
-          <a:fontRef idx="minor">
-            <a:schemeClr val="lt1"/>
-          </a:fontRef>
-        </p:style>
-        <p:txBody>
-          <a:bodyPr rtlCol="0" anchor="ctr"/>
-          <a:lstStyle/>
-          <a:p>
-            <a:pPr algn="ctr"/>
-            <a:r>
-              <a:rPr lang="en-US" sz="1200" dirty="0"/>
-              <a:t>REQUIREMENTS DEVELOPMENT</a:t>
-            </a:r>
-          </a:p>
-        </p:txBody>
-      </p:sp>
-      <p:sp>
-        <p:nvSpPr>
-          <p:cNvPr id="24" name="Rounded Rectangle 23">
-            <a:extLst>
-              <a:ext uri="{FF2B5EF4-FFF2-40B4-BE49-F238E27FC236}">
-                <a16:creationId xmlns:a16="http://schemas.microsoft.com/office/drawing/2014/main" id="{ACC5BD7C-E94A-97A0-9ED0-655C2D6058F5}"/>
-              </a:ext>
-            </a:extLst>
-          </p:cNvPr>
-          <p:cNvSpPr/>
-          <p:nvPr/>
-        </p:nvSpPr>
-        <p:spPr>
-          <a:xfrm>
-            <a:off x="2178852" y="5113851"/>
-            <a:ext cx="1537664" cy="735724"/>
-          </a:xfrm>
-          <a:prstGeom prst="roundRect">
-            <a:avLst/>
-          </a:prstGeom>
-          <a:solidFill>
-            <a:schemeClr val="tx2"/>
-          </a:solidFill>
-        </p:spPr>
-        <p:style>
-          <a:lnRef idx="2">
-            <a:schemeClr val="accent1">
-              <a:shade val="15000"/>
-            </a:schemeClr>
-          </a:lnRef>
-          <a:fillRef idx="1">
-            <a:schemeClr val="accent1"/>
-          </a:fillRef>
-          <a:effectRef idx="0">
-            <a:schemeClr val="accent1"/>
-          </a:effectRef>
-          <a:fontRef idx="minor">
-            <a:schemeClr val="lt1"/>
-          </a:fontRef>
-        </p:style>
-        <p:txBody>
-          <a:bodyPr rtlCol="0" anchor="ctr"/>
-          <a:lstStyle/>
-          <a:p>
-            <a:pPr algn="ctr"/>
-            <a:r>
-              <a:rPr lang="en-US" sz="1200" dirty="0"/>
-              <a:t>REQUIREMENT</a:t>
-            </a:r>
-          </a:p>
-        </p:txBody>
-      </p:sp>
-      <p:cxnSp>
-        <p:nvCxnSpPr>
-          <p:cNvPr id="25" name="Straight Arrow Connector 24">
-            <a:extLst>
-              <a:ext uri="{FF2B5EF4-FFF2-40B4-BE49-F238E27FC236}">
-                <a16:creationId xmlns:a16="http://schemas.microsoft.com/office/drawing/2014/main" id="{C5B15FDB-6655-7F20-F28F-9F89B322164E}"/>
-              </a:ext>
-            </a:extLst>
-          </p:cNvPr>
-          <p:cNvCxnSpPr>
-            <a:cxnSpLocks/>
-            <a:stCxn id="24" idx="0"/>
-            <a:endCxn id="23" idx="2"/>
-          </p:cNvCxnSpPr>
-          <p:nvPr/>
-        </p:nvCxnSpPr>
-        <p:spPr>
-          <a:xfrm flipV="1">
-            <a:off x="2947684" y="4589935"/>
-            <a:ext cx="0" cy="523916"/>
-          </a:xfrm>
-          <a:prstGeom prst="straightConnector1">
-            <a:avLst/>
-          </a:prstGeom>
-          <a:ln w="19050">
-            <a:solidFill>
-              <a:schemeClr val="accent1">
-                <a:lumMod val="75000"/>
-              </a:schemeClr>
-            </a:solidFill>
-            <a:tailEnd type="triangle"/>
-          </a:ln>
-        </p:spPr>
-        <p:style>
-          <a:lnRef idx="1">
-            <a:schemeClr val="accent1"/>
-          </a:lnRef>
-          <a:fillRef idx="0">
-            <a:schemeClr val="accent1"/>
-          </a:fillRef>
-          <a:effectRef idx="0">
-            <a:schemeClr val="accent1"/>
-          </a:effectRef>
-          <a:fontRef idx="minor">
-            <a:schemeClr val="tx1"/>
-          </a:fontRef>
-        </p:style>
-      </p:cxnSp>
-      <p:cxnSp>
-        <p:nvCxnSpPr>
-          <p:cNvPr id="39" name="Elbow Connector 38">
-            <a:extLst>
-              <a:ext uri="{FF2B5EF4-FFF2-40B4-BE49-F238E27FC236}">
-                <a16:creationId xmlns:a16="http://schemas.microsoft.com/office/drawing/2014/main" id="{44F69576-F551-FEEC-507C-4E689FC3FC7F}"/>
-              </a:ext>
-            </a:extLst>
-          </p:cNvPr>
-          <p:cNvCxnSpPr>
-            <a:cxnSpLocks/>
-            <a:stCxn id="4" idx="2"/>
-            <a:endCxn id="23" idx="0"/>
-          </p:cNvCxnSpPr>
-          <p:nvPr/>
-        </p:nvCxnSpPr>
-        <p:spPr>
-          <a:xfrm rot="5400000">
-            <a:off x="3123823" y="912808"/>
-            <a:ext cx="2765265" cy="3117541"/>
-          </a:xfrm>
-          <a:prstGeom prst="bentConnector3">
-            <a:avLst>
-              <a:gd name="adj1" fmla="val 50000"/>
-            </a:avLst>
-          </a:prstGeom>
-          <a:ln w="19050">
-            <a:solidFill>
-              <a:schemeClr val="tx1"/>
-            </a:solidFill>
-            <a:tailEnd type="triangle"/>
-          </a:ln>
-        </p:spPr>
-        <p:style>
-          <a:lnRef idx="1">
-            <a:schemeClr val="accent1"/>
-          </a:lnRef>
-          <a:fillRef idx="0">
-            <a:schemeClr val="accent1"/>
-          </a:fillRef>
-          <a:effectRef idx="0">
-            <a:schemeClr val="accent1"/>
-          </a:effectRef>
-          <a:fontRef idx="minor">
-            <a:schemeClr val="tx1"/>
-          </a:fontRef>
-        </p:style>
-      </p:cxnSp>
-      <p:sp>
-        <p:nvSpPr>
-          <p:cNvPr id="85" name="TextBox 84">
-            <a:extLst>
-              <a:ext uri="{FF2B5EF4-FFF2-40B4-BE49-F238E27FC236}">
-                <a16:creationId xmlns:a16="http://schemas.microsoft.com/office/drawing/2014/main" id="{2B121791-305F-59C7-AAEF-E4FB13DBC62B}"/>
-              </a:ext>
-            </a:extLst>
-          </p:cNvPr>
-          <p:cNvSpPr txBox="1"/>
-          <p:nvPr/>
-        </p:nvSpPr>
-        <p:spPr>
-          <a:xfrm>
-            <a:off x="1049685" y="2486079"/>
-            <a:ext cx="1239635" cy="276999"/>
-          </a:xfrm>
-          <a:prstGeom prst="rect">
-            <a:avLst/>
-          </a:prstGeom>
-          <a:noFill/>
-        </p:spPr>
-        <p:txBody>
-          <a:bodyPr wrap="none" rtlCol="0">
-            <a:spAutoFit/>
-          </a:bodyPr>
-          <a:lstStyle/>
-          <a:p>
-            <a:r>
-              <a:rPr lang="en-US" sz="1200" dirty="0" err="1">
-                <a:solidFill>
-                  <a:srgbClr val="0070C0"/>
-                </a:solidFill>
-              </a:rPr>
-              <a:t>wasGeneratedBy</a:t>
-            </a:r>
-            <a:endParaRPr lang="en-US" sz="1200" dirty="0">
-              <a:solidFill>
-                <a:srgbClr val="0070C0"/>
-              </a:solidFill>
-            </a:endParaRPr>
-          </a:p>
-        </p:txBody>
-      </p:sp>
-      <p:sp>
-        <p:nvSpPr>
-          <p:cNvPr id="86" name="Rounded Rectangle 85">
-            <a:extLst>
-              <a:ext uri="{FF2B5EF4-FFF2-40B4-BE49-F238E27FC236}">
-                <a16:creationId xmlns:a16="http://schemas.microsoft.com/office/drawing/2014/main" id="{D603C04E-A81D-B775-14E5-D53A2B23BE9E}"/>
-              </a:ext>
-            </a:extLst>
-          </p:cNvPr>
-          <p:cNvSpPr/>
-          <p:nvPr/>
-        </p:nvSpPr>
-        <p:spPr>
-          <a:xfrm>
-            <a:off x="4312499" y="3859850"/>
-            <a:ext cx="1898254" cy="735724"/>
-          </a:xfrm>
-          <a:prstGeom prst="roundRect">
-            <a:avLst/>
-          </a:prstGeom>
-          <a:solidFill>
-            <a:schemeClr val="tx2"/>
-          </a:solidFill>
-        </p:spPr>
-        <p:style>
-          <a:lnRef idx="2">
-            <a:schemeClr val="accent1">
-              <a:shade val="15000"/>
-            </a:schemeClr>
-          </a:lnRef>
-          <a:fillRef idx="1">
-            <a:schemeClr val="accent1"/>
-          </a:fillRef>
-          <a:effectRef idx="0">
-            <a:schemeClr val="accent1"/>
-          </a:effectRef>
-          <a:fontRef idx="minor">
-            <a:schemeClr val="lt1"/>
-          </a:fontRef>
-        </p:style>
-        <p:txBody>
-          <a:bodyPr rtlCol="0" anchor="ctr"/>
-          <a:lstStyle/>
-          <a:p>
-            <a:pPr algn="ctr"/>
-            <a:r>
-              <a:rPr lang="en-US" sz="1200" dirty="0"/>
-              <a:t>TEST DEVELOPMENT</a:t>
-            </a:r>
-          </a:p>
-          <a:p>
-            <a:pPr algn="ctr"/>
-            <a:r>
-              <a:rPr lang="en-US" sz="1200" dirty="0"/>
-              <a:t>Safety  Assessment Developed</a:t>
-            </a:r>
-          </a:p>
-        </p:txBody>
-      </p:sp>
-      <p:sp>
-        <p:nvSpPr>
-          <p:cNvPr id="87" name="Rounded Rectangle 86">
-            <a:extLst>
-              <a:ext uri="{FF2B5EF4-FFF2-40B4-BE49-F238E27FC236}">
-                <a16:creationId xmlns:a16="http://schemas.microsoft.com/office/drawing/2014/main" id="{7628502F-22C2-33EA-F76A-5B35315A4A83}"/>
-              </a:ext>
-            </a:extLst>
-          </p:cNvPr>
-          <p:cNvSpPr/>
-          <p:nvPr/>
-        </p:nvSpPr>
-        <p:spPr>
-          <a:xfrm>
-            <a:off x="4312494" y="5113851"/>
-            <a:ext cx="1898249" cy="735724"/>
-          </a:xfrm>
-          <a:prstGeom prst="roundRect">
-            <a:avLst/>
-          </a:prstGeom>
-          <a:solidFill>
-            <a:schemeClr val="tx2"/>
-          </a:solidFill>
-        </p:spPr>
-        <p:style>
-          <a:lnRef idx="2">
-            <a:schemeClr val="accent1">
-              <a:shade val="15000"/>
-            </a:schemeClr>
-          </a:lnRef>
-          <a:fillRef idx="1">
-            <a:schemeClr val="accent1"/>
-          </a:fillRef>
-          <a:effectRef idx="0">
-            <a:schemeClr val="accent1"/>
-          </a:effectRef>
-          <a:fontRef idx="minor">
-            <a:schemeClr val="lt1"/>
-          </a:fontRef>
-        </p:style>
-        <p:txBody>
-          <a:bodyPr rtlCol="0" anchor="ctr"/>
-          <a:lstStyle/>
-          <a:p>
-            <a:pPr algn="ctr"/>
-            <a:r>
-              <a:rPr lang="en-US" sz="1200" dirty="0"/>
-              <a:t>TEST:</a:t>
-            </a:r>
-          </a:p>
-          <a:p>
-            <a:pPr algn="ctr"/>
-            <a:r>
-              <a:rPr lang="en-US" sz="1200" dirty="0"/>
-              <a:t>ASA/SSA</a:t>
-            </a:r>
-          </a:p>
-        </p:txBody>
-      </p:sp>
-      <p:cxnSp>
-        <p:nvCxnSpPr>
-          <p:cNvPr id="88" name="Straight Arrow Connector 87">
-            <a:extLst>
-              <a:ext uri="{FF2B5EF4-FFF2-40B4-BE49-F238E27FC236}">
-                <a16:creationId xmlns:a16="http://schemas.microsoft.com/office/drawing/2014/main" id="{301DEA18-ED5D-CC8A-962A-02C44C0116FC}"/>
-              </a:ext>
-            </a:extLst>
-          </p:cNvPr>
-          <p:cNvCxnSpPr>
-            <a:cxnSpLocks/>
-            <a:stCxn id="87" idx="0"/>
-            <a:endCxn id="86" idx="2"/>
-          </p:cNvCxnSpPr>
-          <p:nvPr/>
-        </p:nvCxnSpPr>
-        <p:spPr>
-          <a:xfrm flipV="1">
-            <a:off x="5261619" y="4595574"/>
-            <a:ext cx="7" cy="518277"/>
-          </a:xfrm>
-          <a:prstGeom prst="straightConnector1">
-            <a:avLst/>
-          </a:prstGeom>
-          <a:ln w="19050">
-            <a:solidFill>
-              <a:schemeClr val="accent1">
-                <a:lumMod val="75000"/>
-              </a:schemeClr>
-            </a:solidFill>
-            <a:tailEnd type="triangle"/>
-          </a:ln>
-        </p:spPr>
-        <p:style>
-          <a:lnRef idx="1">
-            <a:schemeClr val="accent1"/>
-          </a:lnRef>
-          <a:fillRef idx="0">
-            <a:schemeClr val="accent1"/>
-          </a:fillRef>
-          <a:effectRef idx="0">
-            <a:schemeClr val="accent1"/>
-          </a:effectRef>
-          <a:fontRef idx="minor">
-            <a:schemeClr val="tx1"/>
-          </a:fontRef>
-        </p:style>
-      </p:cxnSp>
-      <p:sp>
-        <p:nvSpPr>
-          <p:cNvPr id="96" name="TextBox 95">
-            <a:extLst>
-              <a:ext uri="{FF2B5EF4-FFF2-40B4-BE49-F238E27FC236}">
-                <a16:creationId xmlns:a16="http://schemas.microsoft.com/office/drawing/2014/main" id="{26E30958-B1E2-8907-1BDB-B8C8A272D026}"/>
-              </a:ext>
-            </a:extLst>
-          </p:cNvPr>
-          <p:cNvSpPr txBox="1"/>
-          <p:nvPr/>
-        </p:nvSpPr>
-        <p:spPr>
-          <a:xfrm>
-            <a:off x="8190123" y="4611459"/>
-            <a:ext cx="1239635" cy="276999"/>
-          </a:xfrm>
-          <a:prstGeom prst="rect">
-            <a:avLst/>
-          </a:prstGeom>
-          <a:noFill/>
-        </p:spPr>
-        <p:txBody>
-          <a:bodyPr wrap="none" rtlCol="0">
-            <a:spAutoFit/>
-          </a:bodyPr>
-          <a:lstStyle/>
-          <a:p>
-            <a:r>
-              <a:rPr lang="en-US" sz="1200" dirty="0" err="1">
-                <a:solidFill>
-                  <a:srgbClr val="0070C0"/>
-                </a:solidFill>
-              </a:rPr>
-              <a:t>wasGeneratedBy</a:t>
-            </a:r>
-            <a:endParaRPr lang="en-US" sz="1200" dirty="0">
-              <a:solidFill>
-                <a:srgbClr val="0070C0"/>
-              </a:solidFill>
-            </a:endParaRPr>
-          </a:p>
-        </p:txBody>
-      </p:sp>
-      <p:sp>
-        <p:nvSpPr>
-          <p:cNvPr id="97" name="Rounded Rectangle 96">
-            <a:extLst>
-              <a:ext uri="{FF2B5EF4-FFF2-40B4-BE49-F238E27FC236}">
-                <a16:creationId xmlns:a16="http://schemas.microsoft.com/office/drawing/2014/main" id="{A1E0C440-D78A-F4D5-F3C4-A055ACC47966}"/>
-              </a:ext>
-            </a:extLst>
-          </p:cNvPr>
-          <p:cNvSpPr/>
-          <p:nvPr/>
-        </p:nvSpPr>
-        <p:spPr>
-          <a:xfrm>
-            <a:off x="9669115" y="3861726"/>
-            <a:ext cx="1397876" cy="735724"/>
-          </a:xfrm>
-          <a:prstGeom prst="roundRect">
-            <a:avLst/>
-          </a:prstGeom>
-          <a:solidFill>
-            <a:schemeClr val="tx2"/>
-          </a:solidFill>
-        </p:spPr>
-        <p:style>
-          <a:lnRef idx="2">
-            <a:schemeClr val="accent1">
-              <a:shade val="15000"/>
-            </a:schemeClr>
-          </a:lnRef>
-          <a:fillRef idx="1">
-            <a:schemeClr val="accent1"/>
-          </a:fillRef>
-          <a:effectRef idx="0">
-            <a:schemeClr val="accent1"/>
-          </a:effectRef>
-          <a:fontRef idx="minor">
-            <a:schemeClr val="lt1"/>
-          </a:fontRef>
-        </p:style>
-        <p:txBody>
-          <a:bodyPr rtlCol="0" anchor="ctr"/>
-          <a:lstStyle/>
-          <a:p>
-            <a:pPr algn="ctr"/>
-            <a:r>
-              <a:rPr lang="en-US" sz="1200" dirty="0"/>
-              <a:t>TEST PROCEDURE</a:t>
-            </a:r>
-          </a:p>
-        </p:txBody>
-      </p:sp>
-      <p:sp>
-        <p:nvSpPr>
-          <p:cNvPr id="98" name="Rounded Rectangle 97">
-            <a:extLst>
-              <a:ext uri="{FF2B5EF4-FFF2-40B4-BE49-F238E27FC236}">
-                <a16:creationId xmlns:a16="http://schemas.microsoft.com/office/drawing/2014/main" id="{20F7A2A7-75FC-C1E5-2AB5-EAB8D5223366}"/>
-              </a:ext>
-            </a:extLst>
-          </p:cNvPr>
-          <p:cNvSpPr/>
-          <p:nvPr/>
-        </p:nvSpPr>
-        <p:spPr>
-          <a:xfrm>
-            <a:off x="9670085" y="5113851"/>
-            <a:ext cx="1397876" cy="735724"/>
-          </a:xfrm>
-          <a:prstGeom prst="roundRect">
-            <a:avLst/>
-          </a:prstGeom>
-          <a:solidFill>
-            <a:schemeClr val="tx2"/>
-          </a:solidFill>
-        </p:spPr>
-        <p:style>
-          <a:lnRef idx="2">
-            <a:schemeClr val="accent1">
-              <a:shade val="15000"/>
-            </a:schemeClr>
-          </a:lnRef>
-          <a:fillRef idx="1">
-            <a:schemeClr val="accent1"/>
-          </a:fillRef>
-          <a:effectRef idx="0">
-            <a:schemeClr val="accent1"/>
-          </a:effectRef>
-          <a:fontRef idx="minor">
-            <a:schemeClr val="lt1"/>
-          </a:fontRef>
-        </p:style>
-        <p:txBody>
-          <a:bodyPr rtlCol="0" anchor="ctr"/>
-          <a:lstStyle/>
-          <a:p>
-            <a:pPr algn="ctr"/>
-            <a:r>
-              <a:rPr lang="en-US" sz="1200" dirty="0"/>
-              <a:t>TEST STEP</a:t>
-            </a:r>
-          </a:p>
-        </p:txBody>
-      </p:sp>
-      <p:cxnSp>
-        <p:nvCxnSpPr>
-          <p:cNvPr id="99" name="Straight Arrow Connector 98">
-            <a:extLst>
-              <a:ext uri="{FF2B5EF4-FFF2-40B4-BE49-F238E27FC236}">
-                <a16:creationId xmlns:a16="http://schemas.microsoft.com/office/drawing/2014/main" id="{A2AB2096-B1A7-13BA-83F7-C9AA548A01C0}"/>
-              </a:ext>
-            </a:extLst>
-          </p:cNvPr>
-          <p:cNvCxnSpPr>
-            <a:cxnSpLocks/>
-            <a:stCxn id="10" idx="3"/>
-            <a:endCxn id="97" idx="1"/>
-          </p:cNvCxnSpPr>
-          <p:nvPr/>
-        </p:nvCxnSpPr>
-        <p:spPr>
-          <a:xfrm>
-            <a:off x="9115115" y="4229588"/>
-            <a:ext cx="554000" cy="0"/>
-          </a:xfrm>
-          <a:prstGeom prst="straightConnector1">
-            <a:avLst/>
-          </a:prstGeom>
-          <a:ln w="19050">
-            <a:solidFill>
-              <a:schemeClr val="accent1">
-                <a:lumMod val="75000"/>
-              </a:schemeClr>
-            </a:solidFill>
-            <a:tailEnd type="triangle"/>
-          </a:ln>
-        </p:spPr>
-        <p:style>
-          <a:lnRef idx="1">
-            <a:schemeClr val="accent1"/>
-          </a:lnRef>
-          <a:fillRef idx="0">
-            <a:schemeClr val="accent1"/>
-          </a:fillRef>
-          <a:effectRef idx="0">
-            <a:schemeClr val="accent1"/>
-          </a:effectRef>
-          <a:fontRef idx="minor">
-            <a:schemeClr val="tx1"/>
-          </a:fontRef>
-        </p:style>
-      </p:cxnSp>
-      <p:sp>
-        <p:nvSpPr>
-          <p:cNvPr id="103" name="TextBox 102">
-            <a:extLst>
-              <a:ext uri="{FF2B5EF4-FFF2-40B4-BE49-F238E27FC236}">
-                <a16:creationId xmlns:a16="http://schemas.microsoft.com/office/drawing/2014/main" id="{04795C08-3445-0B2B-5B7B-036A7F184B31}"/>
-              </a:ext>
-            </a:extLst>
-          </p:cNvPr>
-          <p:cNvSpPr txBox="1"/>
-          <p:nvPr/>
-        </p:nvSpPr>
-        <p:spPr>
-          <a:xfrm>
-            <a:off x="8859023" y="3550433"/>
-            <a:ext cx="1064779" cy="276999"/>
-          </a:xfrm>
-          <a:prstGeom prst="rect">
-            <a:avLst/>
-          </a:prstGeom>
-          <a:noFill/>
-        </p:spPr>
-        <p:txBody>
-          <a:bodyPr wrap="none" rtlCol="0">
-            <a:spAutoFit/>
-          </a:bodyPr>
-          <a:lstStyle/>
-          <a:p>
-            <a:r>
-              <a:rPr lang="en-US" sz="1200" dirty="0" err="1"/>
-              <a:t>testProcedure</a:t>
-            </a:r>
-            <a:endParaRPr lang="en-US" sz="1200" dirty="0"/>
-          </a:p>
-        </p:txBody>
-      </p:sp>
-      <p:cxnSp>
-        <p:nvCxnSpPr>
-          <p:cNvPr id="104" name="Straight Arrow Connector 103">
-            <a:extLst>
-              <a:ext uri="{FF2B5EF4-FFF2-40B4-BE49-F238E27FC236}">
-                <a16:creationId xmlns:a16="http://schemas.microsoft.com/office/drawing/2014/main" id="{E5E1CC80-6618-13F0-6592-B9105C2A1CB9}"/>
-              </a:ext>
-            </a:extLst>
-          </p:cNvPr>
-          <p:cNvCxnSpPr>
-            <a:cxnSpLocks/>
-            <a:stCxn id="97" idx="2"/>
-            <a:endCxn id="98" idx="0"/>
-          </p:cNvCxnSpPr>
-          <p:nvPr/>
-        </p:nvCxnSpPr>
-        <p:spPr>
-          <a:xfrm>
-            <a:off x="10368053" y="4597450"/>
-            <a:ext cx="970" cy="516401"/>
-          </a:xfrm>
-          <a:prstGeom prst="straightConnector1">
-            <a:avLst/>
-          </a:prstGeom>
-          <a:ln w="19050">
-            <a:solidFill>
-              <a:schemeClr val="accent1">
-                <a:lumMod val="75000"/>
-              </a:schemeClr>
-            </a:solidFill>
-            <a:tailEnd type="triangle"/>
-          </a:ln>
-        </p:spPr>
-        <p:style>
-          <a:lnRef idx="1">
-            <a:schemeClr val="accent1"/>
-          </a:lnRef>
-          <a:fillRef idx="0">
-            <a:schemeClr val="accent1"/>
-          </a:fillRef>
-          <a:effectRef idx="0">
-            <a:schemeClr val="accent1"/>
-          </a:effectRef>
-          <a:fontRef idx="minor">
-            <a:schemeClr val="tx1"/>
-          </a:fontRef>
-        </p:style>
-      </p:cxnSp>
-      <p:sp>
-        <p:nvSpPr>
-          <p:cNvPr id="108" name="TextBox 107">
-            <a:extLst>
-              <a:ext uri="{FF2B5EF4-FFF2-40B4-BE49-F238E27FC236}">
-                <a16:creationId xmlns:a16="http://schemas.microsoft.com/office/drawing/2014/main" id="{1E770617-AC72-FEF6-9B8C-7BDFF3270189}"/>
-              </a:ext>
-            </a:extLst>
-          </p:cNvPr>
-          <p:cNvSpPr txBox="1"/>
-          <p:nvPr/>
-        </p:nvSpPr>
-        <p:spPr>
-          <a:xfrm>
-            <a:off x="10368053" y="4629469"/>
-            <a:ext cx="1230658" cy="276999"/>
-          </a:xfrm>
-          <a:prstGeom prst="rect">
-            <a:avLst/>
-          </a:prstGeom>
-          <a:noFill/>
-        </p:spPr>
-        <p:txBody>
-          <a:bodyPr wrap="none" rtlCol="0">
-            <a:spAutoFit/>
-          </a:bodyPr>
-          <a:lstStyle/>
-          <a:p>
-            <a:r>
-              <a:rPr lang="en-US" sz="1200" dirty="0" err="1"/>
-              <a:t>independentTest</a:t>
-            </a:r>
-            <a:endParaRPr lang="en-US" sz="1200" dirty="0"/>
-          </a:p>
-        </p:txBody>
-      </p:sp>
-      <p:cxnSp>
-        <p:nvCxnSpPr>
-          <p:cNvPr id="110" name="Elbow Connector 109">
-            <a:extLst>
-              <a:ext uri="{FF2B5EF4-FFF2-40B4-BE49-F238E27FC236}">
-                <a16:creationId xmlns:a16="http://schemas.microsoft.com/office/drawing/2014/main" id="{A90E29FB-E887-F27D-F0AC-D70A9A1F96B3}"/>
-              </a:ext>
-            </a:extLst>
-          </p:cNvPr>
-          <p:cNvCxnSpPr>
-            <a:cxnSpLocks/>
-            <a:stCxn id="98" idx="1"/>
-            <a:endCxn id="87" idx="2"/>
-          </p:cNvCxnSpPr>
-          <p:nvPr/>
-        </p:nvCxnSpPr>
-        <p:spPr>
-          <a:xfrm rot="10800000" flipV="1">
-            <a:off x="5261619" y="5481713"/>
-            <a:ext cx="4408466" cy="367862"/>
-          </a:xfrm>
-          <a:prstGeom prst="bentConnector4">
-            <a:avLst>
-              <a:gd name="adj1" fmla="val 8957"/>
-              <a:gd name="adj2" fmla="val 162143"/>
-            </a:avLst>
-          </a:prstGeom>
-          <a:ln w="19050">
-            <a:solidFill>
-              <a:schemeClr val="tx1"/>
-            </a:solidFill>
-            <a:tailEnd type="triangle"/>
-          </a:ln>
-        </p:spPr>
-        <p:style>
-          <a:lnRef idx="1">
-            <a:schemeClr val="accent1"/>
-          </a:lnRef>
-          <a:fillRef idx="0">
-            <a:schemeClr val="accent1"/>
-          </a:fillRef>
-          <a:effectRef idx="0">
-            <a:schemeClr val="accent1"/>
-          </a:effectRef>
-          <a:fontRef idx="minor">
-            <a:schemeClr val="tx1"/>
-          </a:fontRef>
-        </p:style>
-      </p:cxnSp>
-      <p:sp>
-        <p:nvSpPr>
-          <p:cNvPr id="113" name="TextBox 112">
-            <a:extLst>
-              <a:ext uri="{FF2B5EF4-FFF2-40B4-BE49-F238E27FC236}">
-                <a16:creationId xmlns:a16="http://schemas.microsoft.com/office/drawing/2014/main" id="{0F6A1D32-C756-03E6-B1B4-8C124B426E5A}"/>
-              </a:ext>
-            </a:extLst>
-          </p:cNvPr>
-          <p:cNvSpPr txBox="1"/>
-          <p:nvPr/>
-        </p:nvSpPr>
-        <p:spPr>
-          <a:xfrm>
-            <a:off x="8625263" y="6140582"/>
-            <a:ext cx="689548" cy="276999"/>
-          </a:xfrm>
-          <a:prstGeom prst="rect">
-            <a:avLst/>
-          </a:prstGeom>
-          <a:solidFill>
-            <a:schemeClr val="bg1"/>
-          </a:solidFill>
-        </p:spPr>
-        <p:txBody>
-          <a:bodyPr wrap="none" rtlCol="0">
-            <a:spAutoFit/>
-          </a:bodyPr>
-          <a:lstStyle/>
-          <a:p>
-            <a:r>
-              <a:rPr lang="en-US" sz="1200" dirty="0" err="1"/>
-              <a:t>thisStep</a:t>
-            </a:r>
-            <a:endParaRPr lang="en-US" sz="1200" dirty="0"/>
-          </a:p>
-        </p:txBody>
-      </p:sp>
-      <p:cxnSp>
-        <p:nvCxnSpPr>
-          <p:cNvPr id="145" name="Elbow Connector 144">
-            <a:extLst>
-              <a:ext uri="{FF2B5EF4-FFF2-40B4-BE49-F238E27FC236}">
-                <a16:creationId xmlns:a16="http://schemas.microsoft.com/office/drawing/2014/main" id="{07BC6E44-701B-B7E3-50D8-46A90644324E}"/>
-              </a:ext>
-            </a:extLst>
-          </p:cNvPr>
-          <p:cNvCxnSpPr>
-            <a:cxnSpLocks/>
-            <a:stCxn id="98" idx="2"/>
-            <a:endCxn id="98" idx="3"/>
-          </p:cNvCxnSpPr>
-          <p:nvPr/>
-        </p:nvCxnSpPr>
-        <p:spPr>
-          <a:xfrm rot="5400000" flipH="1" flipV="1">
-            <a:off x="10534561" y="5316175"/>
-            <a:ext cx="367862" cy="698938"/>
-          </a:xfrm>
-          <a:prstGeom prst="bentConnector4">
-            <a:avLst>
-              <a:gd name="adj1" fmla="val -62143"/>
-              <a:gd name="adj2" fmla="val 132707"/>
-            </a:avLst>
-          </a:prstGeom>
-          <a:ln w="19050">
-            <a:solidFill>
-              <a:schemeClr val="tx1"/>
-            </a:solidFill>
-            <a:tailEnd type="triangle"/>
-          </a:ln>
-        </p:spPr>
-        <p:style>
-          <a:lnRef idx="1">
-            <a:schemeClr val="accent1"/>
-          </a:lnRef>
-          <a:fillRef idx="0">
-            <a:schemeClr val="accent1"/>
-          </a:fillRef>
-          <a:effectRef idx="0">
-            <a:schemeClr val="accent1"/>
-          </a:effectRef>
-          <a:fontRef idx="minor">
-            <a:schemeClr val="tx1"/>
-          </a:fontRef>
-        </p:style>
-      </p:cxnSp>
-      <p:sp>
-        <p:nvSpPr>
-          <p:cNvPr id="148" name="TextBox 147">
-            <a:extLst>
-              <a:ext uri="{FF2B5EF4-FFF2-40B4-BE49-F238E27FC236}">
-                <a16:creationId xmlns:a16="http://schemas.microsoft.com/office/drawing/2014/main" id="{FB6809EC-B09C-7285-73A0-1D48CF082FF2}"/>
-              </a:ext>
-            </a:extLst>
-          </p:cNvPr>
-          <p:cNvSpPr txBox="1"/>
-          <p:nvPr/>
-        </p:nvSpPr>
-        <p:spPr>
-          <a:xfrm>
-            <a:off x="10680202" y="6094030"/>
-            <a:ext cx="735779" cy="276999"/>
-          </a:xfrm>
-          <a:prstGeom prst="rect">
-            <a:avLst/>
-          </a:prstGeom>
-          <a:solidFill>
-            <a:schemeClr val="bg1"/>
-          </a:solidFill>
-        </p:spPr>
-        <p:txBody>
-          <a:bodyPr wrap="none" rtlCol="0">
-            <a:spAutoFit/>
-          </a:bodyPr>
-          <a:lstStyle/>
-          <a:p>
-            <a:r>
-              <a:rPr lang="en-US" sz="1200" dirty="0" err="1"/>
-              <a:t>nextStep</a:t>
-            </a:r>
-            <a:endParaRPr lang="en-US" sz="1200" dirty="0"/>
-          </a:p>
-        </p:txBody>
-      </p:sp>
-      <p:cxnSp>
-        <p:nvCxnSpPr>
-          <p:cNvPr id="168" name="Straight Arrow Connector 167">
-            <a:extLst>
-              <a:ext uri="{FF2B5EF4-FFF2-40B4-BE49-F238E27FC236}">
-                <a16:creationId xmlns:a16="http://schemas.microsoft.com/office/drawing/2014/main" id="{72E4C2EE-A28A-36DF-F340-F442F6E25DFC}"/>
-              </a:ext>
-            </a:extLst>
-          </p:cNvPr>
-          <p:cNvCxnSpPr>
-            <a:cxnSpLocks/>
-            <a:stCxn id="87" idx="1"/>
-            <a:endCxn id="24" idx="3"/>
-          </p:cNvCxnSpPr>
-          <p:nvPr/>
-        </p:nvCxnSpPr>
-        <p:spPr>
-          <a:xfrm flipH="1">
-            <a:off x="3716516" y="5481713"/>
-            <a:ext cx="595978" cy="0"/>
-          </a:xfrm>
-          <a:prstGeom prst="straightConnector1">
-            <a:avLst/>
-          </a:prstGeom>
-          <a:ln w="19050">
-            <a:solidFill>
-              <a:schemeClr val="accent1">
-                <a:lumMod val="75000"/>
-              </a:schemeClr>
-            </a:solidFill>
-            <a:tailEnd type="triangle"/>
-          </a:ln>
-        </p:spPr>
-        <p:style>
-          <a:lnRef idx="1">
-            <a:schemeClr val="accent1"/>
-          </a:lnRef>
-          <a:fillRef idx="0">
-            <a:schemeClr val="accent1"/>
-          </a:fillRef>
-          <a:effectRef idx="0">
-            <a:schemeClr val="accent1"/>
-          </a:effectRef>
-          <a:fontRef idx="minor">
-            <a:schemeClr val="tx1"/>
-          </a:fontRef>
-        </p:style>
-      </p:cxnSp>
-      <p:cxnSp>
-        <p:nvCxnSpPr>
-          <p:cNvPr id="171" name="Straight Arrow Connector 170">
-            <a:extLst>
-              <a:ext uri="{FF2B5EF4-FFF2-40B4-BE49-F238E27FC236}">
-                <a16:creationId xmlns:a16="http://schemas.microsoft.com/office/drawing/2014/main" id="{2A52BFC8-7290-CD2D-0F5A-7C20B9789D5B}"/>
-              </a:ext>
-            </a:extLst>
-          </p:cNvPr>
-          <p:cNvCxnSpPr>
-            <a:cxnSpLocks/>
-            <a:stCxn id="16" idx="1"/>
-            <a:endCxn id="87" idx="3"/>
-          </p:cNvCxnSpPr>
-          <p:nvPr/>
-        </p:nvCxnSpPr>
-        <p:spPr>
-          <a:xfrm flipH="1">
-            <a:off x="6210743" y="5481713"/>
-            <a:ext cx="1243737" cy="0"/>
-          </a:xfrm>
-          <a:prstGeom prst="straightConnector1">
-            <a:avLst/>
-          </a:prstGeom>
-          <a:ln w="19050">
-            <a:solidFill>
-              <a:schemeClr val="accent1">
-                <a:lumMod val="75000"/>
-              </a:schemeClr>
-            </a:solidFill>
-            <a:tailEnd type="triangle"/>
-          </a:ln>
-        </p:spPr>
-        <p:style>
-          <a:lnRef idx="1">
-            <a:schemeClr val="accent1"/>
-          </a:lnRef>
-          <a:fillRef idx="0">
-            <a:schemeClr val="accent1"/>
-          </a:fillRef>
-          <a:effectRef idx="0">
-            <a:schemeClr val="accent1"/>
-          </a:effectRef>
-          <a:fontRef idx="minor">
-            <a:schemeClr val="tx1"/>
-          </a:fontRef>
-        </p:style>
-      </p:cxnSp>
-      <p:sp>
-        <p:nvSpPr>
-          <p:cNvPr id="175" name="TextBox 174">
-            <a:extLst>
-              <a:ext uri="{FF2B5EF4-FFF2-40B4-BE49-F238E27FC236}">
-                <a16:creationId xmlns:a16="http://schemas.microsoft.com/office/drawing/2014/main" id="{E565F3EA-B2F6-C340-75AC-8FD2FF99AAD9}"/>
-              </a:ext>
-            </a:extLst>
-          </p:cNvPr>
-          <p:cNvSpPr txBox="1"/>
-          <p:nvPr/>
-        </p:nvSpPr>
-        <p:spPr>
-          <a:xfrm>
-            <a:off x="6615363" y="5527315"/>
-            <a:ext cx="729110" cy="276999"/>
-          </a:xfrm>
-          <a:prstGeom prst="rect">
-            <a:avLst/>
-          </a:prstGeom>
-          <a:solidFill>
-            <a:schemeClr val="bg1"/>
-          </a:solidFill>
-        </p:spPr>
-        <p:txBody>
-          <a:bodyPr wrap="none" rtlCol="0">
-            <a:spAutoFit/>
-          </a:bodyPr>
-          <a:lstStyle/>
-          <a:p>
-            <a:r>
-              <a:rPr lang="en-US" sz="1200" dirty="0"/>
-              <a:t>confirms</a:t>
-            </a:r>
-          </a:p>
-        </p:txBody>
-      </p:sp>
-      <p:sp>
-        <p:nvSpPr>
-          <p:cNvPr id="182" name="TextBox 181">
-            <a:extLst>
-              <a:ext uri="{FF2B5EF4-FFF2-40B4-BE49-F238E27FC236}">
-                <a16:creationId xmlns:a16="http://schemas.microsoft.com/office/drawing/2014/main" id="{0CB04DDF-36B2-8E78-695B-592653DFA804}"/>
-              </a:ext>
-            </a:extLst>
-          </p:cNvPr>
-          <p:cNvSpPr txBox="1"/>
-          <p:nvPr/>
-        </p:nvSpPr>
-        <p:spPr>
-          <a:xfrm>
-            <a:off x="3088521" y="4638774"/>
-            <a:ext cx="1363599" cy="276999"/>
-          </a:xfrm>
-          <a:prstGeom prst="rect">
-            <a:avLst/>
-          </a:prstGeom>
-          <a:noFill/>
-        </p:spPr>
-        <p:txBody>
-          <a:bodyPr wrap="none" rtlCol="0">
-            <a:spAutoFit/>
-          </a:bodyPr>
-          <a:lstStyle/>
-          <a:p>
-            <a:r>
-              <a:rPr lang="en-US" sz="1200" dirty="0" err="1">
-                <a:solidFill>
-                  <a:srgbClr val="0070C0"/>
-                </a:solidFill>
-              </a:rPr>
-              <a:t>wasGeneratedBy</a:t>
-            </a:r>
-            <a:endParaRPr lang="en-US" sz="1200" dirty="0">
-              <a:solidFill>
-                <a:srgbClr val="0070C0"/>
-              </a:solidFill>
-            </a:endParaRPr>
-          </a:p>
-        </p:txBody>
-      </p:sp>
-      <p:cxnSp>
-        <p:nvCxnSpPr>
-          <p:cNvPr id="183" name="Elbow Connector 182">
-            <a:extLst>
-              <a:ext uri="{FF2B5EF4-FFF2-40B4-BE49-F238E27FC236}">
-                <a16:creationId xmlns:a16="http://schemas.microsoft.com/office/drawing/2014/main" id="{0747BE68-B5F0-4B82-5F73-6D38742063C0}"/>
-              </a:ext>
-            </a:extLst>
-          </p:cNvPr>
-          <p:cNvCxnSpPr>
-            <a:cxnSpLocks/>
-            <a:stCxn id="23" idx="1"/>
-            <a:endCxn id="11" idx="3"/>
-          </p:cNvCxnSpPr>
-          <p:nvPr/>
-        </p:nvCxnSpPr>
-        <p:spPr>
-          <a:xfrm rot="10800000">
-            <a:off x="1831244" y="3374571"/>
-            <a:ext cx="347609" cy="847503"/>
-          </a:xfrm>
-          <a:prstGeom prst="bentConnector3">
-            <a:avLst>
-              <a:gd name="adj1" fmla="val 50000"/>
-            </a:avLst>
-          </a:prstGeom>
-          <a:ln w="19050">
-            <a:solidFill>
-              <a:srgbClr val="C00000"/>
-            </a:solidFill>
-            <a:tailEnd type="triangle"/>
-          </a:ln>
-        </p:spPr>
-        <p:style>
-          <a:lnRef idx="1">
-            <a:schemeClr val="accent1"/>
-          </a:lnRef>
-          <a:fillRef idx="0">
-            <a:schemeClr val="accent1"/>
-          </a:fillRef>
-          <a:effectRef idx="0">
-            <a:schemeClr val="accent1"/>
-          </a:effectRef>
-          <a:fontRef idx="minor">
-            <a:schemeClr val="tx1"/>
-          </a:fontRef>
-        </p:style>
-      </p:cxnSp>
-      <p:sp>
-        <p:nvSpPr>
-          <p:cNvPr id="189" name="TextBox 188">
-            <a:extLst>
-              <a:ext uri="{FF2B5EF4-FFF2-40B4-BE49-F238E27FC236}">
-                <a16:creationId xmlns:a16="http://schemas.microsoft.com/office/drawing/2014/main" id="{C8FD72D4-C42B-CB30-40B9-0539FB1078C6}"/>
-              </a:ext>
-            </a:extLst>
-          </p:cNvPr>
-          <p:cNvSpPr txBox="1"/>
-          <p:nvPr/>
-        </p:nvSpPr>
-        <p:spPr>
-          <a:xfrm>
-            <a:off x="10293867" y="3091922"/>
-            <a:ext cx="1304844" cy="338554"/>
-          </a:xfrm>
-          <a:prstGeom prst="rect">
-            <a:avLst/>
-          </a:prstGeom>
-          <a:noFill/>
-          <a:ln>
-            <a:noFill/>
-          </a:ln>
-        </p:spPr>
-        <p:txBody>
-          <a:bodyPr wrap="none" rtlCol="0">
-            <a:spAutoFit/>
-          </a:bodyPr>
-          <a:lstStyle/>
-          <a:p>
-            <a:r>
-              <a:rPr lang="en-US" sz="1600" b="1" dirty="0"/>
-              <a:t>Objective 5.4</a:t>
-            </a:r>
-          </a:p>
-        </p:txBody>
-      </p:sp>
-      <p:sp>
-        <p:nvSpPr>
-          <p:cNvPr id="190" name="Rounded Rectangle 189">
-            <a:extLst>
-              <a:ext uri="{FF2B5EF4-FFF2-40B4-BE49-F238E27FC236}">
-                <a16:creationId xmlns:a16="http://schemas.microsoft.com/office/drawing/2014/main" id="{95819C79-84CA-3C1B-AF1E-43EE644CD5B8}"/>
-              </a:ext>
-            </a:extLst>
-          </p:cNvPr>
-          <p:cNvSpPr/>
-          <p:nvPr/>
-        </p:nvSpPr>
-        <p:spPr>
-          <a:xfrm>
-            <a:off x="231559" y="751113"/>
-            <a:ext cx="1737672" cy="3293315"/>
+            <a:off x="4215290" y="2795732"/>
+            <a:ext cx="2196421" cy="3791934"/>
           </a:xfrm>
           <a:prstGeom prst="roundRect">
             <a:avLst/>
@@ -5468,10 +8237,10 @@
       </p:sp>
       <p:sp>
         <p:nvSpPr>
-          <p:cNvPr id="191" name="TextBox 190">
-            <a:extLst>
-              <a:ext uri="{FF2B5EF4-FFF2-40B4-BE49-F238E27FC236}">
-                <a16:creationId xmlns:a16="http://schemas.microsoft.com/office/drawing/2014/main" id="{71146160-9659-1249-BF08-7C4C6C8EC58F}"/>
+          <p:cNvPr id="34" name="TextBox 33">
+            <a:extLst>
+              <a:ext uri="{FF2B5EF4-FFF2-40B4-BE49-F238E27FC236}">
+                <a16:creationId xmlns:a16="http://schemas.microsoft.com/office/drawing/2014/main" id="{C04EA949-640C-1C9D-EC5A-5FB82820EC85}"/>
               </a:ext>
             </a:extLst>
           </p:cNvPr>
@@ -5480,8 +8249,8 @@
         </p:nvSpPr>
         <p:spPr>
           <a:xfrm>
-            <a:off x="415124" y="850534"/>
-            <a:ext cx="1304844" cy="338554"/>
+            <a:off x="4358888" y="6083633"/>
+            <a:ext cx="1886735" cy="338554"/>
           </a:xfrm>
           <a:prstGeom prst="rect">
             <a:avLst/>
@@ -5499,17 +8268,17 @@
           <a:p>
             <a:r>
               <a:rPr lang="en-US" sz="1600" b="1" dirty="0"/>
-              <a:t>Objective 1.1</a:t>
-            </a:r>
-          </a:p>
-        </p:txBody>
-      </p:sp>
-      <p:sp>
-        <p:nvSpPr>
-          <p:cNvPr id="193" name="Rounded Rectangle 192">
-            <a:extLst>
-              <a:ext uri="{FF2B5EF4-FFF2-40B4-BE49-F238E27FC236}">
-                <a16:creationId xmlns:a16="http://schemas.microsoft.com/office/drawing/2014/main" id="{215EBCB7-77B5-CA5C-1216-EACBF214BD98}"/>
+              <a:t>Objectives 3.2 &amp; 3.3</a:t>
+            </a:r>
+          </a:p>
+        </p:txBody>
+      </p:sp>
+      <p:sp>
+        <p:nvSpPr>
+          <p:cNvPr id="35" name="Rounded Rectangle 34">
+            <a:extLst>
+              <a:ext uri="{FF2B5EF4-FFF2-40B4-BE49-F238E27FC236}">
+                <a16:creationId xmlns:a16="http://schemas.microsoft.com/office/drawing/2014/main" id="{98CA8EA8-F117-B818-A13E-66E56A85166B}"/>
               </a:ext>
             </a:extLst>
           </p:cNvPr>
@@ -5518,15 +8287,21 @@
         </p:nvSpPr>
         <p:spPr>
           <a:xfrm>
-            <a:off x="1390520" y="5838687"/>
-            <a:ext cx="120378" cy="131058"/>
+            <a:off x="7012916" y="2795732"/>
+            <a:ext cx="2435424" cy="3791935"/>
           </a:xfrm>
           <a:prstGeom prst="roundRect">
             <a:avLst/>
           </a:prstGeom>
-          <a:solidFill>
-            <a:schemeClr val="tx2"/>
-          </a:solidFill>
+          <a:noFill/>
+          <a:ln w="25400">
+            <a:solidFill>
+              <a:schemeClr val="bg1">
+                <a:lumMod val="50000"/>
+              </a:schemeClr>
+            </a:solidFill>
+            <a:prstDash val="dash"/>
+          </a:ln>
         </p:spPr>
         <p:style>
           <a:lnRef idx="2">
@@ -5549,16 +8324,54 @@
           <a:lstStyle/>
           <a:p>
             <a:pPr algn="ctr"/>
-            <a:endParaRPr lang="en-US" dirty="0"/>
-          </a:p>
-        </p:txBody>
-      </p:sp>
-      <p:sp>
-        <p:nvSpPr>
-          <p:cNvPr id="194" name="Rounded Rectangle 193">
-            <a:extLst>
-              <a:ext uri="{FF2B5EF4-FFF2-40B4-BE49-F238E27FC236}">
-                <a16:creationId xmlns:a16="http://schemas.microsoft.com/office/drawing/2014/main" id="{086D070C-FCB5-71FE-C775-C97407EABFE1}"/>
+            <a:endParaRPr lang="en-US"/>
+          </a:p>
+        </p:txBody>
+      </p:sp>
+      <p:sp>
+        <p:nvSpPr>
+          <p:cNvPr id="36" name="TextBox 35">
+            <a:extLst>
+              <a:ext uri="{FF2B5EF4-FFF2-40B4-BE49-F238E27FC236}">
+                <a16:creationId xmlns:a16="http://schemas.microsoft.com/office/drawing/2014/main" id="{2E646B0C-2E30-5B26-9C6D-CB4CB7FD4D52}"/>
+              </a:ext>
+            </a:extLst>
+          </p:cNvPr>
+          <p:cNvSpPr txBox="1"/>
+          <p:nvPr/>
+        </p:nvSpPr>
+        <p:spPr>
+          <a:xfrm>
+            <a:off x="7276260" y="6083634"/>
+            <a:ext cx="1886735" cy="338554"/>
+          </a:xfrm>
+          <a:prstGeom prst="rect">
+            <a:avLst/>
+          </a:prstGeom>
+          <a:noFill/>
+          <a:ln>
+            <a:noFill/>
+          </a:ln>
+        </p:spPr>
+        <p:txBody>
+          <a:bodyPr wrap="none" rtlCol="0">
+            <a:spAutoFit/>
+          </a:bodyPr>
+          <a:lstStyle/>
+          <a:p>
+            <a:r>
+              <a:rPr lang="en-US" sz="1600" b="1" dirty="0"/>
+              <a:t>Objectives 3.5 &amp; 3.6</a:t>
+            </a:r>
+          </a:p>
+        </p:txBody>
+      </p:sp>
+      <p:sp>
+        <p:nvSpPr>
+          <p:cNvPr id="37" name="Rounded Rectangle 36">
+            <a:extLst>
+              <a:ext uri="{FF2B5EF4-FFF2-40B4-BE49-F238E27FC236}">
+                <a16:creationId xmlns:a16="http://schemas.microsoft.com/office/drawing/2014/main" id="{6456ACD7-3B29-16D9-A90E-04085272B93E}"/>
               </a:ext>
             </a:extLst>
           </p:cNvPr>
@@ -5567,15 +8380,21 @@
         </p:nvSpPr>
         <p:spPr>
           <a:xfrm>
-            <a:off x="1390520" y="5264466"/>
-            <a:ext cx="120378" cy="131058"/>
+            <a:off x="9604388" y="2754004"/>
+            <a:ext cx="1847568" cy="3791934"/>
           </a:xfrm>
           <a:prstGeom prst="roundRect">
             <a:avLst/>
           </a:prstGeom>
-          <a:solidFill>
-            <a:schemeClr val="accent1"/>
-          </a:solidFill>
+          <a:noFill/>
+          <a:ln w="25400">
+            <a:solidFill>
+              <a:schemeClr val="bg1">
+                <a:lumMod val="50000"/>
+              </a:schemeClr>
+            </a:solidFill>
+            <a:prstDash val="dash"/>
+          </a:ln>
         </p:spPr>
         <p:style>
           <a:lnRef idx="2">
@@ -5598,16 +8417,16 @@
           <a:lstStyle/>
           <a:p>
             <a:pPr algn="ctr"/>
-            <a:endParaRPr lang="en-US" dirty="0"/>
-          </a:p>
-        </p:txBody>
-      </p:sp>
-      <p:sp>
-        <p:nvSpPr>
-          <p:cNvPr id="195" name="TextBox 194">
-            <a:extLst>
-              <a:ext uri="{FF2B5EF4-FFF2-40B4-BE49-F238E27FC236}">
-                <a16:creationId xmlns:a16="http://schemas.microsoft.com/office/drawing/2014/main" id="{F567F5D7-0A82-8A80-F33C-250B965DB0B3}"/>
+            <a:endParaRPr lang="en-US"/>
+          </a:p>
+        </p:txBody>
+      </p:sp>
+      <p:sp>
+        <p:nvSpPr>
+          <p:cNvPr id="38" name="TextBox 37">
+            <a:extLst>
+              <a:ext uri="{FF2B5EF4-FFF2-40B4-BE49-F238E27FC236}">
+                <a16:creationId xmlns:a16="http://schemas.microsoft.com/office/drawing/2014/main" id="{42CC9B64-964E-9AF5-0B54-B0978E5D99BD}"/>
               </a:ext>
             </a:extLst>
           </p:cNvPr>
@@ -5616,8 +8435,8 @@
         </p:nvSpPr>
         <p:spPr>
           <a:xfrm>
-            <a:off x="321459" y="5057286"/>
-            <a:ext cx="1024342" cy="523220"/>
+            <a:off x="9835071" y="6041905"/>
+            <a:ext cx="1304844" cy="338554"/>
           </a:xfrm>
           <a:prstGeom prst="rect">
             <a:avLst/>
@@ -5628,121 +8447,24 @@
           </a:ln>
         </p:spPr>
         <p:txBody>
-          <a:bodyPr wrap="square" rtlCol="0">
+          <a:bodyPr wrap="none" rtlCol="0">
             <a:spAutoFit/>
           </a:bodyPr>
           <a:lstStyle/>
           <a:p>
             <a:r>
-              <a:rPr lang="en-US" sz="1400" b="1" dirty="0"/>
-              <a:t>ARP-4754A</a:t>
-            </a:r>
-          </a:p>
-          <a:p>
-            <a:r>
-              <a:rPr lang="en-US" sz="1400" b="1" dirty="0"/>
-              <a:t>ontology</a:t>
-            </a:r>
-          </a:p>
-        </p:txBody>
-      </p:sp>
-      <p:sp>
-        <p:nvSpPr>
-          <p:cNvPr id="196" name="TextBox 195">
-            <a:extLst>
-              <a:ext uri="{FF2B5EF4-FFF2-40B4-BE49-F238E27FC236}">
-                <a16:creationId xmlns:a16="http://schemas.microsoft.com/office/drawing/2014/main" id="{55467EB9-6EBB-A5B2-117F-84727063175C}"/>
-              </a:ext>
-            </a:extLst>
-          </p:cNvPr>
-          <p:cNvSpPr txBox="1"/>
-          <p:nvPr/>
-        </p:nvSpPr>
-        <p:spPr>
-          <a:xfrm>
-            <a:off x="376782" y="5653492"/>
-            <a:ext cx="936389" cy="523220"/>
-          </a:xfrm>
-          <a:prstGeom prst="rect">
-            <a:avLst/>
-          </a:prstGeom>
-          <a:noFill/>
-          <a:ln>
-            <a:noFill/>
-          </a:ln>
-        </p:spPr>
-        <p:txBody>
-          <a:bodyPr wrap="square" rtlCol="0">
-            <a:spAutoFit/>
-          </a:bodyPr>
-          <a:lstStyle/>
-          <a:p>
-            <a:r>
-              <a:rPr lang="en-US" sz="1400" b="1" dirty="0"/>
-              <a:t>RACK</a:t>
-            </a:r>
-          </a:p>
-          <a:p>
-            <a:r>
-              <a:rPr lang="en-US" sz="1400" b="1" dirty="0"/>
-              <a:t>ontology</a:t>
-            </a:r>
-          </a:p>
-        </p:txBody>
-      </p:sp>
-      <p:cxnSp>
-        <p:nvCxnSpPr>
-          <p:cNvPr id="198" name="Elbow Connector 197">
-            <a:extLst>
-              <a:ext uri="{FF2B5EF4-FFF2-40B4-BE49-F238E27FC236}">
-                <a16:creationId xmlns:a16="http://schemas.microsoft.com/office/drawing/2014/main" id="{8CA44BF8-F123-6C1C-1708-AF117653A6CB}"/>
-              </a:ext>
-            </a:extLst>
-          </p:cNvPr>
-          <p:cNvCxnSpPr>
-            <a:cxnSpLocks/>
-            <a:stCxn id="4" idx="2"/>
-          </p:cNvCxnSpPr>
-          <p:nvPr/>
-        </p:nvCxnSpPr>
-        <p:spPr>
-          <a:xfrm rot="5400000">
-            <a:off x="4489411" y="2285912"/>
-            <a:ext cx="2772780" cy="378849"/>
-          </a:xfrm>
-          <a:prstGeom prst="bentConnector3">
-            <a:avLst>
-              <a:gd name="adj1" fmla="val 50000"/>
-            </a:avLst>
-          </a:prstGeom>
-          <a:ln w="19050">
-            <a:solidFill>
-              <a:schemeClr val="tx1"/>
-            </a:solidFill>
-            <a:tailEnd type="triangle"/>
-          </a:ln>
-        </p:spPr>
-        <p:style>
-          <a:lnRef idx="1">
-            <a:schemeClr val="accent1"/>
-          </a:lnRef>
-          <a:fillRef idx="0">
-            <a:schemeClr val="accent1"/>
-          </a:fillRef>
-          <a:effectRef idx="0">
-            <a:schemeClr val="accent1"/>
-          </a:effectRef>
-          <a:fontRef idx="minor">
-            <a:schemeClr val="tx1"/>
-          </a:fontRef>
-        </p:style>
-      </p:cxnSp>
-      <p:sp>
-        <p:nvSpPr>
-          <p:cNvPr id="201" name="Rounded Rectangle 200">
-            <a:extLst>
-              <a:ext uri="{FF2B5EF4-FFF2-40B4-BE49-F238E27FC236}">
-                <a16:creationId xmlns:a16="http://schemas.microsoft.com/office/drawing/2014/main" id="{954FE048-DA04-F52E-B93A-ABA0DCF337CB}"/>
+              <a:rPr lang="en-US" sz="1600" b="1" dirty="0"/>
+              <a:t>Objective 3.7</a:t>
+            </a:r>
+          </a:p>
+        </p:txBody>
+      </p:sp>
+      <p:sp>
+        <p:nvSpPr>
+          <p:cNvPr id="23" name="Rounded Rectangle 22">
+            <a:extLst>
+              <a:ext uri="{FF2B5EF4-FFF2-40B4-BE49-F238E27FC236}">
+                <a16:creationId xmlns:a16="http://schemas.microsoft.com/office/drawing/2014/main" id="{D1914E7B-706B-E3C5-1097-7F156FF6EF35}"/>
               </a:ext>
             </a:extLst>
           </p:cNvPr>
@@ -5751,8 +8473,8 @@
         </p:nvSpPr>
         <p:spPr>
           <a:xfrm>
-            <a:off x="8955791" y="2103716"/>
-            <a:ext cx="1397876" cy="735724"/>
+            <a:off x="2178852" y="3854211"/>
+            <a:ext cx="1537664" cy="735724"/>
           </a:xfrm>
           <a:prstGeom prst="roundRect">
             <a:avLst/>
@@ -5784,34 +8506,362 @@
             <a:pPr algn="ctr"/>
             <a:r>
               <a:rPr lang="en-US" sz="1200" dirty="0"/>
-              <a:t>REVIEW</a:t>
-            </a:r>
+              <a:t>HAZARD IDENTIFICATION</a:t>
+            </a:r>
+          </a:p>
+        </p:txBody>
+      </p:sp>
+      <p:sp>
+        <p:nvSpPr>
+          <p:cNvPr id="17" name="TextBox 16">
+            <a:extLst>
+              <a:ext uri="{FF2B5EF4-FFF2-40B4-BE49-F238E27FC236}">
+                <a16:creationId xmlns:a16="http://schemas.microsoft.com/office/drawing/2014/main" id="{A4796CDE-8631-6BE3-2B1D-2AD719D992E1}"/>
+              </a:ext>
+            </a:extLst>
+          </p:cNvPr>
+          <p:cNvSpPr txBox="1"/>
+          <p:nvPr/>
+        </p:nvSpPr>
+        <p:spPr>
+          <a:xfrm>
+            <a:off x="6239496" y="4710032"/>
+            <a:ext cx="915195" cy="276999"/>
+          </a:xfrm>
+          <a:prstGeom prst="rect">
+            <a:avLst/>
+          </a:prstGeom>
+          <a:solidFill>
+            <a:schemeClr val="bg1"/>
+          </a:solidFill>
+        </p:spPr>
+        <p:txBody>
+          <a:bodyPr wrap="square" rtlCol="0">
+            <a:spAutoFit/>
+          </a:bodyPr>
+          <a:lstStyle/>
+          <a:p>
+            <a:pPr algn="ctr"/>
+            <a:r>
+              <a:rPr lang="en-US" sz="1200" dirty="0" err="1">
+                <a:solidFill>
+                  <a:schemeClr val="accent1"/>
+                </a:solidFill>
+              </a:rPr>
+              <a:t>governedBy</a:t>
+            </a:r>
+            <a:endParaRPr lang="en-US" sz="1200" dirty="0">
+              <a:solidFill>
+                <a:schemeClr val="accent1"/>
+              </a:solidFill>
+            </a:endParaRPr>
+          </a:p>
+        </p:txBody>
+      </p:sp>
+      <p:sp>
+        <p:nvSpPr>
+          <p:cNvPr id="29" name="TextBox 28">
+            <a:extLst>
+              <a:ext uri="{FF2B5EF4-FFF2-40B4-BE49-F238E27FC236}">
+                <a16:creationId xmlns:a16="http://schemas.microsoft.com/office/drawing/2014/main" id="{DD0A95B4-C2A4-214F-3012-A0FB0F874AB3}"/>
+              </a:ext>
+            </a:extLst>
+          </p:cNvPr>
+          <p:cNvSpPr txBox="1"/>
+          <p:nvPr/>
+        </p:nvSpPr>
+        <p:spPr>
+          <a:xfrm>
+            <a:off x="8843558" y="4710032"/>
+            <a:ext cx="940715" cy="276999"/>
+          </a:xfrm>
+          <a:prstGeom prst="rect">
+            <a:avLst/>
+          </a:prstGeom>
+          <a:solidFill>
+            <a:schemeClr val="bg1"/>
+          </a:solidFill>
+        </p:spPr>
+        <p:txBody>
+          <a:bodyPr wrap="square" rtlCol="0">
+            <a:spAutoFit/>
+          </a:bodyPr>
+          <a:lstStyle/>
+          <a:p>
+            <a:pPr algn="ctr"/>
+            <a:r>
+              <a:rPr lang="en-US" sz="1200" dirty="0" err="1"/>
+              <a:t>governedBy</a:t>
+            </a:r>
+            <a:endParaRPr lang="en-US" sz="1200" dirty="0"/>
+          </a:p>
+        </p:txBody>
+      </p:sp>
+      <p:sp>
+        <p:nvSpPr>
+          <p:cNvPr id="12" name="TextBox 11">
+            <a:extLst>
+              <a:ext uri="{FF2B5EF4-FFF2-40B4-BE49-F238E27FC236}">
+                <a16:creationId xmlns:a16="http://schemas.microsoft.com/office/drawing/2014/main" id="{F7114877-E3F8-7047-54EE-E7A144981C8D}"/>
+              </a:ext>
+            </a:extLst>
+          </p:cNvPr>
+          <p:cNvSpPr txBox="1"/>
+          <p:nvPr/>
+        </p:nvSpPr>
+        <p:spPr>
+          <a:xfrm>
+            <a:off x="3538077" y="4710032"/>
+            <a:ext cx="922177" cy="276999"/>
+          </a:xfrm>
+          <a:prstGeom prst="rect">
+            <a:avLst/>
+          </a:prstGeom>
+          <a:solidFill>
+            <a:schemeClr val="bg1"/>
+          </a:solidFill>
+        </p:spPr>
+        <p:txBody>
+          <a:bodyPr wrap="none" rtlCol="0">
+            <a:spAutoFit/>
+          </a:bodyPr>
+          <a:lstStyle/>
+          <a:p>
+            <a:pPr algn="ctr"/>
+            <a:r>
+              <a:rPr lang="en-US" sz="1200" dirty="0" err="1">
+                <a:solidFill>
+                  <a:schemeClr val="accent1"/>
+                </a:solidFill>
+              </a:rPr>
+              <a:t>governedBy</a:t>
+            </a:r>
+            <a:endParaRPr lang="en-US" sz="1200" dirty="0">
+              <a:solidFill>
+                <a:schemeClr val="accent1"/>
+              </a:solidFill>
+            </a:endParaRPr>
+          </a:p>
+        </p:txBody>
+      </p:sp>
+      <p:sp>
+        <p:nvSpPr>
+          <p:cNvPr id="79" name="TextBox 78">
+            <a:extLst>
+              <a:ext uri="{FF2B5EF4-FFF2-40B4-BE49-F238E27FC236}">
+                <a16:creationId xmlns:a16="http://schemas.microsoft.com/office/drawing/2014/main" id="{7AA79D54-5DA2-41E6-DA52-5F8B22C07990}"/>
+              </a:ext>
+            </a:extLst>
+          </p:cNvPr>
+          <p:cNvSpPr txBox="1"/>
+          <p:nvPr/>
+        </p:nvSpPr>
+        <p:spPr>
+          <a:xfrm>
+            <a:off x="4650102" y="3449429"/>
+            <a:ext cx="922176" cy="276999"/>
+          </a:xfrm>
+          <a:prstGeom prst="rect">
+            <a:avLst/>
+          </a:prstGeom>
+          <a:solidFill>
+            <a:schemeClr val="bg1"/>
+          </a:solidFill>
+        </p:spPr>
+        <p:txBody>
+          <a:bodyPr wrap="none" rtlCol="0">
+            <a:spAutoFit/>
+          </a:bodyPr>
+          <a:lstStyle/>
+          <a:p>
+            <a:r>
+              <a:rPr lang="en-US" sz="1200" dirty="0" err="1">
+                <a:solidFill>
+                  <a:schemeClr val="accent1">
+                    <a:lumMod val="75000"/>
+                  </a:schemeClr>
+                </a:solidFill>
+              </a:rPr>
+              <a:t>governedBy</a:t>
+            </a:r>
+            <a:endParaRPr lang="en-US" sz="1200" dirty="0">
+              <a:solidFill>
+                <a:schemeClr val="accent1">
+                  <a:lumMod val="75000"/>
+                </a:schemeClr>
+              </a:solidFill>
+            </a:endParaRPr>
+          </a:p>
+        </p:txBody>
+      </p:sp>
+      <p:sp>
+        <p:nvSpPr>
+          <p:cNvPr id="3" name="TextBox 2">
+            <a:extLst>
+              <a:ext uri="{FF2B5EF4-FFF2-40B4-BE49-F238E27FC236}">
+                <a16:creationId xmlns:a16="http://schemas.microsoft.com/office/drawing/2014/main" id="{977FF1E8-ABD7-93A7-02C3-E79145CDFC48}"/>
+              </a:ext>
+            </a:extLst>
+          </p:cNvPr>
+          <p:cNvSpPr txBox="1"/>
+          <p:nvPr/>
+        </p:nvSpPr>
+        <p:spPr>
+          <a:xfrm>
+            <a:off x="7838404" y="3463308"/>
+            <a:ext cx="922176" cy="276999"/>
+          </a:xfrm>
+          <a:prstGeom prst="rect">
+            <a:avLst/>
+          </a:prstGeom>
+          <a:solidFill>
+            <a:schemeClr val="bg1"/>
+          </a:solidFill>
+        </p:spPr>
+        <p:txBody>
+          <a:bodyPr wrap="none" rtlCol="0">
+            <a:spAutoFit/>
+          </a:bodyPr>
+          <a:lstStyle/>
+          <a:p>
+            <a:r>
+              <a:rPr lang="en-US" sz="1200" dirty="0" err="1">
+                <a:solidFill>
+                  <a:schemeClr val="accent1">
+                    <a:lumMod val="75000"/>
+                  </a:schemeClr>
+                </a:solidFill>
+              </a:rPr>
+              <a:t>governedBy</a:t>
+            </a:r>
+            <a:endParaRPr lang="en-US" sz="1200" dirty="0">
+              <a:solidFill>
+                <a:schemeClr val="accent1">
+                  <a:lumMod val="75000"/>
+                </a:schemeClr>
+              </a:solidFill>
+            </a:endParaRPr>
           </a:p>
         </p:txBody>
       </p:sp>
       <p:cxnSp>
         <p:nvCxnSpPr>
-          <p:cNvPr id="202" name="Elbow Connector 201">
-            <a:extLst>
-              <a:ext uri="{FF2B5EF4-FFF2-40B4-BE49-F238E27FC236}">
-                <a16:creationId xmlns:a16="http://schemas.microsoft.com/office/drawing/2014/main" id="{B0F8A167-6D94-F267-DEAE-D209D55DC47E}"/>
+          <p:cNvPr id="8" name="Elbow Connector 7">
+            <a:extLst>
+              <a:ext uri="{FF2B5EF4-FFF2-40B4-BE49-F238E27FC236}">
+                <a16:creationId xmlns:a16="http://schemas.microsoft.com/office/drawing/2014/main" id="{495D7822-0597-7195-5C8C-610BDDDC0D63}"/>
+              </a:ext>
+            </a:extLst>
+          </p:cNvPr>
+          <p:cNvCxnSpPr>
+            <a:cxnSpLocks/>
+            <a:stCxn id="5" idx="3"/>
+            <a:endCxn id="4" idx="1"/>
+          </p:cNvCxnSpPr>
+          <p:nvPr/>
+        </p:nvCxnSpPr>
+        <p:spPr>
+          <a:xfrm flipV="1">
+            <a:off x="1778692" y="721084"/>
+            <a:ext cx="3587595" cy="1293523"/>
+          </a:xfrm>
+          <a:prstGeom prst="bentConnector3">
+            <a:avLst>
+              <a:gd name="adj1" fmla="val 50000"/>
+            </a:avLst>
+          </a:prstGeom>
+          <a:ln w="22225">
+            <a:solidFill>
+              <a:schemeClr val="accent1">
+                <a:lumMod val="75000"/>
+              </a:schemeClr>
+            </a:solidFill>
+            <a:tailEnd type="triangle"/>
+          </a:ln>
+        </p:spPr>
+        <p:style>
+          <a:lnRef idx="1">
+            <a:schemeClr val="accent1"/>
+          </a:lnRef>
+          <a:fillRef idx="0">
+            <a:schemeClr val="accent1"/>
+          </a:fillRef>
+          <a:effectRef idx="0">
+            <a:schemeClr val="accent1"/>
+          </a:effectRef>
+          <a:fontRef idx="minor">
+            <a:schemeClr val="tx1"/>
+          </a:fontRef>
+        </p:style>
+      </p:cxnSp>
+      <p:sp>
+        <p:nvSpPr>
+          <p:cNvPr id="21" name="TextBox 20">
+            <a:extLst>
+              <a:ext uri="{FF2B5EF4-FFF2-40B4-BE49-F238E27FC236}">
+                <a16:creationId xmlns:a16="http://schemas.microsoft.com/office/drawing/2014/main" id="{E0605E0C-FEA3-0DD9-58F5-916ABF1835C4}"/>
+              </a:ext>
+            </a:extLst>
+          </p:cNvPr>
+          <p:cNvSpPr txBox="1"/>
+          <p:nvPr/>
+        </p:nvSpPr>
+        <p:spPr>
+          <a:xfrm>
+            <a:off x="3255428" y="589906"/>
+            <a:ext cx="702821" cy="276999"/>
+          </a:xfrm>
+          <a:prstGeom prst="rect">
+            <a:avLst/>
+          </a:prstGeom>
+          <a:solidFill>
+            <a:schemeClr val="bg1"/>
+          </a:solidFill>
+        </p:spPr>
+        <p:txBody>
+          <a:bodyPr wrap="none" rtlCol="0">
+            <a:spAutoFit/>
+          </a:bodyPr>
+          <a:lstStyle/>
+          <a:p>
+            <a:r>
+              <a:rPr lang="en-US" sz="1200" dirty="0">
+                <a:solidFill>
+                  <a:schemeClr val="accent1">
+                    <a:lumMod val="75000"/>
+                  </a:schemeClr>
+                </a:solidFill>
+              </a:rPr>
+              <a:t>satisfies</a:t>
+            </a:r>
+          </a:p>
+        </p:txBody>
+      </p:sp>
+      <p:cxnSp>
+        <p:nvCxnSpPr>
+          <p:cNvPr id="30" name="Elbow Connector 29">
+            <a:extLst>
+              <a:ext uri="{FF2B5EF4-FFF2-40B4-BE49-F238E27FC236}">
+                <a16:creationId xmlns:a16="http://schemas.microsoft.com/office/drawing/2014/main" id="{69C1BE1A-BAB5-C1B6-6826-2F4C7C0B2E77}"/>
               </a:ext>
             </a:extLst>
           </p:cNvPr>
           <p:cNvCxnSpPr>
             <a:cxnSpLocks/>
             <a:stCxn id="4" idx="2"/>
-            <a:endCxn id="201" idx="1"/>
+            <a:endCxn id="97" idx="0"/>
           </p:cNvCxnSpPr>
           <p:nvPr/>
         </p:nvCxnSpPr>
         <p:spPr>
           <a:xfrm rot="16200000" flipH="1">
-            <a:off x="6819192" y="334979"/>
-            <a:ext cx="1382632" cy="2890566"/>
-          </a:xfrm>
-          <a:prstGeom prst="bentConnector2">
-            <a:avLst/>
+            <a:off x="6895564" y="258606"/>
+            <a:ext cx="2772780" cy="4433459"/>
+          </a:xfrm>
+          <a:prstGeom prst="bentConnector3">
+            <a:avLst>
+              <a:gd name="adj1" fmla="val 50000"/>
+            </a:avLst>
           </a:prstGeom>
           <a:ln w="19050">
             <a:solidFill>
@@ -5835,104 +8885,12 @@
           </a:fontRef>
         </p:style>
       </p:cxnSp>
-      <p:cxnSp>
-        <p:nvCxnSpPr>
-          <p:cNvPr id="205" name="Elbow Connector 204">
-            <a:extLst>
-              <a:ext uri="{FF2B5EF4-FFF2-40B4-BE49-F238E27FC236}">
-                <a16:creationId xmlns:a16="http://schemas.microsoft.com/office/drawing/2014/main" id="{0D047E0B-ACA8-BABE-9759-5019F3E45FF0}"/>
-              </a:ext>
-            </a:extLst>
-          </p:cNvPr>
-          <p:cNvCxnSpPr>
-            <a:cxnSpLocks/>
-            <a:stCxn id="201" idx="2"/>
-            <a:endCxn id="11" idx="3"/>
-          </p:cNvCxnSpPr>
-          <p:nvPr/>
-        </p:nvCxnSpPr>
-        <p:spPr>
-          <a:xfrm rot="5400000">
-            <a:off x="5475421" y="-804738"/>
-            <a:ext cx="535130" cy="7823486"/>
-          </a:xfrm>
-          <a:prstGeom prst="bentConnector2">
-            <a:avLst/>
-          </a:prstGeom>
-          <a:ln w="19050">
-            <a:solidFill>
-              <a:srgbClr val="C00000"/>
-            </a:solidFill>
-            <a:tailEnd type="triangle"/>
-          </a:ln>
-        </p:spPr>
-        <p:style>
-          <a:lnRef idx="1">
-            <a:schemeClr val="accent1"/>
-          </a:lnRef>
-          <a:fillRef idx="0">
-            <a:schemeClr val="accent1"/>
-          </a:fillRef>
-          <a:effectRef idx="0">
-            <a:schemeClr val="accent1"/>
-          </a:effectRef>
-          <a:fontRef idx="minor">
-            <a:schemeClr val="tx1"/>
-          </a:fontRef>
-        </p:style>
-      </p:cxnSp>
-      <p:cxnSp>
-        <p:nvCxnSpPr>
-          <p:cNvPr id="2" name="Elbow Connector 1">
-            <a:extLst>
-              <a:ext uri="{FF2B5EF4-FFF2-40B4-BE49-F238E27FC236}">
-                <a16:creationId xmlns:a16="http://schemas.microsoft.com/office/drawing/2014/main" id="{543615EA-0699-A0C5-9731-97E70F294EF8}"/>
-              </a:ext>
-            </a:extLst>
-          </p:cNvPr>
-          <p:cNvCxnSpPr>
-            <a:cxnSpLocks/>
-            <a:stCxn id="86" idx="0"/>
-            <a:endCxn id="11" idx="3"/>
-          </p:cNvCxnSpPr>
-          <p:nvPr/>
-        </p:nvCxnSpPr>
-        <p:spPr>
-          <a:xfrm rot="16200000" flipV="1">
-            <a:off x="3303795" y="1902018"/>
-            <a:ext cx="485280" cy="3430383"/>
-          </a:xfrm>
-          <a:prstGeom prst="bentConnector2">
-            <a:avLst/>
-          </a:prstGeom>
-          <a:ln w="19050">
-            <a:solidFill>
-              <a:srgbClr val="C00000"/>
-            </a:solidFill>
-            <a:tailEnd type="triangle"/>
-          </a:ln>
-        </p:spPr>
-        <p:style>
-          <a:lnRef idx="1">
-            <a:schemeClr val="accent1"/>
-          </a:lnRef>
-          <a:fillRef idx="0">
-            <a:schemeClr val="accent1"/>
-          </a:fillRef>
-          <a:effectRef idx="0">
-            <a:schemeClr val="accent1"/>
-          </a:effectRef>
-          <a:fontRef idx="minor">
-            <a:schemeClr val="tx1"/>
-          </a:fontRef>
-        </p:style>
-      </p:cxnSp>
-      <p:sp>
-        <p:nvSpPr>
-          <p:cNvPr id="7" name="TextBox 6">
-            <a:extLst>
-              <a:ext uri="{FF2B5EF4-FFF2-40B4-BE49-F238E27FC236}">
-                <a16:creationId xmlns:a16="http://schemas.microsoft.com/office/drawing/2014/main" id="{57791248-C2B4-372A-E29E-3C82EC6DD791}"/>
+      <p:sp>
+        <p:nvSpPr>
+          <p:cNvPr id="40" name="TextBox 39">
+            <a:extLst>
+              <a:ext uri="{FF2B5EF4-FFF2-40B4-BE49-F238E27FC236}">
+                <a16:creationId xmlns:a16="http://schemas.microsoft.com/office/drawing/2014/main" id="{A561AFEB-4655-426E-F893-59DC461A78C7}"/>
               </a:ext>
             </a:extLst>
           </p:cNvPr>
@@ -5941,13 +8899,15 @@
         </p:nvSpPr>
         <p:spPr>
           <a:xfrm>
-            <a:off x="4749341" y="3562005"/>
-            <a:ext cx="482824" cy="276999"/>
+            <a:off x="5572278" y="1261614"/>
+            <a:ext cx="969881" cy="307777"/>
           </a:xfrm>
           <a:prstGeom prst="rect">
             <a:avLst/>
           </a:prstGeom>
-          <a:noFill/>
+          <a:solidFill>
+            <a:schemeClr val="bg1"/>
+          </a:solidFill>
         </p:spPr>
         <p:txBody>
           <a:bodyPr wrap="none" rtlCol="0">
@@ -5956,13 +8916,10 @@
           <a:lstStyle/>
           <a:p>
             <a:r>
-              <a:rPr lang="en-US" sz="1200" dirty="0">
-                <a:solidFill>
-                  <a:srgbClr val="C00000"/>
-                </a:solidFill>
-              </a:rPr>
-              <a:t>used</a:t>
-            </a:r>
+              <a:rPr lang="en-US" sz="1400" dirty="0" err="1"/>
+              <a:t>satisfiedBy</a:t>
+            </a:r>
+            <a:endParaRPr lang="en-US" sz="1400" dirty="0"/>
           </a:p>
         </p:txBody>
       </p:sp>
@@ -6272,4 +9229,299 @@
     </a:ext>
   </a:extLst>
 </a:theme>
+</file>
+
+<file path=ppt/theme/theme2.xml><?xml version="1.0" encoding="utf-8"?>
+<a:theme xmlns:a="http://schemas.openxmlformats.org/drawingml/2006/main" name="Office Theme">
+  <a:themeElements>
+    <a:clrScheme name="Office">
+      <a:dk1>
+        <a:sysClr val="windowText" lastClr="000000"/>
+      </a:dk1>
+      <a:lt1>
+        <a:sysClr val="window" lastClr="FFFFFF"/>
+      </a:lt1>
+      <a:dk2>
+        <a:srgbClr val="44546A"/>
+      </a:dk2>
+      <a:lt2>
+        <a:srgbClr val="E7E6E6"/>
+      </a:lt2>
+      <a:accent1>
+        <a:srgbClr val="4472C4"/>
+      </a:accent1>
+      <a:accent2>
+        <a:srgbClr val="ED7D31"/>
+      </a:accent2>
+      <a:accent3>
+        <a:srgbClr val="A5A5A5"/>
+      </a:accent3>
+      <a:accent4>
+        <a:srgbClr val="FFC000"/>
+      </a:accent4>
+      <a:accent5>
+        <a:srgbClr val="5B9BD5"/>
+      </a:accent5>
+      <a:accent6>
+        <a:srgbClr val="70AD47"/>
+      </a:accent6>
+      <a:hlink>
+        <a:srgbClr val="0563C1"/>
+      </a:hlink>
+      <a:folHlink>
+        <a:srgbClr val="954F72"/>
+      </a:folHlink>
+    </a:clrScheme>
+    <a:fontScheme name="Office">
+      <a:majorFont>
+        <a:latin typeface="Calibri Light" panose="020F0302020204030204"/>
+        <a:ea typeface=""/>
+        <a:cs typeface=""/>
+        <a:font script="Jpan" typeface="游ゴシック Light"/>
+        <a:font script="Hang" typeface="맑은 고딕"/>
+        <a:font script="Hans" typeface="等线 Light"/>
+        <a:font script="Hant" typeface="新細明體"/>
+        <a:font script="Arab" typeface="Times New Roman"/>
+        <a:font script="Hebr" typeface="Times New Roman"/>
+        <a:font script="Thai" typeface="Angsana New"/>
+        <a:font script="Ethi" typeface="Nyala"/>
+        <a:font script="Beng" typeface="Vrinda"/>
+        <a:font script="Gujr" typeface="Shruti"/>
+        <a:font script="Khmr" typeface="MoolBoran"/>
+        <a:font script="Knda" typeface="Tunga"/>
+        <a:font script="Guru" typeface="Raavi"/>
+        <a:font script="Cans" typeface="Euphemia"/>
+        <a:font script="Cher" typeface="Plantagenet Cherokee"/>
+        <a:font script="Yiii" typeface="Microsoft Yi Baiti"/>
+        <a:font script="Tibt" typeface="Microsoft Himalaya"/>
+        <a:font script="Thaa" typeface="MV Boli"/>
+        <a:font script="Deva" typeface="Mangal"/>
+        <a:font script="Telu" typeface="Gautami"/>
+        <a:font script="Taml" typeface="Latha"/>
+        <a:font script="Syrc" typeface="Estrangelo Edessa"/>
+        <a:font script="Orya" typeface="Kalinga"/>
+        <a:font script="Mlym" typeface="Kartika"/>
+        <a:font script="Laoo" typeface="DokChampa"/>
+        <a:font script="Sinh" typeface="Iskoola Pota"/>
+        <a:font script="Mong" typeface="Mongolian Baiti"/>
+        <a:font script="Viet" typeface="Times New Roman"/>
+        <a:font script="Uigh" typeface="Microsoft Uighur"/>
+        <a:font script="Geor" typeface="Sylfaen"/>
+        <a:font script="Armn" typeface="Arial"/>
+        <a:font script="Bugi" typeface="Leelawadee UI"/>
+        <a:font script="Bopo" typeface="Microsoft JhengHei"/>
+        <a:font script="Java" typeface="Javanese Text"/>
+        <a:font script="Lisu" typeface="Segoe UI"/>
+        <a:font script="Mymr" typeface="Myanmar Text"/>
+        <a:font script="Nkoo" typeface="Ebrima"/>
+        <a:font script="Olck" typeface="Nirmala UI"/>
+        <a:font script="Osma" typeface="Ebrima"/>
+        <a:font script="Phag" typeface="Phagspa"/>
+        <a:font script="Syrn" typeface="Estrangelo Edessa"/>
+        <a:font script="Syrj" typeface="Estrangelo Edessa"/>
+        <a:font script="Syre" typeface="Estrangelo Edessa"/>
+        <a:font script="Sora" typeface="Nirmala UI"/>
+        <a:font script="Tale" typeface="Microsoft Tai Le"/>
+        <a:font script="Talu" typeface="Microsoft New Tai Lue"/>
+        <a:font script="Tfng" typeface="Ebrima"/>
+      </a:majorFont>
+      <a:minorFont>
+        <a:latin typeface="Calibri" panose="020F0502020204030204"/>
+        <a:ea typeface=""/>
+        <a:cs typeface=""/>
+        <a:font script="Jpan" typeface="游ゴシック"/>
+        <a:font script="Hang" typeface="맑은 고딕"/>
+        <a:font script="Hans" typeface="等线"/>
+        <a:font script="Hant" typeface="新細明體"/>
+        <a:font script="Arab" typeface="Arial"/>
+        <a:font script="Hebr" typeface="Arial"/>
+        <a:font script="Thai" typeface="Cordia New"/>
+        <a:font script="Ethi" typeface="Nyala"/>
+        <a:font script="Beng" typeface="Vrinda"/>
+        <a:font script="Gujr" typeface="Shruti"/>
+        <a:font script="Khmr" typeface="DaunPenh"/>
+        <a:font script="Knda" typeface="Tunga"/>
+        <a:font script="Guru" typeface="Raavi"/>
+        <a:font script="Cans" typeface="Euphemia"/>
+        <a:font script="Cher" typeface="Plantagenet Cherokee"/>
+        <a:font script="Yiii" typeface="Microsoft Yi Baiti"/>
+        <a:font script="Tibt" typeface="Microsoft Himalaya"/>
+        <a:font script="Thaa" typeface="MV Boli"/>
+        <a:font script="Deva" typeface="Mangal"/>
+        <a:font script="Telu" typeface="Gautami"/>
+        <a:font script="Taml" typeface="Latha"/>
+        <a:font script="Syrc" typeface="Estrangelo Edessa"/>
+        <a:font script="Orya" typeface="Kalinga"/>
+        <a:font script="Mlym" typeface="Kartika"/>
+        <a:font script="Laoo" typeface="DokChampa"/>
+        <a:font script="Sinh" typeface="Iskoola Pota"/>
+        <a:font script="Mong" typeface="Mongolian Baiti"/>
+        <a:font script="Viet" typeface="Arial"/>
+        <a:font script="Uigh" typeface="Microsoft Uighur"/>
+        <a:font script="Geor" typeface="Sylfaen"/>
+        <a:font script="Armn" typeface="Arial"/>
+        <a:font script="Bugi" typeface="Leelawadee UI"/>
+        <a:font script="Bopo" typeface="Microsoft JhengHei"/>
+        <a:font script="Java" typeface="Javanese Text"/>
+        <a:font script="Lisu" typeface="Segoe UI"/>
+        <a:font script="Mymr" typeface="Myanmar Text"/>
+        <a:font script="Nkoo" typeface="Ebrima"/>
+        <a:font script="Olck" typeface="Nirmala UI"/>
+        <a:font script="Osma" typeface="Ebrima"/>
+        <a:font script="Phag" typeface="Phagspa"/>
+        <a:font script="Syrn" typeface="Estrangelo Edessa"/>
+        <a:font script="Syrj" typeface="Estrangelo Edessa"/>
+        <a:font script="Syre" typeface="Estrangelo Edessa"/>
+        <a:font script="Sora" typeface="Nirmala UI"/>
+        <a:font script="Tale" typeface="Microsoft Tai Le"/>
+        <a:font script="Talu" typeface="Microsoft New Tai Lue"/>
+        <a:font script="Tfng" typeface="Ebrima"/>
+      </a:minorFont>
+    </a:fontScheme>
+    <a:fmtScheme name="Office">
+      <a:fillStyleLst>
+        <a:solidFill>
+          <a:schemeClr val="phClr"/>
+        </a:solidFill>
+        <a:gradFill rotWithShape="1">
+          <a:gsLst>
+            <a:gs pos="0">
+              <a:schemeClr val="phClr">
+                <a:lumMod val="110000"/>
+                <a:satMod val="105000"/>
+                <a:tint val="67000"/>
+              </a:schemeClr>
+            </a:gs>
+            <a:gs pos="50000">
+              <a:schemeClr val="phClr">
+                <a:lumMod val="105000"/>
+                <a:satMod val="103000"/>
+                <a:tint val="73000"/>
+              </a:schemeClr>
+            </a:gs>
+            <a:gs pos="100000">
+              <a:schemeClr val="phClr">
+                <a:lumMod val="105000"/>
+                <a:satMod val="109000"/>
+                <a:tint val="81000"/>
+              </a:schemeClr>
+            </a:gs>
+          </a:gsLst>
+          <a:lin ang="5400000" scaled="0"/>
+        </a:gradFill>
+        <a:gradFill rotWithShape="1">
+          <a:gsLst>
+            <a:gs pos="0">
+              <a:schemeClr val="phClr">
+                <a:satMod val="103000"/>
+                <a:lumMod val="102000"/>
+                <a:tint val="94000"/>
+              </a:schemeClr>
+            </a:gs>
+            <a:gs pos="50000">
+              <a:schemeClr val="phClr">
+                <a:satMod val="110000"/>
+                <a:lumMod val="100000"/>
+                <a:shade val="100000"/>
+              </a:schemeClr>
+            </a:gs>
+            <a:gs pos="100000">
+              <a:schemeClr val="phClr">
+                <a:lumMod val="99000"/>
+                <a:satMod val="120000"/>
+                <a:shade val="78000"/>
+              </a:schemeClr>
+            </a:gs>
+          </a:gsLst>
+          <a:lin ang="5400000" scaled="0"/>
+        </a:gradFill>
+      </a:fillStyleLst>
+      <a:lnStyleLst>
+        <a:ln w="6350" cap="flat" cmpd="sng" algn="ctr">
+          <a:solidFill>
+            <a:schemeClr val="phClr"/>
+          </a:solidFill>
+          <a:prstDash val="solid"/>
+          <a:miter lim="800000"/>
+        </a:ln>
+        <a:ln w="12700" cap="flat" cmpd="sng" algn="ctr">
+          <a:solidFill>
+            <a:schemeClr val="phClr"/>
+          </a:solidFill>
+          <a:prstDash val="solid"/>
+          <a:miter lim="800000"/>
+        </a:ln>
+        <a:ln w="19050" cap="flat" cmpd="sng" algn="ctr">
+          <a:solidFill>
+            <a:schemeClr val="phClr"/>
+          </a:solidFill>
+          <a:prstDash val="solid"/>
+          <a:miter lim="800000"/>
+        </a:ln>
+      </a:lnStyleLst>
+      <a:effectStyleLst>
+        <a:effectStyle>
+          <a:effectLst/>
+        </a:effectStyle>
+        <a:effectStyle>
+          <a:effectLst/>
+        </a:effectStyle>
+        <a:effectStyle>
+          <a:effectLst>
+            <a:outerShdw blurRad="57150" dist="19050" dir="5400000" algn="ctr" rotWithShape="0">
+              <a:srgbClr val="000000">
+                <a:alpha val="63000"/>
+              </a:srgbClr>
+            </a:outerShdw>
+          </a:effectLst>
+        </a:effectStyle>
+      </a:effectStyleLst>
+      <a:bgFillStyleLst>
+        <a:solidFill>
+          <a:schemeClr val="phClr"/>
+        </a:solidFill>
+        <a:solidFill>
+          <a:schemeClr val="phClr">
+            <a:tint val="95000"/>
+            <a:satMod val="170000"/>
+          </a:schemeClr>
+        </a:solidFill>
+        <a:gradFill rotWithShape="1">
+          <a:gsLst>
+            <a:gs pos="0">
+              <a:schemeClr val="phClr">
+                <a:tint val="93000"/>
+                <a:satMod val="150000"/>
+                <a:shade val="98000"/>
+                <a:lumMod val="102000"/>
+              </a:schemeClr>
+            </a:gs>
+            <a:gs pos="50000">
+              <a:schemeClr val="phClr">
+                <a:tint val="98000"/>
+                <a:satMod val="130000"/>
+                <a:shade val="90000"/>
+                <a:lumMod val="103000"/>
+              </a:schemeClr>
+            </a:gs>
+            <a:gs pos="100000">
+              <a:schemeClr val="phClr">
+                <a:shade val="63000"/>
+                <a:satMod val="120000"/>
+              </a:schemeClr>
+            </a:gs>
+          </a:gsLst>
+          <a:lin ang="5400000" scaled="0"/>
+        </a:gradFill>
+      </a:bgFillStyleLst>
+    </a:fmtScheme>
+  </a:themeElements>
+  <a:objectDefaults/>
+  <a:extraClrSchemeLst/>
+  <a:extLst>
+    <a:ext uri="{05A4C25C-085E-4340-85A3-A5531E510DB2}">
+      <thm15:themeFamily xmlns:thm15="http://schemas.microsoft.com/office/thememl/2012/main" name="Office Theme" id="{62F939B6-93AF-4DB8-9C6B-D6C7DFDC589F}" vid="{4A3C46E8-61CC-4603-A589-7422A47A8E4A}"/>
+    </a:ext>
+  </a:extLst>
+</a:theme>
 </file>
--- a/overlays/ARP-4754A/ARP-4754A-ontology.pptx
+++ b/overlays/ARP-4754A/ARP-4754A-ontology.pptx
@@ -198,7 +198,7 @@
           <a:p>
             <a:fld id="{6D02D52E-7427-AC40-BCC5-1EA7CBC30CAB}" type="datetimeFigureOut">
               <a:rPr lang="en-US" smtClean="0"/>
-              <a:t>10/25/23</a:t>
+              <a:t>11/9/23</a:t>
             </a:fld>
             <a:endParaRPr lang="en-US"/>
           </a:p>
@@ -696,7 +696,7 @@
           <a:p>
             <a:fld id="{5D04BAA6-3F2E-F94C-8900-238E37332B13}" type="datetimeFigureOut">
               <a:rPr lang="en-US" smtClean="0"/>
-              <a:t>10/25/23</a:t>
+              <a:t>11/9/23</a:t>
             </a:fld>
             <a:endParaRPr lang="en-US"/>
           </a:p>
@@ -894,7 +894,7 @@
           <a:p>
             <a:fld id="{5D04BAA6-3F2E-F94C-8900-238E37332B13}" type="datetimeFigureOut">
               <a:rPr lang="en-US" smtClean="0"/>
-              <a:t>10/25/23</a:t>
+              <a:t>11/9/23</a:t>
             </a:fld>
             <a:endParaRPr lang="en-US"/>
           </a:p>
@@ -1102,7 +1102,7 @@
           <a:p>
             <a:fld id="{5D04BAA6-3F2E-F94C-8900-238E37332B13}" type="datetimeFigureOut">
               <a:rPr lang="en-US" smtClean="0"/>
-              <a:t>10/25/23</a:t>
+              <a:t>11/9/23</a:t>
             </a:fld>
             <a:endParaRPr lang="en-US"/>
           </a:p>
@@ -1300,7 +1300,7 @@
           <a:p>
             <a:fld id="{5D04BAA6-3F2E-F94C-8900-238E37332B13}" type="datetimeFigureOut">
               <a:rPr lang="en-US" smtClean="0"/>
-              <a:t>10/25/23</a:t>
+              <a:t>11/9/23</a:t>
             </a:fld>
             <a:endParaRPr lang="en-US"/>
           </a:p>
@@ -1575,7 +1575,7 @@
           <a:p>
             <a:fld id="{5D04BAA6-3F2E-F94C-8900-238E37332B13}" type="datetimeFigureOut">
               <a:rPr lang="en-US" smtClean="0"/>
-              <a:t>10/25/23</a:t>
+              <a:t>11/9/23</a:t>
             </a:fld>
             <a:endParaRPr lang="en-US"/>
           </a:p>
@@ -1840,7 +1840,7 @@
           <a:p>
             <a:fld id="{5D04BAA6-3F2E-F94C-8900-238E37332B13}" type="datetimeFigureOut">
               <a:rPr lang="en-US" smtClean="0"/>
-              <a:t>10/25/23</a:t>
+              <a:t>11/9/23</a:t>
             </a:fld>
             <a:endParaRPr lang="en-US"/>
           </a:p>
@@ -2252,7 +2252,7 @@
           <a:p>
             <a:fld id="{5D04BAA6-3F2E-F94C-8900-238E37332B13}" type="datetimeFigureOut">
               <a:rPr lang="en-US" smtClean="0"/>
-              <a:t>10/25/23</a:t>
+              <a:t>11/9/23</a:t>
             </a:fld>
             <a:endParaRPr lang="en-US"/>
           </a:p>
@@ -2393,7 +2393,7 @@
           <a:p>
             <a:fld id="{5D04BAA6-3F2E-F94C-8900-238E37332B13}" type="datetimeFigureOut">
               <a:rPr lang="en-US" smtClean="0"/>
-              <a:t>10/25/23</a:t>
+              <a:t>11/9/23</a:t>
             </a:fld>
             <a:endParaRPr lang="en-US"/>
           </a:p>
@@ -2506,7 +2506,7 @@
           <a:p>
             <a:fld id="{5D04BAA6-3F2E-F94C-8900-238E37332B13}" type="datetimeFigureOut">
               <a:rPr lang="en-US" smtClean="0"/>
-              <a:t>10/25/23</a:t>
+              <a:t>11/9/23</a:t>
             </a:fld>
             <a:endParaRPr lang="en-US"/>
           </a:p>
@@ -2817,7 +2817,7 @@
           <a:p>
             <a:fld id="{5D04BAA6-3F2E-F94C-8900-238E37332B13}" type="datetimeFigureOut">
               <a:rPr lang="en-US" smtClean="0"/>
-              <a:t>10/25/23</a:t>
+              <a:t>11/9/23</a:t>
             </a:fld>
             <a:endParaRPr lang="en-US"/>
           </a:p>
@@ -3105,7 +3105,7 @@
           <a:p>
             <a:fld id="{5D04BAA6-3F2E-F94C-8900-238E37332B13}" type="datetimeFigureOut">
               <a:rPr lang="en-US" smtClean="0"/>
-              <a:t>10/25/23</a:t>
+              <a:t>11/9/23</a:t>
             </a:fld>
             <a:endParaRPr lang="en-US"/>
           </a:p>
@@ -3346,7 +3346,7 @@
           <a:p>
             <a:fld id="{5D04BAA6-3F2E-F94C-8900-238E37332B13}" type="datetimeFigureOut">
               <a:rPr lang="en-US" smtClean="0"/>
-              <a:t>10/25/23</a:t>
+              <a:t>11/9/23</a:t>
             </a:fld>
             <a:endParaRPr lang="en-US"/>
           </a:p>
@@ -4164,7 +4164,7 @@
             <a:pPr algn="ctr"/>
             <a:r>
               <a:rPr lang="en-US" sz="1200" dirty="0"/>
-              <a:t>PROCESS_PLAN: ARP4754_Plan</a:t>
+              <a:t>PLAN: ARP4754_Plan</a:t>
             </a:r>
           </a:p>
         </p:txBody>
@@ -6500,6 +6500,9 @@
           <a:prstGeom prst="roundRect">
             <a:avLst/>
           </a:prstGeom>
+          <a:solidFill>
+            <a:schemeClr val="tx2"/>
+          </a:solidFill>
         </p:spPr>
         <p:style>
           <a:lnRef idx="2">
@@ -6524,14 +6527,14 @@
             <a:pPr algn="ctr"/>
             <a:r>
               <a:rPr lang="en-US" sz="1200" dirty="0"/>
-              <a:t>PLAN: Process Plan</a:t>
+              <a:t>PLAN: </a:t>
             </a:r>
           </a:p>
           <a:p>
             <a:pPr algn="ctr"/>
             <a:r>
               <a:rPr lang="en-US" sz="1200" dirty="0"/>
-              <a:t>[Safety Program Plan]</a:t>
+              <a:t>Safety Program Plan</a:t>
             </a:r>
           </a:p>
         </p:txBody>
